--- a/PriliminaryDesign/PriliminaryDesign.pptx
+++ b/PriliminaryDesign/PriliminaryDesign.pptx
@@ -105,6 +105,11 @@
       </a:defRPr>
     </a:lvl9pPr>
   </p:defaultTextStyle>
+  <p:extLst>
+    <p:ext uri="{EFAFB233-063F-42B5-8137-9DF3F51BA10A}">
+      <p15:sldGuideLst xmlns:p15="http://schemas.microsoft.com/office/powerpoint/2012/main"/>
+    </p:ext>
+  </p:extLst>
 </p:presentation>
 </file>
 
@@ -255,7 +260,7 @@
           <a:p>
             <a:fld id="{F0BF1898-6119-4CA0-B6F6-18825E1A88CA}" type="datetimeFigureOut">
               <a:rPr lang="en-US" smtClean="0"/>
-              <a:t>3/3/2023</a:t>
+              <a:t>3/5/2023</a:t>
             </a:fld>
             <a:endParaRPr lang="en-US"/>
           </a:p>
@@ -453,7 +458,7 @@
           <a:p>
             <a:fld id="{F0BF1898-6119-4CA0-B6F6-18825E1A88CA}" type="datetimeFigureOut">
               <a:rPr lang="en-US" smtClean="0"/>
-              <a:t>3/3/2023</a:t>
+              <a:t>3/5/2023</a:t>
             </a:fld>
             <a:endParaRPr lang="en-US"/>
           </a:p>
@@ -661,7 +666,7 @@
           <a:p>
             <a:fld id="{F0BF1898-6119-4CA0-B6F6-18825E1A88CA}" type="datetimeFigureOut">
               <a:rPr lang="en-US" smtClean="0"/>
-              <a:t>3/3/2023</a:t>
+              <a:t>3/5/2023</a:t>
             </a:fld>
             <a:endParaRPr lang="en-US"/>
           </a:p>
@@ -859,7 +864,7 @@
           <a:p>
             <a:fld id="{F0BF1898-6119-4CA0-B6F6-18825E1A88CA}" type="datetimeFigureOut">
               <a:rPr lang="en-US" smtClean="0"/>
-              <a:t>3/3/2023</a:t>
+              <a:t>3/5/2023</a:t>
             </a:fld>
             <a:endParaRPr lang="en-US"/>
           </a:p>
@@ -1134,7 +1139,7 @@
           <a:p>
             <a:fld id="{F0BF1898-6119-4CA0-B6F6-18825E1A88CA}" type="datetimeFigureOut">
               <a:rPr lang="en-US" smtClean="0"/>
-              <a:t>3/3/2023</a:t>
+              <a:t>3/5/2023</a:t>
             </a:fld>
             <a:endParaRPr lang="en-US"/>
           </a:p>
@@ -1399,7 +1404,7 @@
           <a:p>
             <a:fld id="{F0BF1898-6119-4CA0-B6F6-18825E1A88CA}" type="datetimeFigureOut">
               <a:rPr lang="en-US" smtClean="0"/>
-              <a:t>3/3/2023</a:t>
+              <a:t>3/5/2023</a:t>
             </a:fld>
             <a:endParaRPr lang="en-US"/>
           </a:p>
@@ -1811,7 +1816,7 @@
           <a:p>
             <a:fld id="{F0BF1898-6119-4CA0-B6F6-18825E1A88CA}" type="datetimeFigureOut">
               <a:rPr lang="en-US" smtClean="0"/>
-              <a:t>3/3/2023</a:t>
+              <a:t>3/5/2023</a:t>
             </a:fld>
             <a:endParaRPr lang="en-US"/>
           </a:p>
@@ -1952,7 +1957,7 @@
           <a:p>
             <a:fld id="{F0BF1898-6119-4CA0-B6F6-18825E1A88CA}" type="datetimeFigureOut">
               <a:rPr lang="en-US" smtClean="0"/>
-              <a:t>3/3/2023</a:t>
+              <a:t>3/5/2023</a:t>
             </a:fld>
             <a:endParaRPr lang="en-US"/>
           </a:p>
@@ -2065,7 +2070,7 @@
           <a:p>
             <a:fld id="{F0BF1898-6119-4CA0-B6F6-18825E1A88CA}" type="datetimeFigureOut">
               <a:rPr lang="en-US" smtClean="0"/>
-              <a:t>3/3/2023</a:t>
+              <a:t>3/5/2023</a:t>
             </a:fld>
             <a:endParaRPr lang="en-US"/>
           </a:p>
@@ -2376,7 +2381,7 @@
           <a:p>
             <a:fld id="{F0BF1898-6119-4CA0-B6F6-18825E1A88CA}" type="datetimeFigureOut">
               <a:rPr lang="en-US" smtClean="0"/>
-              <a:t>3/3/2023</a:t>
+              <a:t>3/5/2023</a:t>
             </a:fld>
             <a:endParaRPr lang="en-US"/>
           </a:p>
@@ -2664,7 +2669,7 @@
           <a:p>
             <a:fld id="{F0BF1898-6119-4CA0-B6F6-18825E1A88CA}" type="datetimeFigureOut">
               <a:rPr lang="en-US" smtClean="0"/>
-              <a:t>3/3/2023</a:t>
+              <a:t>3/5/2023</a:t>
             </a:fld>
             <a:endParaRPr lang="en-US"/>
           </a:p>
@@ -2905,7 +2910,7 @@
           <a:p>
             <a:fld id="{F0BF1898-6119-4CA0-B6F6-18825E1A88CA}" type="datetimeFigureOut">
               <a:rPr lang="en-US" smtClean="0"/>
-              <a:t>3/3/2023</a:t>
+              <a:t>3/5/2023</a:t>
             </a:fld>
             <a:endParaRPr lang="en-US"/>
           </a:p>
@@ -3567,7 +3572,7 @@
         <p:spPr>
           <a:xfrm>
             <a:off x="133830" y="1833465"/>
-            <a:ext cx="1278293" cy="707886"/>
+            <a:ext cx="1882267" cy="1015663"/>
           </a:xfrm>
           <a:prstGeom prst="rect">
             <a:avLst/>
@@ -3586,6 +3591,20 @@
                 <a:cs typeface="Helvetica" panose="020B0604020202020204" pitchFamily="34" charset="0"/>
               </a:rPr>
               <a:t>Knee motors</a:t>
+            </a:r>
+            <a:r>
+              <a:rPr lang="el-GR" sz="2000" dirty="0">
+                <a:latin typeface="Helvetica" panose="020B0604020202020204" pitchFamily="34" charset="0"/>
+                <a:cs typeface="Helvetica" panose="020B0604020202020204" pitchFamily="34" charset="0"/>
+              </a:rPr>
+              <a:t> Τ-</a:t>
+            </a:r>
+            <a:r>
+              <a:rPr lang="en-US" sz="2000" dirty="0">
+                <a:latin typeface="Helvetica" panose="020B0604020202020204" pitchFamily="34" charset="0"/>
+                <a:cs typeface="Helvetica" panose="020B0604020202020204" pitchFamily="34" charset="0"/>
+              </a:rPr>
+              <a:t>motor U8KV135</a:t>
             </a:r>
           </a:p>
         </p:txBody>
@@ -3792,8 +3811,8 @@
         </p:nvCxnSpPr>
         <p:spPr>
           <a:xfrm flipV="1">
-            <a:off x="1412123" y="2140755"/>
-            <a:ext cx="1048096" cy="46653"/>
+            <a:off x="2016097" y="2140755"/>
+            <a:ext cx="444122" cy="200542"/>
           </a:xfrm>
           <a:prstGeom prst="straightConnector1">
             <a:avLst/>

--- a/PriliminaryDesign/PriliminaryDesign.pptx
+++ b/PriliminaryDesign/PriliminaryDesign.pptx
@@ -7,6 +7,7 @@
   <p:sldIdLst>
     <p:sldId id="256" r:id="rId2"/>
     <p:sldId id="257" r:id="rId3"/>
+    <p:sldId id="258" r:id="rId4"/>
   </p:sldIdLst>
   <p:sldSz cx="12192000" cy="6858000"/>
   <p:notesSz cx="6858000" cy="9144000"/>
@@ -260,7 +261,7 @@
           <a:p>
             <a:fld id="{F0BF1898-6119-4CA0-B6F6-18825E1A88CA}" type="datetimeFigureOut">
               <a:rPr lang="en-US" smtClean="0"/>
-              <a:t>3/5/2023</a:t>
+              <a:t>3/7/2023</a:t>
             </a:fld>
             <a:endParaRPr lang="en-US"/>
           </a:p>
@@ -458,7 +459,7 @@
           <a:p>
             <a:fld id="{F0BF1898-6119-4CA0-B6F6-18825E1A88CA}" type="datetimeFigureOut">
               <a:rPr lang="en-US" smtClean="0"/>
-              <a:t>3/5/2023</a:t>
+              <a:t>3/7/2023</a:t>
             </a:fld>
             <a:endParaRPr lang="en-US"/>
           </a:p>
@@ -666,7 +667,7 @@
           <a:p>
             <a:fld id="{F0BF1898-6119-4CA0-B6F6-18825E1A88CA}" type="datetimeFigureOut">
               <a:rPr lang="en-US" smtClean="0"/>
-              <a:t>3/5/2023</a:t>
+              <a:t>3/7/2023</a:t>
             </a:fld>
             <a:endParaRPr lang="en-US"/>
           </a:p>
@@ -864,7 +865,7 @@
           <a:p>
             <a:fld id="{F0BF1898-6119-4CA0-B6F6-18825E1A88CA}" type="datetimeFigureOut">
               <a:rPr lang="en-US" smtClean="0"/>
-              <a:t>3/5/2023</a:t>
+              <a:t>3/7/2023</a:t>
             </a:fld>
             <a:endParaRPr lang="en-US"/>
           </a:p>
@@ -1139,7 +1140,7 @@
           <a:p>
             <a:fld id="{F0BF1898-6119-4CA0-B6F6-18825E1A88CA}" type="datetimeFigureOut">
               <a:rPr lang="en-US" smtClean="0"/>
-              <a:t>3/5/2023</a:t>
+              <a:t>3/7/2023</a:t>
             </a:fld>
             <a:endParaRPr lang="en-US"/>
           </a:p>
@@ -1404,7 +1405,7 @@
           <a:p>
             <a:fld id="{F0BF1898-6119-4CA0-B6F6-18825E1A88CA}" type="datetimeFigureOut">
               <a:rPr lang="en-US" smtClean="0"/>
-              <a:t>3/5/2023</a:t>
+              <a:t>3/7/2023</a:t>
             </a:fld>
             <a:endParaRPr lang="en-US"/>
           </a:p>
@@ -1816,7 +1817,7 @@
           <a:p>
             <a:fld id="{F0BF1898-6119-4CA0-B6F6-18825E1A88CA}" type="datetimeFigureOut">
               <a:rPr lang="en-US" smtClean="0"/>
-              <a:t>3/5/2023</a:t>
+              <a:t>3/7/2023</a:t>
             </a:fld>
             <a:endParaRPr lang="en-US"/>
           </a:p>
@@ -1957,7 +1958,7 @@
           <a:p>
             <a:fld id="{F0BF1898-6119-4CA0-B6F6-18825E1A88CA}" type="datetimeFigureOut">
               <a:rPr lang="en-US" smtClean="0"/>
-              <a:t>3/5/2023</a:t>
+              <a:t>3/7/2023</a:t>
             </a:fld>
             <a:endParaRPr lang="en-US"/>
           </a:p>
@@ -2070,7 +2071,7 @@
           <a:p>
             <a:fld id="{F0BF1898-6119-4CA0-B6F6-18825E1A88CA}" type="datetimeFigureOut">
               <a:rPr lang="en-US" smtClean="0"/>
-              <a:t>3/5/2023</a:t>
+              <a:t>3/7/2023</a:t>
             </a:fld>
             <a:endParaRPr lang="en-US"/>
           </a:p>
@@ -2381,7 +2382,7 @@
           <a:p>
             <a:fld id="{F0BF1898-6119-4CA0-B6F6-18825E1A88CA}" type="datetimeFigureOut">
               <a:rPr lang="en-US" smtClean="0"/>
-              <a:t>3/5/2023</a:t>
+              <a:t>3/7/2023</a:t>
             </a:fld>
             <a:endParaRPr lang="en-US"/>
           </a:p>
@@ -2669,7 +2670,7 @@
           <a:p>
             <a:fld id="{F0BF1898-6119-4CA0-B6F6-18825E1A88CA}" type="datetimeFigureOut">
               <a:rPr lang="en-US" smtClean="0"/>
-              <a:t>3/5/2023</a:t>
+              <a:t>3/7/2023</a:t>
             </a:fld>
             <a:endParaRPr lang="en-US"/>
           </a:p>
@@ -2910,7 +2911,7 @@
           <a:p>
             <a:fld id="{F0BF1898-6119-4CA0-B6F6-18825E1A88CA}" type="datetimeFigureOut">
               <a:rPr lang="en-US" smtClean="0"/>
-              <a:t>3/5/2023</a:t>
+              <a:t>3/7/2023</a:t>
             </a:fld>
             <a:endParaRPr lang="en-US"/>
           </a:p>
@@ -4976,6 +4977,578 @@
 </p:sld>
 </file>
 
+<file path=ppt/slides/slide3.xml><?xml version="1.0" encoding="utf-8"?>
+<p:sld xmlns:a="http://schemas.openxmlformats.org/drawingml/2006/main" xmlns:r="http://schemas.openxmlformats.org/officeDocument/2006/relationships" xmlns:p="http://schemas.openxmlformats.org/presentationml/2006/main">
+  <p:cSld>
+    <p:spTree>
+      <p:nvGrpSpPr>
+        <p:cNvPr id="1" name=""/>
+        <p:cNvGrpSpPr/>
+        <p:nvPr/>
+      </p:nvGrpSpPr>
+      <p:grpSpPr>
+        <a:xfrm>
+          <a:off x="0" y="0"/>
+          <a:ext cx="0" cy="0"/>
+          <a:chOff x="0" y="0"/>
+          <a:chExt cx="0" cy="0"/>
+        </a:xfrm>
+      </p:grpSpPr>
+      <p:grpSp>
+        <p:nvGrpSpPr>
+          <p:cNvPr id="39" name="Group 38">
+            <a:extLst>
+              <a:ext uri="{FF2B5EF4-FFF2-40B4-BE49-F238E27FC236}">
+                <a16:creationId xmlns:a16="http://schemas.microsoft.com/office/drawing/2014/main" id="{21F932F8-697B-1692-AC81-0E156A508A02}"/>
+              </a:ext>
+            </a:extLst>
+          </p:cNvPr>
+          <p:cNvGrpSpPr/>
+          <p:nvPr/>
+        </p:nvGrpSpPr>
+        <p:grpSpPr>
+          <a:xfrm>
+            <a:off x="647701" y="459581"/>
+            <a:ext cx="3236682" cy="5938838"/>
+            <a:chOff x="6096000" y="328612"/>
+            <a:chExt cx="4581525" cy="8406429"/>
+          </a:xfrm>
+        </p:grpSpPr>
+        <p:pic>
+          <p:nvPicPr>
+            <p:cNvPr id="7" name="Picture 6">
+              <a:extLst>
+                <a:ext uri="{FF2B5EF4-FFF2-40B4-BE49-F238E27FC236}">
+                  <a16:creationId xmlns:a16="http://schemas.microsoft.com/office/drawing/2014/main" id="{1B76A090-50CC-39CF-1BD9-06DAE1E8288E}"/>
+                </a:ext>
+              </a:extLst>
+            </p:cNvPr>
+            <p:cNvPicPr>
+              <a:picLocks noChangeAspect="1"/>
+            </p:cNvPicPr>
+            <p:nvPr/>
+          </p:nvPicPr>
+          <p:blipFill>
+            <a:blip r:embed="rId2"/>
+            <a:stretch>
+              <a:fillRect/>
+            </a:stretch>
+          </p:blipFill>
+          <p:spPr>
+            <a:xfrm>
+              <a:off x="6096000" y="328612"/>
+              <a:ext cx="4581525" cy="6200775"/>
+            </a:xfrm>
+            <a:prstGeom prst="rect">
+              <a:avLst/>
+            </a:prstGeom>
+          </p:spPr>
+        </p:pic>
+        <p:sp>
+          <p:nvSpPr>
+            <p:cNvPr id="8" name="Rectangle 7">
+              <a:extLst>
+                <a:ext uri="{FF2B5EF4-FFF2-40B4-BE49-F238E27FC236}">
+                  <a16:creationId xmlns:a16="http://schemas.microsoft.com/office/drawing/2014/main" id="{260BE231-07DC-DFCD-1FBD-D87A23668A53}"/>
+                </a:ext>
+              </a:extLst>
+            </p:cNvPr>
+            <p:cNvSpPr/>
+            <p:nvPr/>
+          </p:nvSpPr>
+          <p:spPr>
+            <a:xfrm>
+              <a:off x="7359588" y="4572000"/>
+              <a:ext cx="2166152" cy="1236213"/>
+            </a:xfrm>
+            <a:prstGeom prst="rect">
+              <a:avLst/>
+            </a:prstGeom>
+            <a:noFill/>
+            <a:ln w="57150">
+              <a:solidFill>
+                <a:schemeClr val="tx1"/>
+              </a:solidFill>
+            </a:ln>
+          </p:spPr>
+          <p:style>
+            <a:lnRef idx="2">
+              <a:schemeClr val="dk1">
+                <a:shade val="50000"/>
+              </a:schemeClr>
+            </a:lnRef>
+            <a:fillRef idx="1">
+              <a:schemeClr val="dk1"/>
+            </a:fillRef>
+            <a:effectRef idx="0">
+              <a:schemeClr val="dk1"/>
+            </a:effectRef>
+            <a:fontRef idx="minor">
+              <a:schemeClr val="lt1"/>
+            </a:fontRef>
+          </p:style>
+          <p:txBody>
+            <a:bodyPr rtlCol="0" anchor="ctr"/>
+            <a:lstStyle/>
+            <a:p>
+              <a:pPr algn="ctr"/>
+              <a:endParaRPr lang="en-US"/>
+            </a:p>
+          </p:txBody>
+        </p:sp>
+        <p:cxnSp>
+          <p:nvCxnSpPr>
+            <p:cNvPr id="10" name="Straight Connector 9">
+              <a:extLst>
+                <a:ext uri="{FF2B5EF4-FFF2-40B4-BE49-F238E27FC236}">
+                  <a16:creationId xmlns:a16="http://schemas.microsoft.com/office/drawing/2014/main" id="{FA045B14-A6A8-2533-CA91-6704C0C75FA9}"/>
+                </a:ext>
+              </a:extLst>
+            </p:cNvPr>
+            <p:cNvCxnSpPr>
+              <a:cxnSpLocks/>
+            </p:cNvCxnSpPr>
+            <p:nvPr/>
+          </p:nvCxnSpPr>
+          <p:spPr>
+            <a:xfrm>
+              <a:off x="7865616" y="5033639"/>
+              <a:ext cx="976543" cy="0"/>
+            </a:xfrm>
+            <a:prstGeom prst="line">
+              <a:avLst/>
+            </a:prstGeom>
+            <a:ln w="57150"/>
+          </p:spPr>
+          <p:style>
+            <a:lnRef idx="1">
+              <a:schemeClr val="dk1"/>
+            </a:lnRef>
+            <a:fillRef idx="0">
+              <a:schemeClr val="dk1"/>
+            </a:fillRef>
+            <a:effectRef idx="0">
+              <a:schemeClr val="dk1"/>
+            </a:effectRef>
+            <a:fontRef idx="minor">
+              <a:schemeClr val="tx1"/>
+            </a:fontRef>
+          </p:style>
+        </p:cxnSp>
+        <p:cxnSp>
+          <p:nvCxnSpPr>
+            <p:cNvPr id="18" name="Straight Connector 17">
+              <a:extLst>
+                <a:ext uri="{FF2B5EF4-FFF2-40B4-BE49-F238E27FC236}">
+                  <a16:creationId xmlns:a16="http://schemas.microsoft.com/office/drawing/2014/main" id="{3838E3CB-3217-DA4D-07CD-A3B0945B9858}"/>
+                </a:ext>
+              </a:extLst>
+            </p:cNvPr>
+            <p:cNvCxnSpPr>
+              <a:cxnSpLocks/>
+            </p:cNvCxnSpPr>
+            <p:nvPr/>
+          </p:nvCxnSpPr>
+          <p:spPr>
+            <a:xfrm>
+              <a:off x="7865614" y="5033639"/>
+              <a:ext cx="976544" cy="395056"/>
+            </a:xfrm>
+            <a:prstGeom prst="line">
+              <a:avLst/>
+            </a:prstGeom>
+            <a:ln w="57150"/>
+          </p:spPr>
+          <p:style>
+            <a:lnRef idx="1">
+              <a:schemeClr val="dk1"/>
+            </a:lnRef>
+            <a:fillRef idx="0">
+              <a:schemeClr val="dk1"/>
+            </a:fillRef>
+            <a:effectRef idx="0">
+              <a:schemeClr val="dk1"/>
+            </a:effectRef>
+            <a:fontRef idx="minor">
+              <a:schemeClr val="tx1"/>
+            </a:fontRef>
+          </p:style>
+        </p:cxnSp>
+        <p:cxnSp>
+          <p:nvCxnSpPr>
+            <p:cNvPr id="20" name="Straight Connector 19">
+              <a:extLst>
+                <a:ext uri="{FF2B5EF4-FFF2-40B4-BE49-F238E27FC236}">
+                  <a16:creationId xmlns:a16="http://schemas.microsoft.com/office/drawing/2014/main" id="{12DEF7C9-4BEF-90B7-3AE6-799F8AD3762B}"/>
+                </a:ext>
+              </a:extLst>
+            </p:cNvPr>
+            <p:cNvCxnSpPr>
+              <a:cxnSpLocks/>
+            </p:cNvCxnSpPr>
+            <p:nvPr/>
+          </p:nvCxnSpPr>
+          <p:spPr>
+            <a:xfrm flipV="1">
+              <a:off x="8025414" y="5428695"/>
+              <a:ext cx="816744" cy="121998"/>
+            </a:xfrm>
+            <a:prstGeom prst="line">
+              <a:avLst/>
+            </a:prstGeom>
+            <a:ln w="57150"/>
+          </p:spPr>
+          <p:style>
+            <a:lnRef idx="1">
+              <a:schemeClr val="dk1"/>
+            </a:lnRef>
+            <a:fillRef idx="0">
+              <a:schemeClr val="dk1"/>
+            </a:fillRef>
+            <a:effectRef idx="0">
+              <a:schemeClr val="dk1"/>
+            </a:effectRef>
+            <a:fontRef idx="minor">
+              <a:schemeClr val="tx1"/>
+            </a:fontRef>
+          </p:style>
+        </p:cxnSp>
+        <p:cxnSp>
+          <p:nvCxnSpPr>
+            <p:cNvPr id="23" name="Straight Connector 22">
+              <a:extLst>
+                <a:ext uri="{FF2B5EF4-FFF2-40B4-BE49-F238E27FC236}">
+                  <a16:creationId xmlns:a16="http://schemas.microsoft.com/office/drawing/2014/main" id="{B9267C24-10BB-0888-34BA-F71A8311DA7F}"/>
+                </a:ext>
+              </a:extLst>
+            </p:cNvPr>
+            <p:cNvCxnSpPr>
+              <a:cxnSpLocks/>
+            </p:cNvCxnSpPr>
+            <p:nvPr/>
+          </p:nvCxnSpPr>
+          <p:spPr>
+            <a:xfrm flipV="1">
+              <a:off x="8025414" y="5028265"/>
+              <a:ext cx="769720" cy="522428"/>
+            </a:xfrm>
+            <a:prstGeom prst="line">
+              <a:avLst/>
+            </a:prstGeom>
+            <a:ln w="57150"/>
+          </p:spPr>
+          <p:style>
+            <a:lnRef idx="1">
+              <a:schemeClr val="dk1"/>
+            </a:lnRef>
+            <a:fillRef idx="0">
+              <a:schemeClr val="dk1"/>
+            </a:fillRef>
+            <a:effectRef idx="0">
+              <a:schemeClr val="dk1"/>
+            </a:effectRef>
+            <a:fontRef idx="minor">
+              <a:schemeClr val="tx1"/>
+            </a:fontRef>
+          </p:style>
+        </p:cxnSp>
+        <p:sp>
+          <p:nvSpPr>
+            <p:cNvPr id="30" name="Rectangle: Rounded Corners 29">
+              <a:extLst>
+                <a:ext uri="{FF2B5EF4-FFF2-40B4-BE49-F238E27FC236}">
+                  <a16:creationId xmlns:a16="http://schemas.microsoft.com/office/drawing/2014/main" id="{0564BEE8-99F1-A5D5-461C-799FBB82E912}"/>
+                </a:ext>
+              </a:extLst>
+            </p:cNvPr>
+            <p:cNvSpPr/>
+            <p:nvPr/>
+          </p:nvSpPr>
+          <p:spPr>
+            <a:xfrm rot="1065709">
+              <a:off x="7767185" y="5206750"/>
+              <a:ext cx="478126" cy="3528291"/>
+            </a:xfrm>
+            <a:prstGeom prst="roundRect">
+              <a:avLst>
+                <a:gd name="adj" fmla="val 43712"/>
+              </a:avLst>
+            </a:prstGeom>
+            <a:solidFill>
+              <a:schemeClr val="accent6">
+                <a:lumMod val="60000"/>
+                <a:lumOff val="40000"/>
+                <a:alpha val="52000"/>
+              </a:schemeClr>
+            </a:solidFill>
+            <a:ln>
+              <a:solidFill>
+                <a:schemeClr val="tx1"/>
+              </a:solidFill>
+            </a:ln>
+          </p:spPr>
+          <p:style>
+            <a:lnRef idx="2">
+              <a:schemeClr val="accent1">
+                <a:shade val="50000"/>
+              </a:schemeClr>
+            </a:lnRef>
+            <a:fillRef idx="1">
+              <a:schemeClr val="accent1"/>
+            </a:fillRef>
+            <a:effectRef idx="0">
+              <a:schemeClr val="accent1"/>
+            </a:effectRef>
+            <a:fontRef idx="minor">
+              <a:schemeClr val="lt1"/>
+            </a:fontRef>
+          </p:style>
+          <p:txBody>
+            <a:bodyPr rtlCol="0" anchor="ctr"/>
+            <a:lstStyle/>
+            <a:p>
+              <a:pPr algn="ctr"/>
+              <a:endParaRPr lang="en-US" dirty="0"/>
+            </a:p>
+          </p:txBody>
+        </p:sp>
+        <p:sp>
+          <p:nvSpPr>
+            <p:cNvPr id="31" name="Oval 30">
+              <a:extLst>
+                <a:ext uri="{FF2B5EF4-FFF2-40B4-BE49-F238E27FC236}">
+                  <a16:creationId xmlns:a16="http://schemas.microsoft.com/office/drawing/2014/main" id="{1AC6C5CD-586D-2923-A071-F44C3C40548B}"/>
+                </a:ext>
+              </a:extLst>
+            </p:cNvPr>
+            <p:cNvSpPr/>
+            <p:nvPr/>
+          </p:nvSpPr>
+          <p:spPr>
+            <a:xfrm>
+              <a:off x="8359047" y="5434070"/>
+              <a:ext cx="184727" cy="184727"/>
+            </a:xfrm>
+            <a:prstGeom prst="ellipse">
+              <a:avLst/>
+            </a:prstGeom>
+            <a:solidFill>
+              <a:srgbClr val="C00000"/>
+            </a:solidFill>
+            <a:ln>
+              <a:solidFill>
+                <a:schemeClr val="tx1"/>
+              </a:solidFill>
+            </a:ln>
+          </p:spPr>
+          <p:style>
+            <a:lnRef idx="2">
+              <a:schemeClr val="accent1">
+                <a:shade val="50000"/>
+              </a:schemeClr>
+            </a:lnRef>
+            <a:fillRef idx="1">
+              <a:schemeClr val="accent1"/>
+            </a:fillRef>
+            <a:effectRef idx="0">
+              <a:schemeClr val="accent1"/>
+            </a:effectRef>
+            <a:fontRef idx="minor">
+              <a:schemeClr val="lt1"/>
+            </a:fontRef>
+          </p:style>
+          <p:txBody>
+            <a:bodyPr rtlCol="0" anchor="ctr"/>
+            <a:lstStyle/>
+            <a:p>
+              <a:pPr algn="ctr"/>
+              <a:endParaRPr lang="en-US"/>
+            </a:p>
+          </p:txBody>
+        </p:sp>
+        <p:sp>
+          <p:nvSpPr>
+            <p:cNvPr id="32" name="Rectangle: Diagonal Corners Snipped 31">
+              <a:extLst>
+                <a:ext uri="{FF2B5EF4-FFF2-40B4-BE49-F238E27FC236}">
+                  <a16:creationId xmlns:a16="http://schemas.microsoft.com/office/drawing/2014/main" id="{8FEEF439-4E32-AFDE-2D78-BA52B63AAFDF}"/>
+                </a:ext>
+              </a:extLst>
+            </p:cNvPr>
+            <p:cNvSpPr/>
+            <p:nvPr/>
+          </p:nvSpPr>
+          <p:spPr>
+            <a:xfrm>
+              <a:off x="7451915" y="4556672"/>
+              <a:ext cx="868219" cy="868219"/>
+            </a:xfrm>
+            <a:prstGeom prst="snip2DiagRect">
+              <a:avLst>
+                <a:gd name="adj1" fmla="val 0"/>
+                <a:gd name="adj2" fmla="val 50000"/>
+              </a:avLst>
+            </a:prstGeom>
+            <a:solidFill>
+              <a:schemeClr val="accent2">
+                <a:lumMod val="40000"/>
+                <a:lumOff val="60000"/>
+                <a:alpha val="58000"/>
+              </a:schemeClr>
+            </a:solidFill>
+            <a:ln>
+              <a:solidFill>
+                <a:schemeClr val="tx1"/>
+              </a:solidFill>
+            </a:ln>
+          </p:spPr>
+          <p:style>
+            <a:lnRef idx="2">
+              <a:schemeClr val="accent2">
+                <a:shade val="50000"/>
+              </a:schemeClr>
+            </a:lnRef>
+            <a:fillRef idx="1">
+              <a:schemeClr val="accent2"/>
+            </a:fillRef>
+            <a:effectRef idx="0">
+              <a:schemeClr val="accent2"/>
+            </a:effectRef>
+            <a:fontRef idx="minor">
+              <a:schemeClr val="lt1"/>
+            </a:fontRef>
+          </p:style>
+          <p:txBody>
+            <a:bodyPr rtlCol="0" anchor="ctr"/>
+            <a:lstStyle/>
+            <a:p>
+              <a:pPr algn="ctr"/>
+              <a:endParaRPr lang="en-US"/>
+            </a:p>
+          </p:txBody>
+        </p:sp>
+        <p:sp>
+          <p:nvSpPr>
+            <p:cNvPr id="33" name="Oval 32">
+              <a:extLst>
+                <a:ext uri="{FF2B5EF4-FFF2-40B4-BE49-F238E27FC236}">
+                  <a16:creationId xmlns:a16="http://schemas.microsoft.com/office/drawing/2014/main" id="{5C5AC8EB-536A-6DD9-E76B-CDD3452D9415}"/>
+                </a:ext>
+              </a:extLst>
+            </p:cNvPr>
+            <p:cNvSpPr/>
+            <p:nvPr/>
+          </p:nvSpPr>
+          <p:spPr>
+            <a:xfrm>
+              <a:off x="7793662" y="4935900"/>
+              <a:ext cx="184727" cy="184727"/>
+            </a:xfrm>
+            <a:prstGeom prst="ellipse">
+              <a:avLst/>
+            </a:prstGeom>
+            <a:solidFill>
+              <a:srgbClr val="C00000"/>
+            </a:solidFill>
+            <a:ln>
+              <a:solidFill>
+                <a:schemeClr val="tx1"/>
+              </a:solidFill>
+            </a:ln>
+          </p:spPr>
+          <p:style>
+            <a:lnRef idx="2">
+              <a:schemeClr val="accent1">
+                <a:shade val="50000"/>
+              </a:schemeClr>
+            </a:lnRef>
+            <a:fillRef idx="1">
+              <a:schemeClr val="accent1"/>
+            </a:fillRef>
+            <a:effectRef idx="0">
+              <a:schemeClr val="accent1"/>
+            </a:effectRef>
+            <a:fontRef idx="minor">
+              <a:schemeClr val="lt1"/>
+            </a:fontRef>
+          </p:style>
+          <p:txBody>
+            <a:bodyPr rtlCol="0" anchor="ctr"/>
+            <a:lstStyle/>
+            <a:p>
+              <a:pPr algn="ctr"/>
+              <a:endParaRPr lang="en-US"/>
+            </a:p>
+          </p:txBody>
+        </p:sp>
+        <p:sp>
+          <p:nvSpPr>
+            <p:cNvPr id="34" name="Oval 33">
+              <a:extLst>
+                <a:ext uri="{FF2B5EF4-FFF2-40B4-BE49-F238E27FC236}">
+                  <a16:creationId xmlns:a16="http://schemas.microsoft.com/office/drawing/2014/main" id="{0E4EC3D1-ED21-FB15-F7C9-E14EBF5C10BE}"/>
+                </a:ext>
+              </a:extLst>
+            </p:cNvPr>
+            <p:cNvSpPr/>
+            <p:nvPr/>
+          </p:nvSpPr>
+          <p:spPr>
+            <a:xfrm>
+              <a:off x="8256106" y="3495027"/>
+              <a:ext cx="184727" cy="184727"/>
+            </a:xfrm>
+            <a:prstGeom prst="ellipse">
+              <a:avLst/>
+            </a:prstGeom>
+            <a:solidFill>
+              <a:srgbClr val="C00000"/>
+            </a:solidFill>
+            <a:ln>
+              <a:solidFill>
+                <a:schemeClr val="tx1"/>
+              </a:solidFill>
+            </a:ln>
+          </p:spPr>
+          <p:style>
+            <a:lnRef idx="2">
+              <a:schemeClr val="accent1">
+                <a:shade val="50000"/>
+              </a:schemeClr>
+            </a:lnRef>
+            <a:fillRef idx="1">
+              <a:schemeClr val="accent1"/>
+            </a:fillRef>
+            <a:effectRef idx="0">
+              <a:schemeClr val="accent1"/>
+            </a:effectRef>
+            <a:fontRef idx="minor">
+              <a:schemeClr val="lt1"/>
+            </a:fontRef>
+          </p:style>
+          <p:txBody>
+            <a:bodyPr rtlCol="0" anchor="ctr"/>
+            <a:lstStyle/>
+            <a:p>
+              <a:pPr algn="ctr"/>
+              <a:endParaRPr lang="en-US"/>
+            </a:p>
+          </p:txBody>
+        </p:sp>
+      </p:grpSp>
+    </p:spTree>
+    <p:extLst>
+      <p:ext uri="{BB962C8B-B14F-4D97-AF65-F5344CB8AC3E}">
+        <p14:creationId xmlns:p14="http://schemas.microsoft.com/office/powerpoint/2010/main" val="3763349203"/>
+      </p:ext>
+    </p:extLst>
+  </p:cSld>
+  <p:clrMapOvr>
+    <a:masterClrMapping/>
+  </p:clrMapOvr>
+</p:sld>
+</file>
+
 <file path=ppt/theme/theme1.xml><?xml version="1.0" encoding="utf-8"?>
 <a:theme xmlns:a="http://schemas.openxmlformats.org/drawingml/2006/main" name="Office Theme">
   <a:themeElements>

--- a/PriliminaryDesign/PriliminaryDesign.pptx
+++ b/PriliminaryDesign/PriliminaryDesign.pptx
@@ -261,7 +261,7 @@
           <a:p>
             <a:fld id="{F0BF1898-6119-4CA0-B6F6-18825E1A88CA}" type="datetimeFigureOut">
               <a:rPr lang="en-US" smtClean="0"/>
-              <a:t>3/7/2023</a:t>
+              <a:t>3/8/2023</a:t>
             </a:fld>
             <a:endParaRPr lang="en-US"/>
           </a:p>
@@ -459,7 +459,7 @@
           <a:p>
             <a:fld id="{F0BF1898-6119-4CA0-B6F6-18825E1A88CA}" type="datetimeFigureOut">
               <a:rPr lang="en-US" smtClean="0"/>
-              <a:t>3/7/2023</a:t>
+              <a:t>3/8/2023</a:t>
             </a:fld>
             <a:endParaRPr lang="en-US"/>
           </a:p>
@@ -667,7 +667,7 @@
           <a:p>
             <a:fld id="{F0BF1898-6119-4CA0-B6F6-18825E1A88CA}" type="datetimeFigureOut">
               <a:rPr lang="en-US" smtClean="0"/>
-              <a:t>3/7/2023</a:t>
+              <a:t>3/8/2023</a:t>
             </a:fld>
             <a:endParaRPr lang="en-US"/>
           </a:p>
@@ -865,7 +865,7 @@
           <a:p>
             <a:fld id="{F0BF1898-6119-4CA0-B6F6-18825E1A88CA}" type="datetimeFigureOut">
               <a:rPr lang="en-US" smtClean="0"/>
-              <a:t>3/7/2023</a:t>
+              <a:t>3/8/2023</a:t>
             </a:fld>
             <a:endParaRPr lang="en-US"/>
           </a:p>
@@ -1140,7 +1140,7 @@
           <a:p>
             <a:fld id="{F0BF1898-6119-4CA0-B6F6-18825E1A88CA}" type="datetimeFigureOut">
               <a:rPr lang="en-US" smtClean="0"/>
-              <a:t>3/7/2023</a:t>
+              <a:t>3/8/2023</a:t>
             </a:fld>
             <a:endParaRPr lang="en-US"/>
           </a:p>
@@ -1405,7 +1405,7 @@
           <a:p>
             <a:fld id="{F0BF1898-6119-4CA0-B6F6-18825E1A88CA}" type="datetimeFigureOut">
               <a:rPr lang="en-US" smtClean="0"/>
-              <a:t>3/7/2023</a:t>
+              <a:t>3/8/2023</a:t>
             </a:fld>
             <a:endParaRPr lang="en-US"/>
           </a:p>
@@ -1817,7 +1817,7 @@
           <a:p>
             <a:fld id="{F0BF1898-6119-4CA0-B6F6-18825E1A88CA}" type="datetimeFigureOut">
               <a:rPr lang="en-US" smtClean="0"/>
-              <a:t>3/7/2023</a:t>
+              <a:t>3/8/2023</a:t>
             </a:fld>
             <a:endParaRPr lang="en-US"/>
           </a:p>
@@ -1958,7 +1958,7 @@
           <a:p>
             <a:fld id="{F0BF1898-6119-4CA0-B6F6-18825E1A88CA}" type="datetimeFigureOut">
               <a:rPr lang="en-US" smtClean="0"/>
-              <a:t>3/7/2023</a:t>
+              <a:t>3/8/2023</a:t>
             </a:fld>
             <a:endParaRPr lang="en-US"/>
           </a:p>
@@ -2071,7 +2071,7 @@
           <a:p>
             <a:fld id="{F0BF1898-6119-4CA0-B6F6-18825E1A88CA}" type="datetimeFigureOut">
               <a:rPr lang="en-US" smtClean="0"/>
-              <a:t>3/7/2023</a:t>
+              <a:t>3/8/2023</a:t>
             </a:fld>
             <a:endParaRPr lang="en-US"/>
           </a:p>
@@ -2382,7 +2382,7 @@
           <a:p>
             <a:fld id="{F0BF1898-6119-4CA0-B6F6-18825E1A88CA}" type="datetimeFigureOut">
               <a:rPr lang="en-US" smtClean="0"/>
-              <a:t>3/7/2023</a:t>
+              <a:t>3/8/2023</a:t>
             </a:fld>
             <a:endParaRPr lang="en-US"/>
           </a:p>
@@ -2670,7 +2670,7 @@
           <a:p>
             <a:fld id="{F0BF1898-6119-4CA0-B6F6-18825E1A88CA}" type="datetimeFigureOut">
               <a:rPr lang="en-US" smtClean="0"/>
-              <a:t>3/7/2023</a:t>
+              <a:t>3/8/2023</a:t>
             </a:fld>
             <a:endParaRPr lang="en-US"/>
           </a:p>
@@ -2911,7 +2911,7 @@
           <a:p>
             <a:fld id="{F0BF1898-6119-4CA0-B6F6-18825E1A88CA}" type="datetimeFigureOut">
               <a:rPr lang="en-US" smtClean="0"/>
-              <a:t>3/7/2023</a:t>
+              <a:t>3/8/2023</a:t>
             </a:fld>
             <a:endParaRPr lang="en-US"/>
           </a:p>

--- a/PriliminaryDesign/PriliminaryDesign.pptx
+++ b/PriliminaryDesign/PriliminaryDesign.pptx
@@ -8,6 +8,13 @@
     <p:sldId id="256" r:id="rId2"/>
     <p:sldId id="257" r:id="rId3"/>
     <p:sldId id="258" r:id="rId4"/>
+    <p:sldId id="259" r:id="rId5"/>
+    <p:sldId id="260" r:id="rId6"/>
+    <p:sldId id="261" r:id="rId7"/>
+    <p:sldId id="262" r:id="rId8"/>
+    <p:sldId id="263" r:id="rId9"/>
+    <p:sldId id="264" r:id="rId10"/>
+    <p:sldId id="265" r:id="rId11"/>
   </p:sldIdLst>
   <p:sldSz cx="12192000" cy="6858000"/>
   <p:notesSz cx="6858000" cy="9144000"/>
@@ -261,7 +268,7 @@
           <a:p>
             <a:fld id="{F0BF1898-6119-4CA0-B6F6-18825E1A88CA}" type="datetimeFigureOut">
               <a:rPr lang="en-US" smtClean="0"/>
-              <a:t>3/8/2023</a:t>
+              <a:t>3/10/2023</a:t>
             </a:fld>
             <a:endParaRPr lang="en-US"/>
           </a:p>
@@ -459,7 +466,7 @@
           <a:p>
             <a:fld id="{F0BF1898-6119-4CA0-B6F6-18825E1A88CA}" type="datetimeFigureOut">
               <a:rPr lang="en-US" smtClean="0"/>
-              <a:t>3/8/2023</a:t>
+              <a:t>3/10/2023</a:t>
             </a:fld>
             <a:endParaRPr lang="en-US"/>
           </a:p>
@@ -667,7 +674,7 @@
           <a:p>
             <a:fld id="{F0BF1898-6119-4CA0-B6F6-18825E1A88CA}" type="datetimeFigureOut">
               <a:rPr lang="en-US" smtClean="0"/>
-              <a:t>3/8/2023</a:t>
+              <a:t>3/10/2023</a:t>
             </a:fld>
             <a:endParaRPr lang="en-US"/>
           </a:p>
@@ -865,7 +872,7 @@
           <a:p>
             <a:fld id="{F0BF1898-6119-4CA0-B6F6-18825E1A88CA}" type="datetimeFigureOut">
               <a:rPr lang="en-US" smtClean="0"/>
-              <a:t>3/8/2023</a:t>
+              <a:t>3/10/2023</a:t>
             </a:fld>
             <a:endParaRPr lang="en-US"/>
           </a:p>
@@ -1140,7 +1147,7 @@
           <a:p>
             <a:fld id="{F0BF1898-6119-4CA0-B6F6-18825E1A88CA}" type="datetimeFigureOut">
               <a:rPr lang="en-US" smtClean="0"/>
-              <a:t>3/8/2023</a:t>
+              <a:t>3/10/2023</a:t>
             </a:fld>
             <a:endParaRPr lang="en-US"/>
           </a:p>
@@ -1405,7 +1412,7 @@
           <a:p>
             <a:fld id="{F0BF1898-6119-4CA0-B6F6-18825E1A88CA}" type="datetimeFigureOut">
               <a:rPr lang="en-US" smtClean="0"/>
-              <a:t>3/8/2023</a:t>
+              <a:t>3/10/2023</a:t>
             </a:fld>
             <a:endParaRPr lang="en-US"/>
           </a:p>
@@ -1817,7 +1824,7 @@
           <a:p>
             <a:fld id="{F0BF1898-6119-4CA0-B6F6-18825E1A88CA}" type="datetimeFigureOut">
               <a:rPr lang="en-US" smtClean="0"/>
-              <a:t>3/8/2023</a:t>
+              <a:t>3/10/2023</a:t>
             </a:fld>
             <a:endParaRPr lang="en-US"/>
           </a:p>
@@ -1958,7 +1965,7 @@
           <a:p>
             <a:fld id="{F0BF1898-6119-4CA0-B6F6-18825E1A88CA}" type="datetimeFigureOut">
               <a:rPr lang="en-US" smtClean="0"/>
-              <a:t>3/8/2023</a:t>
+              <a:t>3/10/2023</a:t>
             </a:fld>
             <a:endParaRPr lang="en-US"/>
           </a:p>
@@ -2071,7 +2078,7 @@
           <a:p>
             <a:fld id="{F0BF1898-6119-4CA0-B6F6-18825E1A88CA}" type="datetimeFigureOut">
               <a:rPr lang="en-US" smtClean="0"/>
-              <a:t>3/8/2023</a:t>
+              <a:t>3/10/2023</a:t>
             </a:fld>
             <a:endParaRPr lang="en-US"/>
           </a:p>
@@ -2382,7 +2389,7 @@
           <a:p>
             <a:fld id="{F0BF1898-6119-4CA0-B6F6-18825E1A88CA}" type="datetimeFigureOut">
               <a:rPr lang="en-US" smtClean="0"/>
-              <a:t>3/8/2023</a:t>
+              <a:t>3/10/2023</a:t>
             </a:fld>
             <a:endParaRPr lang="en-US"/>
           </a:p>
@@ -2670,7 +2677,7 @@
           <a:p>
             <a:fld id="{F0BF1898-6119-4CA0-B6F6-18825E1A88CA}" type="datetimeFigureOut">
               <a:rPr lang="en-US" smtClean="0"/>
-              <a:t>3/8/2023</a:t>
+              <a:t>3/10/2023</a:t>
             </a:fld>
             <a:endParaRPr lang="en-US"/>
           </a:p>
@@ -2911,7 +2918,7 @@
           <a:p>
             <a:fld id="{F0BF1898-6119-4CA0-B6F6-18825E1A88CA}" type="datetimeFigureOut">
               <a:rPr lang="en-US" smtClean="0"/>
-              <a:t>3/8/2023</a:t>
+              <a:t>3/10/2023</a:t>
             </a:fld>
             <a:endParaRPr lang="en-US"/>
           </a:p>
@@ -3312,7 +3319,7 @@
 </file>
 
 <file path=ppt/slides/slide1.xml><?xml version="1.0" encoding="utf-8"?>
-<p:sld xmlns:a="http://schemas.openxmlformats.org/drawingml/2006/main" xmlns:r="http://schemas.openxmlformats.org/officeDocument/2006/relationships" xmlns:p="http://schemas.openxmlformats.org/presentationml/2006/main">
+<p:sld xmlns:a="http://schemas.openxmlformats.org/drawingml/2006/main" xmlns:r="http://schemas.openxmlformats.org/officeDocument/2006/relationships" xmlns:p="http://schemas.openxmlformats.org/presentationml/2006/main" show="0">
   <p:cSld>
     <p:spTree>
       <p:nvGrpSpPr>
@@ -4469,8 +4476,1814 @@
 </p:sld>
 </file>
 
+<file path=ppt/slides/slide10.xml><?xml version="1.0" encoding="utf-8"?>
+<p:sld xmlns:a="http://schemas.openxmlformats.org/drawingml/2006/main" xmlns:r="http://schemas.openxmlformats.org/officeDocument/2006/relationships" xmlns:p="http://schemas.openxmlformats.org/presentationml/2006/main">
+  <p:cSld>
+    <p:spTree>
+      <p:nvGrpSpPr>
+        <p:cNvPr id="1" name=""/>
+        <p:cNvGrpSpPr/>
+        <p:nvPr/>
+      </p:nvGrpSpPr>
+      <p:grpSpPr>
+        <a:xfrm>
+          <a:off x="0" y="0"/>
+          <a:ext cx="0" cy="0"/>
+          <a:chOff x="0" y="0"/>
+          <a:chExt cx="0" cy="0"/>
+        </a:xfrm>
+      </p:grpSpPr>
+      <p:pic>
+        <p:nvPicPr>
+          <p:cNvPr id="2" name="Picture 1">
+            <a:extLst>
+              <a:ext uri="{FF2B5EF4-FFF2-40B4-BE49-F238E27FC236}">
+                <a16:creationId xmlns:a16="http://schemas.microsoft.com/office/drawing/2014/main" id="{488005BD-CC9D-C93D-0BE9-91B113522767}"/>
+              </a:ext>
+            </a:extLst>
+          </p:cNvPr>
+          <p:cNvPicPr>
+            <a:picLocks noChangeAspect="1"/>
+          </p:cNvPicPr>
+          <p:nvPr/>
+        </p:nvPicPr>
+        <p:blipFill>
+          <a:blip r:embed="rId2"/>
+          <a:stretch>
+            <a:fillRect/>
+          </a:stretch>
+        </p:blipFill>
+        <p:spPr>
+          <a:xfrm>
+            <a:off x="10203866" y="9525"/>
+            <a:ext cx="1652808" cy="3181544"/>
+          </a:xfrm>
+          <a:prstGeom prst="rect">
+            <a:avLst/>
+          </a:prstGeom>
+        </p:spPr>
+      </p:pic>
+      <p:sp>
+        <p:nvSpPr>
+          <p:cNvPr id="3" name="TextBox 2">
+            <a:extLst>
+              <a:ext uri="{FF2B5EF4-FFF2-40B4-BE49-F238E27FC236}">
+                <a16:creationId xmlns:a16="http://schemas.microsoft.com/office/drawing/2014/main" id="{172E0A2F-F5D0-57A6-0FAD-D5A0B2238BFD}"/>
+              </a:ext>
+            </a:extLst>
+          </p:cNvPr>
+          <p:cNvSpPr txBox="1"/>
+          <p:nvPr/>
+        </p:nvSpPr>
+        <p:spPr>
+          <a:xfrm>
+            <a:off x="10393381" y="255106"/>
+            <a:ext cx="1273777" cy="400110"/>
+          </a:xfrm>
+          <a:prstGeom prst="rect">
+            <a:avLst/>
+          </a:prstGeom>
+          <a:noFill/>
+        </p:spPr>
+        <p:txBody>
+          <a:bodyPr wrap="square" rtlCol="0">
+            <a:spAutoFit/>
+          </a:bodyPr>
+          <a:lstStyle/>
+          <a:p>
+            <a:pPr algn="ctr"/>
+            <a:r>
+              <a:rPr lang="en-US" sz="2000" dirty="0">
+                <a:latin typeface="Helvetica" panose="020B0604020202020204" pitchFamily="34" charset="0"/>
+                <a:cs typeface="Helvetica" panose="020B0604020202020204" pitchFamily="34" charset="0"/>
+              </a:rPr>
+              <a:t>Wiring</a:t>
+            </a:r>
+          </a:p>
+        </p:txBody>
+      </p:sp>
+      <p:pic>
+        <p:nvPicPr>
+          <p:cNvPr id="5" name="Picture 4">
+            <a:extLst>
+              <a:ext uri="{FF2B5EF4-FFF2-40B4-BE49-F238E27FC236}">
+                <a16:creationId xmlns:a16="http://schemas.microsoft.com/office/drawing/2014/main" id="{B25A7AD4-6AB3-7052-0B31-144E6D495029}"/>
+              </a:ext>
+            </a:extLst>
+          </p:cNvPr>
+          <p:cNvPicPr>
+            <a:picLocks noChangeAspect="1"/>
+          </p:cNvPicPr>
+          <p:nvPr/>
+        </p:nvPicPr>
+        <p:blipFill>
+          <a:blip r:embed="rId3"/>
+          <a:stretch>
+            <a:fillRect/>
+          </a:stretch>
+        </p:blipFill>
+        <p:spPr>
+          <a:xfrm>
+            <a:off x="0" y="0"/>
+            <a:ext cx="9880302" cy="5836596"/>
+          </a:xfrm>
+          <a:prstGeom prst="rect">
+            <a:avLst/>
+          </a:prstGeom>
+          <a:ln w="38100">
+            <a:solidFill>
+              <a:schemeClr val="tx1"/>
+            </a:solidFill>
+          </a:ln>
+        </p:spPr>
+      </p:pic>
+      <p:sp>
+        <p:nvSpPr>
+          <p:cNvPr id="7" name="Freeform: Shape 6">
+            <a:extLst>
+              <a:ext uri="{FF2B5EF4-FFF2-40B4-BE49-F238E27FC236}">
+                <a16:creationId xmlns:a16="http://schemas.microsoft.com/office/drawing/2014/main" id="{8FF8D297-90EB-9AF1-2E97-D07B705396D0}"/>
+              </a:ext>
+            </a:extLst>
+          </p:cNvPr>
+          <p:cNvSpPr/>
+          <p:nvPr/>
+        </p:nvSpPr>
+        <p:spPr>
+          <a:xfrm>
+            <a:off x="7869677" y="807396"/>
+            <a:ext cx="865761" cy="2422187"/>
+          </a:xfrm>
+          <a:custGeom>
+            <a:avLst/>
+            <a:gdLst>
+              <a:gd name="connsiteX0" fmla="*/ 0 w 865761"/>
+              <a:gd name="connsiteY0" fmla="*/ 2422187 h 2422187"/>
+              <a:gd name="connsiteX1" fmla="*/ 0 w 865761"/>
+              <a:gd name="connsiteY1" fmla="*/ 2286000 h 2422187"/>
+              <a:gd name="connsiteX2" fmla="*/ 272374 w 865761"/>
+              <a:gd name="connsiteY2" fmla="*/ 2286000 h 2422187"/>
+              <a:gd name="connsiteX3" fmla="*/ 272374 w 865761"/>
+              <a:gd name="connsiteY3" fmla="*/ 282102 h 2422187"/>
+              <a:gd name="connsiteX4" fmla="*/ 729574 w 865761"/>
+              <a:gd name="connsiteY4" fmla="*/ 282102 h 2422187"/>
+              <a:gd name="connsiteX5" fmla="*/ 729574 w 865761"/>
+              <a:gd name="connsiteY5" fmla="*/ 0 h 2422187"/>
+              <a:gd name="connsiteX6" fmla="*/ 865761 w 865761"/>
+              <a:gd name="connsiteY6" fmla="*/ 0 h 2422187"/>
+            </a:gdLst>
+            <a:ahLst/>
+            <a:cxnLst>
+              <a:cxn ang="0">
+                <a:pos x="connsiteX0" y="connsiteY0"/>
+              </a:cxn>
+              <a:cxn ang="0">
+                <a:pos x="connsiteX1" y="connsiteY1"/>
+              </a:cxn>
+              <a:cxn ang="0">
+                <a:pos x="connsiteX2" y="connsiteY2"/>
+              </a:cxn>
+              <a:cxn ang="0">
+                <a:pos x="connsiteX3" y="connsiteY3"/>
+              </a:cxn>
+              <a:cxn ang="0">
+                <a:pos x="connsiteX4" y="connsiteY4"/>
+              </a:cxn>
+              <a:cxn ang="0">
+                <a:pos x="connsiteX5" y="connsiteY5"/>
+              </a:cxn>
+              <a:cxn ang="0">
+                <a:pos x="connsiteX6" y="connsiteY6"/>
+              </a:cxn>
+            </a:cxnLst>
+            <a:rect l="l" t="t" r="r" b="b"/>
+            <a:pathLst>
+              <a:path w="865761" h="2422187">
+                <a:moveTo>
+                  <a:pt x="0" y="2422187"/>
+                </a:moveTo>
+                <a:lnTo>
+                  <a:pt x="0" y="2286000"/>
+                </a:lnTo>
+                <a:lnTo>
+                  <a:pt x="272374" y="2286000"/>
+                </a:lnTo>
+                <a:lnTo>
+                  <a:pt x="272374" y="282102"/>
+                </a:lnTo>
+                <a:lnTo>
+                  <a:pt x="729574" y="282102"/>
+                </a:lnTo>
+                <a:lnTo>
+                  <a:pt x="729574" y="0"/>
+                </a:lnTo>
+                <a:lnTo>
+                  <a:pt x="865761" y="0"/>
+                </a:lnTo>
+              </a:path>
+            </a:pathLst>
+          </a:custGeom>
+          <a:noFill/>
+          <a:ln w="76200">
+            <a:solidFill>
+              <a:srgbClr val="C00000"/>
+            </a:solidFill>
+          </a:ln>
+        </p:spPr>
+        <p:style>
+          <a:lnRef idx="2">
+            <a:schemeClr val="accent1">
+              <a:shade val="50000"/>
+            </a:schemeClr>
+          </a:lnRef>
+          <a:fillRef idx="1">
+            <a:schemeClr val="accent1"/>
+          </a:fillRef>
+          <a:effectRef idx="0">
+            <a:schemeClr val="accent1"/>
+          </a:effectRef>
+          <a:fontRef idx="minor">
+            <a:schemeClr val="lt1"/>
+          </a:fontRef>
+        </p:style>
+        <p:txBody>
+          <a:bodyPr rtlCol="0" anchor="ctr"/>
+          <a:lstStyle/>
+          <a:p>
+            <a:pPr algn="ctr"/>
+            <a:endParaRPr lang="en-US"/>
+          </a:p>
+        </p:txBody>
+      </p:sp>
+      <p:cxnSp>
+        <p:nvCxnSpPr>
+          <p:cNvPr id="12" name="Straight Connector 11">
+            <a:extLst>
+              <a:ext uri="{FF2B5EF4-FFF2-40B4-BE49-F238E27FC236}">
+                <a16:creationId xmlns:a16="http://schemas.microsoft.com/office/drawing/2014/main" id="{6FC06970-B7A5-C5CD-5E43-2804FE0C2DEA}"/>
+              </a:ext>
+            </a:extLst>
+          </p:cNvPr>
+          <p:cNvCxnSpPr/>
+          <p:nvPr/>
+        </p:nvCxnSpPr>
+        <p:spPr>
+          <a:xfrm flipV="1">
+            <a:off x="9046723" y="255106"/>
+            <a:ext cx="0" cy="552290"/>
+          </a:xfrm>
+          <a:prstGeom prst="line">
+            <a:avLst/>
+          </a:prstGeom>
+          <a:ln w="76200">
+            <a:solidFill>
+              <a:srgbClr val="C00000"/>
+            </a:solidFill>
+          </a:ln>
+        </p:spPr>
+        <p:style>
+          <a:lnRef idx="1">
+            <a:schemeClr val="accent1"/>
+          </a:lnRef>
+          <a:fillRef idx="0">
+            <a:schemeClr val="accent1"/>
+          </a:fillRef>
+          <a:effectRef idx="0">
+            <a:schemeClr val="accent1"/>
+          </a:effectRef>
+          <a:fontRef idx="minor">
+            <a:schemeClr val="tx1"/>
+          </a:fontRef>
+        </p:style>
+      </p:cxnSp>
+      <p:sp>
+        <p:nvSpPr>
+          <p:cNvPr id="13" name="Freeform: Shape 12">
+            <a:extLst>
+              <a:ext uri="{FF2B5EF4-FFF2-40B4-BE49-F238E27FC236}">
+                <a16:creationId xmlns:a16="http://schemas.microsoft.com/office/drawing/2014/main" id="{2F88E2A9-BE2D-CE45-51B8-D5329F580669}"/>
+              </a:ext>
+            </a:extLst>
+          </p:cNvPr>
+          <p:cNvSpPr/>
+          <p:nvPr/>
+        </p:nvSpPr>
+        <p:spPr>
+          <a:xfrm>
+            <a:off x="1128409" y="758757"/>
+            <a:ext cx="2830748" cy="2568103"/>
+          </a:xfrm>
+          <a:custGeom>
+            <a:avLst/>
+            <a:gdLst>
+              <a:gd name="connsiteX0" fmla="*/ 2830748 w 2830748"/>
+              <a:gd name="connsiteY0" fmla="*/ 2568103 h 2568103"/>
+              <a:gd name="connsiteX1" fmla="*/ 2830748 w 2830748"/>
+              <a:gd name="connsiteY1" fmla="*/ 2344366 h 2568103"/>
+              <a:gd name="connsiteX2" fmla="*/ 2548646 w 2830748"/>
+              <a:gd name="connsiteY2" fmla="*/ 2344366 h 2568103"/>
+              <a:gd name="connsiteX3" fmla="*/ 2548646 w 2830748"/>
+              <a:gd name="connsiteY3" fmla="*/ 330741 h 2568103"/>
+              <a:gd name="connsiteX4" fmla="*/ 175097 w 2830748"/>
+              <a:gd name="connsiteY4" fmla="*/ 330741 h 2568103"/>
+              <a:gd name="connsiteX5" fmla="*/ 175097 w 2830748"/>
+              <a:gd name="connsiteY5" fmla="*/ 0 h 2568103"/>
+              <a:gd name="connsiteX6" fmla="*/ 0 w 2830748"/>
+              <a:gd name="connsiteY6" fmla="*/ 0 h 2568103"/>
+            </a:gdLst>
+            <a:ahLst/>
+            <a:cxnLst>
+              <a:cxn ang="0">
+                <a:pos x="connsiteX0" y="connsiteY0"/>
+              </a:cxn>
+              <a:cxn ang="0">
+                <a:pos x="connsiteX1" y="connsiteY1"/>
+              </a:cxn>
+              <a:cxn ang="0">
+                <a:pos x="connsiteX2" y="connsiteY2"/>
+              </a:cxn>
+              <a:cxn ang="0">
+                <a:pos x="connsiteX3" y="connsiteY3"/>
+              </a:cxn>
+              <a:cxn ang="0">
+                <a:pos x="connsiteX4" y="connsiteY4"/>
+              </a:cxn>
+              <a:cxn ang="0">
+                <a:pos x="connsiteX5" y="connsiteY5"/>
+              </a:cxn>
+              <a:cxn ang="0">
+                <a:pos x="connsiteX6" y="connsiteY6"/>
+              </a:cxn>
+            </a:cxnLst>
+            <a:rect l="l" t="t" r="r" b="b"/>
+            <a:pathLst>
+              <a:path w="2830748" h="2568103">
+                <a:moveTo>
+                  <a:pt x="2830748" y="2568103"/>
+                </a:moveTo>
+                <a:lnTo>
+                  <a:pt x="2830748" y="2344366"/>
+                </a:lnTo>
+                <a:lnTo>
+                  <a:pt x="2548646" y="2344366"/>
+                </a:lnTo>
+                <a:lnTo>
+                  <a:pt x="2548646" y="330741"/>
+                </a:lnTo>
+                <a:lnTo>
+                  <a:pt x="175097" y="330741"/>
+                </a:lnTo>
+                <a:lnTo>
+                  <a:pt x="175097" y="0"/>
+                </a:lnTo>
+                <a:lnTo>
+                  <a:pt x="0" y="0"/>
+                </a:lnTo>
+              </a:path>
+            </a:pathLst>
+          </a:custGeom>
+          <a:noFill/>
+          <a:ln w="76200">
+            <a:solidFill>
+              <a:srgbClr val="C00000"/>
+            </a:solidFill>
+          </a:ln>
+        </p:spPr>
+        <p:style>
+          <a:lnRef idx="2">
+            <a:schemeClr val="accent1">
+              <a:shade val="50000"/>
+            </a:schemeClr>
+          </a:lnRef>
+          <a:fillRef idx="1">
+            <a:schemeClr val="accent1"/>
+          </a:fillRef>
+          <a:effectRef idx="0">
+            <a:schemeClr val="accent1"/>
+          </a:effectRef>
+          <a:fontRef idx="minor">
+            <a:schemeClr val="lt1"/>
+          </a:fontRef>
+        </p:style>
+        <p:txBody>
+          <a:bodyPr rtlCol="0" anchor="ctr"/>
+          <a:lstStyle/>
+          <a:p>
+            <a:pPr algn="ctr"/>
+            <a:endParaRPr lang="en-US"/>
+          </a:p>
+        </p:txBody>
+      </p:sp>
+      <p:cxnSp>
+        <p:nvCxnSpPr>
+          <p:cNvPr id="14" name="Straight Connector 13">
+            <a:extLst>
+              <a:ext uri="{FF2B5EF4-FFF2-40B4-BE49-F238E27FC236}">
+                <a16:creationId xmlns:a16="http://schemas.microsoft.com/office/drawing/2014/main" id="{DC6880CC-987C-9C9D-CD07-7838BF8BA08D}"/>
+              </a:ext>
+            </a:extLst>
+          </p:cNvPr>
+          <p:cNvCxnSpPr/>
+          <p:nvPr/>
+        </p:nvCxnSpPr>
+        <p:spPr>
+          <a:xfrm flipV="1">
+            <a:off x="875489" y="255106"/>
+            <a:ext cx="0" cy="552290"/>
+          </a:xfrm>
+          <a:prstGeom prst="line">
+            <a:avLst/>
+          </a:prstGeom>
+          <a:ln w="76200">
+            <a:solidFill>
+              <a:srgbClr val="C00000"/>
+            </a:solidFill>
+          </a:ln>
+        </p:spPr>
+        <p:style>
+          <a:lnRef idx="1">
+            <a:schemeClr val="accent1"/>
+          </a:lnRef>
+          <a:fillRef idx="0">
+            <a:schemeClr val="accent1"/>
+          </a:fillRef>
+          <a:effectRef idx="0">
+            <a:schemeClr val="accent1"/>
+          </a:effectRef>
+          <a:fontRef idx="minor">
+            <a:schemeClr val="tx1"/>
+          </a:fontRef>
+        </p:style>
+      </p:cxnSp>
+      <p:sp>
+        <p:nvSpPr>
+          <p:cNvPr id="15" name="Freeform: Shape 14">
+            <a:extLst>
+              <a:ext uri="{FF2B5EF4-FFF2-40B4-BE49-F238E27FC236}">
+                <a16:creationId xmlns:a16="http://schemas.microsoft.com/office/drawing/2014/main" id="{B32BEA4D-A13F-81C7-AC90-3AFE714AAEA2}"/>
+              </a:ext>
+            </a:extLst>
+          </p:cNvPr>
+          <p:cNvSpPr/>
+          <p:nvPr/>
+        </p:nvSpPr>
+        <p:spPr>
+          <a:xfrm>
+            <a:off x="486383" y="9728"/>
+            <a:ext cx="651753" cy="350195"/>
+          </a:xfrm>
+          <a:custGeom>
+            <a:avLst/>
+            <a:gdLst>
+              <a:gd name="connsiteX0" fmla="*/ 0 w 651753"/>
+              <a:gd name="connsiteY0" fmla="*/ 350195 h 350195"/>
+              <a:gd name="connsiteX1" fmla="*/ 0 w 651753"/>
+              <a:gd name="connsiteY1" fmla="*/ 136187 h 350195"/>
+              <a:gd name="connsiteX2" fmla="*/ 651753 w 651753"/>
+              <a:gd name="connsiteY2" fmla="*/ 136187 h 350195"/>
+              <a:gd name="connsiteX3" fmla="*/ 651753 w 651753"/>
+              <a:gd name="connsiteY3" fmla="*/ 0 h 350195"/>
+            </a:gdLst>
+            <a:ahLst/>
+            <a:cxnLst>
+              <a:cxn ang="0">
+                <a:pos x="connsiteX0" y="connsiteY0"/>
+              </a:cxn>
+              <a:cxn ang="0">
+                <a:pos x="connsiteX1" y="connsiteY1"/>
+              </a:cxn>
+              <a:cxn ang="0">
+                <a:pos x="connsiteX2" y="connsiteY2"/>
+              </a:cxn>
+              <a:cxn ang="0">
+                <a:pos x="connsiteX3" y="connsiteY3"/>
+              </a:cxn>
+            </a:cxnLst>
+            <a:rect l="l" t="t" r="r" b="b"/>
+            <a:pathLst>
+              <a:path w="651753" h="350195">
+                <a:moveTo>
+                  <a:pt x="0" y="350195"/>
+                </a:moveTo>
+                <a:lnTo>
+                  <a:pt x="0" y="136187"/>
+                </a:lnTo>
+                <a:lnTo>
+                  <a:pt x="651753" y="136187"/>
+                </a:lnTo>
+                <a:lnTo>
+                  <a:pt x="651753" y="0"/>
+                </a:lnTo>
+              </a:path>
+            </a:pathLst>
+          </a:custGeom>
+          <a:noFill/>
+          <a:ln w="76200">
+            <a:solidFill>
+              <a:schemeClr val="accent6">
+                <a:lumMod val="75000"/>
+              </a:schemeClr>
+            </a:solidFill>
+          </a:ln>
+        </p:spPr>
+        <p:style>
+          <a:lnRef idx="2">
+            <a:schemeClr val="accent1">
+              <a:shade val="50000"/>
+            </a:schemeClr>
+          </a:lnRef>
+          <a:fillRef idx="1">
+            <a:schemeClr val="accent1"/>
+          </a:fillRef>
+          <a:effectRef idx="0">
+            <a:schemeClr val="accent1"/>
+          </a:effectRef>
+          <a:fontRef idx="minor">
+            <a:schemeClr val="lt1"/>
+          </a:fontRef>
+        </p:style>
+        <p:txBody>
+          <a:bodyPr rtlCol="0" anchor="ctr"/>
+          <a:lstStyle/>
+          <a:p>
+            <a:pPr algn="ctr"/>
+            <a:endParaRPr lang="en-US"/>
+          </a:p>
+        </p:txBody>
+      </p:sp>
+      <p:sp>
+        <p:nvSpPr>
+          <p:cNvPr id="16" name="Freeform: Shape 15">
+            <a:extLst>
+              <a:ext uri="{FF2B5EF4-FFF2-40B4-BE49-F238E27FC236}">
+                <a16:creationId xmlns:a16="http://schemas.microsoft.com/office/drawing/2014/main" id="{F76092C8-9F3B-309D-53DD-A15E6C5994E6}"/>
+              </a:ext>
+            </a:extLst>
+          </p:cNvPr>
+          <p:cNvSpPr/>
+          <p:nvPr/>
+        </p:nvSpPr>
+        <p:spPr>
+          <a:xfrm flipH="1">
+            <a:off x="8887323" y="9728"/>
+            <a:ext cx="567961" cy="350195"/>
+          </a:xfrm>
+          <a:custGeom>
+            <a:avLst/>
+            <a:gdLst>
+              <a:gd name="connsiteX0" fmla="*/ 0 w 651753"/>
+              <a:gd name="connsiteY0" fmla="*/ 350195 h 350195"/>
+              <a:gd name="connsiteX1" fmla="*/ 0 w 651753"/>
+              <a:gd name="connsiteY1" fmla="*/ 136187 h 350195"/>
+              <a:gd name="connsiteX2" fmla="*/ 651753 w 651753"/>
+              <a:gd name="connsiteY2" fmla="*/ 136187 h 350195"/>
+              <a:gd name="connsiteX3" fmla="*/ 651753 w 651753"/>
+              <a:gd name="connsiteY3" fmla="*/ 0 h 350195"/>
+            </a:gdLst>
+            <a:ahLst/>
+            <a:cxnLst>
+              <a:cxn ang="0">
+                <a:pos x="connsiteX0" y="connsiteY0"/>
+              </a:cxn>
+              <a:cxn ang="0">
+                <a:pos x="connsiteX1" y="connsiteY1"/>
+              </a:cxn>
+              <a:cxn ang="0">
+                <a:pos x="connsiteX2" y="connsiteY2"/>
+              </a:cxn>
+              <a:cxn ang="0">
+                <a:pos x="connsiteX3" y="connsiteY3"/>
+              </a:cxn>
+            </a:cxnLst>
+            <a:rect l="l" t="t" r="r" b="b"/>
+            <a:pathLst>
+              <a:path w="651753" h="350195">
+                <a:moveTo>
+                  <a:pt x="0" y="350195"/>
+                </a:moveTo>
+                <a:lnTo>
+                  <a:pt x="0" y="136187"/>
+                </a:lnTo>
+                <a:lnTo>
+                  <a:pt x="651753" y="136187"/>
+                </a:lnTo>
+                <a:lnTo>
+                  <a:pt x="651753" y="0"/>
+                </a:lnTo>
+              </a:path>
+            </a:pathLst>
+          </a:custGeom>
+          <a:noFill/>
+          <a:ln w="76200">
+            <a:solidFill>
+              <a:schemeClr val="accent6">
+                <a:lumMod val="75000"/>
+              </a:schemeClr>
+            </a:solidFill>
+          </a:ln>
+        </p:spPr>
+        <p:style>
+          <a:lnRef idx="2">
+            <a:schemeClr val="accent1">
+              <a:shade val="50000"/>
+            </a:schemeClr>
+          </a:lnRef>
+          <a:fillRef idx="1">
+            <a:schemeClr val="accent1"/>
+          </a:fillRef>
+          <a:effectRef idx="0">
+            <a:schemeClr val="accent1"/>
+          </a:effectRef>
+          <a:fontRef idx="minor">
+            <a:schemeClr val="lt1"/>
+          </a:fontRef>
+        </p:style>
+        <p:txBody>
+          <a:bodyPr rtlCol="0" anchor="ctr"/>
+          <a:lstStyle/>
+          <a:p>
+            <a:pPr algn="ctr"/>
+            <a:endParaRPr lang="en-US"/>
+          </a:p>
+        </p:txBody>
+      </p:sp>
+      <p:sp>
+        <p:nvSpPr>
+          <p:cNvPr id="18" name="Freeform: Shape 17">
+            <a:extLst>
+              <a:ext uri="{FF2B5EF4-FFF2-40B4-BE49-F238E27FC236}">
+                <a16:creationId xmlns:a16="http://schemas.microsoft.com/office/drawing/2014/main" id="{92560ECF-847F-9268-4ECC-BBEA9BF0EE48}"/>
+              </a:ext>
+            </a:extLst>
+          </p:cNvPr>
+          <p:cNvSpPr/>
+          <p:nvPr/>
+        </p:nvSpPr>
+        <p:spPr>
+          <a:xfrm>
+            <a:off x="1099226" y="826851"/>
+            <a:ext cx="2490280" cy="3229583"/>
+          </a:xfrm>
+          <a:custGeom>
+            <a:avLst/>
+            <a:gdLst>
+              <a:gd name="connsiteX0" fmla="*/ 2422187 w 2490280"/>
+              <a:gd name="connsiteY0" fmla="*/ 3229583 h 3229583"/>
+              <a:gd name="connsiteX1" fmla="*/ 2344365 w 2490280"/>
+              <a:gd name="connsiteY1" fmla="*/ 3229583 h 3229583"/>
+              <a:gd name="connsiteX2" fmla="*/ 2344365 w 2490280"/>
+              <a:gd name="connsiteY2" fmla="*/ 1867711 h 3229583"/>
+              <a:gd name="connsiteX3" fmla="*/ 2490280 w 2490280"/>
+              <a:gd name="connsiteY3" fmla="*/ 1867711 h 3229583"/>
+              <a:gd name="connsiteX4" fmla="*/ 2490280 w 2490280"/>
+              <a:gd name="connsiteY4" fmla="*/ 340468 h 3229583"/>
+              <a:gd name="connsiteX5" fmla="*/ 165370 w 2490280"/>
+              <a:gd name="connsiteY5" fmla="*/ 340468 h 3229583"/>
+              <a:gd name="connsiteX6" fmla="*/ 165370 w 2490280"/>
+              <a:gd name="connsiteY6" fmla="*/ 0 h 3229583"/>
+              <a:gd name="connsiteX7" fmla="*/ 0 w 2490280"/>
+              <a:gd name="connsiteY7" fmla="*/ 0 h 3229583"/>
+            </a:gdLst>
+            <a:ahLst/>
+            <a:cxnLst>
+              <a:cxn ang="0">
+                <a:pos x="connsiteX0" y="connsiteY0"/>
+              </a:cxn>
+              <a:cxn ang="0">
+                <a:pos x="connsiteX1" y="connsiteY1"/>
+              </a:cxn>
+              <a:cxn ang="0">
+                <a:pos x="connsiteX2" y="connsiteY2"/>
+              </a:cxn>
+              <a:cxn ang="0">
+                <a:pos x="connsiteX3" y="connsiteY3"/>
+              </a:cxn>
+              <a:cxn ang="0">
+                <a:pos x="connsiteX4" y="connsiteY4"/>
+              </a:cxn>
+              <a:cxn ang="0">
+                <a:pos x="connsiteX5" y="connsiteY5"/>
+              </a:cxn>
+              <a:cxn ang="0">
+                <a:pos x="connsiteX6" y="connsiteY6"/>
+              </a:cxn>
+              <a:cxn ang="0">
+                <a:pos x="connsiteX7" y="connsiteY7"/>
+              </a:cxn>
+            </a:cxnLst>
+            <a:rect l="l" t="t" r="r" b="b"/>
+            <a:pathLst>
+              <a:path w="2490280" h="3229583">
+                <a:moveTo>
+                  <a:pt x="2422187" y="3229583"/>
+                </a:moveTo>
+                <a:lnTo>
+                  <a:pt x="2344365" y="3229583"/>
+                </a:lnTo>
+                <a:lnTo>
+                  <a:pt x="2344365" y="1867711"/>
+                </a:lnTo>
+                <a:lnTo>
+                  <a:pt x="2490280" y="1867711"/>
+                </a:lnTo>
+                <a:lnTo>
+                  <a:pt x="2490280" y="340468"/>
+                </a:lnTo>
+                <a:lnTo>
+                  <a:pt x="165370" y="340468"/>
+                </a:lnTo>
+                <a:lnTo>
+                  <a:pt x="165370" y="0"/>
+                </a:lnTo>
+                <a:lnTo>
+                  <a:pt x="0" y="0"/>
+                </a:lnTo>
+              </a:path>
+            </a:pathLst>
+          </a:custGeom>
+          <a:noFill/>
+          <a:ln w="76200">
+            <a:solidFill>
+              <a:schemeClr val="accent4">
+                <a:lumMod val="75000"/>
+              </a:schemeClr>
+            </a:solidFill>
+          </a:ln>
+        </p:spPr>
+        <p:style>
+          <a:lnRef idx="2">
+            <a:schemeClr val="accent1">
+              <a:shade val="50000"/>
+            </a:schemeClr>
+          </a:lnRef>
+          <a:fillRef idx="1">
+            <a:schemeClr val="accent1"/>
+          </a:fillRef>
+          <a:effectRef idx="0">
+            <a:schemeClr val="accent1"/>
+          </a:effectRef>
+          <a:fontRef idx="minor">
+            <a:schemeClr val="lt1"/>
+          </a:fontRef>
+        </p:style>
+        <p:txBody>
+          <a:bodyPr rtlCol="0" anchor="ctr"/>
+          <a:lstStyle/>
+          <a:p>
+            <a:pPr algn="ctr"/>
+            <a:endParaRPr lang="en-US"/>
+          </a:p>
+        </p:txBody>
+      </p:sp>
+      <p:sp>
+        <p:nvSpPr>
+          <p:cNvPr id="19" name="Freeform: Shape 18">
+            <a:extLst>
+              <a:ext uri="{FF2B5EF4-FFF2-40B4-BE49-F238E27FC236}">
+                <a16:creationId xmlns:a16="http://schemas.microsoft.com/office/drawing/2014/main" id="{71E93638-49B1-C21F-3006-612200396259}"/>
+              </a:ext>
+            </a:extLst>
+          </p:cNvPr>
+          <p:cNvSpPr/>
+          <p:nvPr/>
+        </p:nvSpPr>
+        <p:spPr>
+          <a:xfrm>
+            <a:off x="8190689" y="836579"/>
+            <a:ext cx="612843" cy="3190672"/>
+          </a:xfrm>
+          <a:custGeom>
+            <a:avLst/>
+            <a:gdLst>
+              <a:gd name="connsiteX0" fmla="*/ 58366 w 612843"/>
+              <a:gd name="connsiteY0" fmla="*/ 3190672 h 3190672"/>
+              <a:gd name="connsiteX1" fmla="*/ 252920 w 612843"/>
+              <a:gd name="connsiteY1" fmla="*/ 3190672 h 3190672"/>
+              <a:gd name="connsiteX2" fmla="*/ 252920 w 612843"/>
+              <a:gd name="connsiteY2" fmla="*/ 1964987 h 3190672"/>
+              <a:gd name="connsiteX3" fmla="*/ 0 w 612843"/>
+              <a:gd name="connsiteY3" fmla="*/ 1964987 h 3190672"/>
+              <a:gd name="connsiteX4" fmla="*/ 0 w 612843"/>
+              <a:gd name="connsiteY4" fmla="*/ 321012 h 3190672"/>
+              <a:gd name="connsiteX5" fmla="*/ 496111 w 612843"/>
+              <a:gd name="connsiteY5" fmla="*/ 321012 h 3190672"/>
+              <a:gd name="connsiteX6" fmla="*/ 496111 w 612843"/>
+              <a:gd name="connsiteY6" fmla="*/ 0 h 3190672"/>
+              <a:gd name="connsiteX7" fmla="*/ 612843 w 612843"/>
+              <a:gd name="connsiteY7" fmla="*/ 0 h 3190672"/>
+            </a:gdLst>
+            <a:ahLst/>
+            <a:cxnLst>
+              <a:cxn ang="0">
+                <a:pos x="connsiteX0" y="connsiteY0"/>
+              </a:cxn>
+              <a:cxn ang="0">
+                <a:pos x="connsiteX1" y="connsiteY1"/>
+              </a:cxn>
+              <a:cxn ang="0">
+                <a:pos x="connsiteX2" y="connsiteY2"/>
+              </a:cxn>
+              <a:cxn ang="0">
+                <a:pos x="connsiteX3" y="connsiteY3"/>
+              </a:cxn>
+              <a:cxn ang="0">
+                <a:pos x="connsiteX4" y="connsiteY4"/>
+              </a:cxn>
+              <a:cxn ang="0">
+                <a:pos x="connsiteX5" y="connsiteY5"/>
+              </a:cxn>
+              <a:cxn ang="0">
+                <a:pos x="connsiteX6" y="connsiteY6"/>
+              </a:cxn>
+              <a:cxn ang="0">
+                <a:pos x="connsiteX7" y="connsiteY7"/>
+              </a:cxn>
+            </a:cxnLst>
+            <a:rect l="l" t="t" r="r" b="b"/>
+            <a:pathLst>
+              <a:path w="612843" h="3190672">
+                <a:moveTo>
+                  <a:pt x="58366" y="3190672"/>
+                </a:moveTo>
+                <a:lnTo>
+                  <a:pt x="252920" y="3190672"/>
+                </a:lnTo>
+                <a:lnTo>
+                  <a:pt x="252920" y="1964987"/>
+                </a:lnTo>
+                <a:lnTo>
+                  <a:pt x="0" y="1964987"/>
+                </a:lnTo>
+                <a:lnTo>
+                  <a:pt x="0" y="321012"/>
+                </a:lnTo>
+                <a:lnTo>
+                  <a:pt x="496111" y="321012"/>
+                </a:lnTo>
+                <a:lnTo>
+                  <a:pt x="496111" y="0"/>
+                </a:lnTo>
+                <a:lnTo>
+                  <a:pt x="612843" y="0"/>
+                </a:lnTo>
+              </a:path>
+            </a:pathLst>
+          </a:custGeom>
+          <a:noFill/>
+          <a:ln w="76200">
+            <a:solidFill>
+              <a:schemeClr val="accent4">
+                <a:lumMod val="75000"/>
+              </a:schemeClr>
+            </a:solidFill>
+          </a:ln>
+        </p:spPr>
+        <p:style>
+          <a:lnRef idx="2">
+            <a:schemeClr val="accent1">
+              <a:shade val="50000"/>
+            </a:schemeClr>
+          </a:lnRef>
+          <a:fillRef idx="1">
+            <a:schemeClr val="accent1"/>
+          </a:fillRef>
+          <a:effectRef idx="0">
+            <a:schemeClr val="accent1"/>
+          </a:effectRef>
+          <a:fontRef idx="minor">
+            <a:schemeClr val="lt1"/>
+          </a:fontRef>
+        </p:style>
+        <p:txBody>
+          <a:bodyPr rtlCol="0" anchor="ctr"/>
+          <a:lstStyle/>
+          <a:p>
+            <a:pPr algn="ctr"/>
+            <a:endParaRPr lang="en-US"/>
+          </a:p>
+        </p:txBody>
+      </p:sp>
+      <p:sp>
+        <p:nvSpPr>
+          <p:cNvPr id="21" name="Freeform: Shape 20">
+            <a:extLst>
+              <a:ext uri="{FF2B5EF4-FFF2-40B4-BE49-F238E27FC236}">
+                <a16:creationId xmlns:a16="http://schemas.microsoft.com/office/drawing/2014/main" id="{133E017F-F3B4-6CD8-0311-3FA695699112}"/>
+              </a:ext>
+            </a:extLst>
+          </p:cNvPr>
+          <p:cNvSpPr/>
+          <p:nvPr/>
+        </p:nvSpPr>
+        <p:spPr>
+          <a:xfrm>
+            <a:off x="1274323" y="0"/>
+            <a:ext cx="68094" cy="573932"/>
+          </a:xfrm>
+          <a:custGeom>
+            <a:avLst/>
+            <a:gdLst>
+              <a:gd name="connsiteX0" fmla="*/ 68094 w 68094"/>
+              <a:gd name="connsiteY0" fmla="*/ 573932 h 573932"/>
+              <a:gd name="connsiteX1" fmla="*/ 0 w 68094"/>
+              <a:gd name="connsiteY1" fmla="*/ 573932 h 573932"/>
+              <a:gd name="connsiteX2" fmla="*/ 0 w 68094"/>
+              <a:gd name="connsiteY2" fmla="*/ 0 h 573932"/>
+            </a:gdLst>
+            <a:ahLst/>
+            <a:cxnLst>
+              <a:cxn ang="0">
+                <a:pos x="connsiteX0" y="connsiteY0"/>
+              </a:cxn>
+              <a:cxn ang="0">
+                <a:pos x="connsiteX1" y="connsiteY1"/>
+              </a:cxn>
+              <a:cxn ang="0">
+                <a:pos x="connsiteX2" y="connsiteY2"/>
+              </a:cxn>
+            </a:cxnLst>
+            <a:rect l="l" t="t" r="r" b="b"/>
+            <a:pathLst>
+              <a:path w="68094" h="573932">
+                <a:moveTo>
+                  <a:pt x="68094" y="573932"/>
+                </a:moveTo>
+                <a:lnTo>
+                  <a:pt x="0" y="573932"/>
+                </a:lnTo>
+                <a:lnTo>
+                  <a:pt x="0" y="0"/>
+                </a:lnTo>
+              </a:path>
+            </a:pathLst>
+          </a:custGeom>
+          <a:noFill/>
+          <a:ln w="76200">
+            <a:solidFill>
+              <a:schemeClr val="accent5">
+                <a:lumMod val="75000"/>
+              </a:schemeClr>
+            </a:solidFill>
+          </a:ln>
+        </p:spPr>
+        <p:style>
+          <a:lnRef idx="2">
+            <a:schemeClr val="accent1">
+              <a:shade val="50000"/>
+            </a:schemeClr>
+          </a:lnRef>
+          <a:fillRef idx="1">
+            <a:schemeClr val="accent1"/>
+          </a:fillRef>
+          <a:effectRef idx="0">
+            <a:schemeClr val="accent1"/>
+          </a:effectRef>
+          <a:fontRef idx="minor">
+            <a:schemeClr val="lt1"/>
+          </a:fontRef>
+        </p:style>
+        <p:txBody>
+          <a:bodyPr rtlCol="0" anchor="ctr"/>
+          <a:lstStyle/>
+          <a:p>
+            <a:pPr algn="ctr"/>
+            <a:endParaRPr lang="en-US"/>
+          </a:p>
+        </p:txBody>
+      </p:sp>
+      <p:sp>
+        <p:nvSpPr>
+          <p:cNvPr id="22" name="Freeform: Shape 21">
+            <a:extLst>
+              <a:ext uri="{FF2B5EF4-FFF2-40B4-BE49-F238E27FC236}">
+                <a16:creationId xmlns:a16="http://schemas.microsoft.com/office/drawing/2014/main" id="{F8DF0C9F-B2E1-A584-3823-4F2FFCAB33A9}"/>
+              </a:ext>
+            </a:extLst>
+          </p:cNvPr>
+          <p:cNvSpPr/>
+          <p:nvPr/>
+        </p:nvSpPr>
+        <p:spPr>
+          <a:xfrm flipH="1">
+            <a:off x="8563754" y="0"/>
+            <a:ext cx="97273" cy="573932"/>
+          </a:xfrm>
+          <a:custGeom>
+            <a:avLst/>
+            <a:gdLst>
+              <a:gd name="connsiteX0" fmla="*/ 68094 w 68094"/>
+              <a:gd name="connsiteY0" fmla="*/ 573932 h 573932"/>
+              <a:gd name="connsiteX1" fmla="*/ 0 w 68094"/>
+              <a:gd name="connsiteY1" fmla="*/ 573932 h 573932"/>
+              <a:gd name="connsiteX2" fmla="*/ 0 w 68094"/>
+              <a:gd name="connsiteY2" fmla="*/ 0 h 573932"/>
+            </a:gdLst>
+            <a:ahLst/>
+            <a:cxnLst>
+              <a:cxn ang="0">
+                <a:pos x="connsiteX0" y="connsiteY0"/>
+              </a:cxn>
+              <a:cxn ang="0">
+                <a:pos x="connsiteX1" y="connsiteY1"/>
+              </a:cxn>
+              <a:cxn ang="0">
+                <a:pos x="connsiteX2" y="connsiteY2"/>
+              </a:cxn>
+            </a:cxnLst>
+            <a:rect l="l" t="t" r="r" b="b"/>
+            <a:pathLst>
+              <a:path w="68094" h="573932">
+                <a:moveTo>
+                  <a:pt x="68094" y="573932"/>
+                </a:moveTo>
+                <a:lnTo>
+                  <a:pt x="0" y="573932"/>
+                </a:lnTo>
+                <a:lnTo>
+                  <a:pt x="0" y="0"/>
+                </a:lnTo>
+              </a:path>
+            </a:pathLst>
+          </a:custGeom>
+          <a:noFill/>
+          <a:ln w="76200">
+            <a:solidFill>
+              <a:schemeClr val="accent5">
+                <a:lumMod val="75000"/>
+              </a:schemeClr>
+            </a:solidFill>
+          </a:ln>
+        </p:spPr>
+        <p:style>
+          <a:lnRef idx="2">
+            <a:schemeClr val="accent1">
+              <a:shade val="50000"/>
+            </a:schemeClr>
+          </a:lnRef>
+          <a:fillRef idx="1">
+            <a:schemeClr val="accent1"/>
+          </a:fillRef>
+          <a:effectRef idx="0">
+            <a:schemeClr val="accent1"/>
+          </a:effectRef>
+          <a:fontRef idx="minor">
+            <a:schemeClr val="lt1"/>
+          </a:fontRef>
+        </p:style>
+        <p:txBody>
+          <a:bodyPr rtlCol="0" anchor="ctr"/>
+          <a:lstStyle/>
+          <a:p>
+            <a:pPr algn="ctr"/>
+            <a:endParaRPr lang="en-US"/>
+          </a:p>
+        </p:txBody>
+      </p:sp>
+      <p:cxnSp>
+        <p:nvCxnSpPr>
+          <p:cNvPr id="23" name="Straight Connector 22">
+            <a:extLst>
+              <a:ext uri="{FF2B5EF4-FFF2-40B4-BE49-F238E27FC236}">
+                <a16:creationId xmlns:a16="http://schemas.microsoft.com/office/drawing/2014/main" id="{86CCA893-24A0-3563-0479-26223605D69C}"/>
+              </a:ext>
+            </a:extLst>
+          </p:cNvPr>
+          <p:cNvCxnSpPr/>
+          <p:nvPr/>
+        </p:nvCxnSpPr>
+        <p:spPr>
+          <a:xfrm flipV="1">
+            <a:off x="963038" y="251336"/>
+            <a:ext cx="0" cy="552290"/>
+          </a:xfrm>
+          <a:prstGeom prst="line">
+            <a:avLst/>
+          </a:prstGeom>
+          <a:ln w="76200">
+            <a:solidFill>
+              <a:schemeClr val="accent4">
+                <a:lumMod val="75000"/>
+              </a:schemeClr>
+            </a:solidFill>
+          </a:ln>
+        </p:spPr>
+        <p:style>
+          <a:lnRef idx="1">
+            <a:schemeClr val="accent1"/>
+          </a:lnRef>
+          <a:fillRef idx="0">
+            <a:schemeClr val="accent1"/>
+          </a:fillRef>
+          <a:effectRef idx="0">
+            <a:schemeClr val="accent1"/>
+          </a:effectRef>
+          <a:fontRef idx="minor">
+            <a:schemeClr val="tx1"/>
+          </a:fontRef>
+        </p:style>
+      </p:cxnSp>
+      <p:cxnSp>
+        <p:nvCxnSpPr>
+          <p:cNvPr id="24" name="Straight Connector 23">
+            <a:extLst>
+              <a:ext uri="{FF2B5EF4-FFF2-40B4-BE49-F238E27FC236}">
+                <a16:creationId xmlns:a16="http://schemas.microsoft.com/office/drawing/2014/main" id="{EA358D0A-20A0-218F-BD49-944E41C5F860}"/>
+              </a:ext>
+            </a:extLst>
+          </p:cNvPr>
+          <p:cNvCxnSpPr/>
+          <p:nvPr/>
+        </p:nvCxnSpPr>
+        <p:spPr>
+          <a:xfrm flipV="1">
+            <a:off x="8926233" y="255106"/>
+            <a:ext cx="0" cy="552290"/>
+          </a:xfrm>
+          <a:prstGeom prst="line">
+            <a:avLst/>
+          </a:prstGeom>
+          <a:ln w="76200">
+            <a:solidFill>
+              <a:schemeClr val="accent4">
+                <a:lumMod val="75000"/>
+              </a:schemeClr>
+            </a:solidFill>
+          </a:ln>
+        </p:spPr>
+        <p:style>
+          <a:lnRef idx="1">
+            <a:schemeClr val="accent1"/>
+          </a:lnRef>
+          <a:fillRef idx="0">
+            <a:schemeClr val="accent1"/>
+          </a:fillRef>
+          <a:effectRef idx="0">
+            <a:schemeClr val="accent1"/>
+          </a:effectRef>
+          <a:fontRef idx="minor">
+            <a:schemeClr val="tx1"/>
+          </a:fontRef>
+        </p:style>
+      </p:cxnSp>
+      <p:grpSp>
+        <p:nvGrpSpPr>
+          <p:cNvPr id="35" name="Group 34">
+            <a:extLst>
+              <a:ext uri="{FF2B5EF4-FFF2-40B4-BE49-F238E27FC236}">
+                <a16:creationId xmlns:a16="http://schemas.microsoft.com/office/drawing/2014/main" id="{F57CF4B4-4162-5B07-5ACC-EDA3662851A3}"/>
+              </a:ext>
+            </a:extLst>
+          </p:cNvPr>
+          <p:cNvGrpSpPr/>
+          <p:nvPr/>
+        </p:nvGrpSpPr>
+        <p:grpSpPr>
+          <a:xfrm>
+            <a:off x="9046723" y="3326860"/>
+            <a:ext cx="2809951" cy="3276035"/>
+            <a:chOff x="9046723" y="3326860"/>
+            <a:chExt cx="2809951" cy="3276035"/>
+          </a:xfrm>
+        </p:grpSpPr>
+        <p:sp>
+          <p:nvSpPr>
+            <p:cNvPr id="34" name="Rectangle 33">
+              <a:extLst>
+                <a:ext uri="{FF2B5EF4-FFF2-40B4-BE49-F238E27FC236}">
+                  <a16:creationId xmlns:a16="http://schemas.microsoft.com/office/drawing/2014/main" id="{4961C005-4B64-E333-21DD-69303B6CBCAF}"/>
+                </a:ext>
+              </a:extLst>
+            </p:cNvPr>
+            <p:cNvSpPr/>
+            <p:nvPr/>
+          </p:nvSpPr>
+          <p:spPr>
+            <a:xfrm>
+              <a:off x="9046723" y="3326860"/>
+              <a:ext cx="2809951" cy="3276035"/>
+            </a:xfrm>
+            <a:prstGeom prst="rect">
+              <a:avLst/>
+            </a:prstGeom>
+            <a:solidFill>
+              <a:schemeClr val="bg2"/>
+            </a:solidFill>
+            <a:ln>
+              <a:solidFill>
+                <a:schemeClr val="bg2"/>
+              </a:solidFill>
+            </a:ln>
+          </p:spPr>
+          <p:style>
+            <a:lnRef idx="2">
+              <a:schemeClr val="accent1">
+                <a:shade val="50000"/>
+              </a:schemeClr>
+            </a:lnRef>
+            <a:fillRef idx="1">
+              <a:schemeClr val="accent1"/>
+            </a:fillRef>
+            <a:effectRef idx="0">
+              <a:schemeClr val="accent1"/>
+            </a:effectRef>
+            <a:fontRef idx="minor">
+              <a:schemeClr val="lt1"/>
+            </a:fontRef>
+          </p:style>
+          <p:txBody>
+            <a:bodyPr rtlCol="0" anchor="ctr"/>
+            <a:lstStyle/>
+            <a:p>
+              <a:pPr algn="ctr"/>
+              <a:endParaRPr lang="en-US"/>
+            </a:p>
+          </p:txBody>
+        </p:sp>
+        <p:grpSp>
+          <p:nvGrpSpPr>
+            <p:cNvPr id="33" name="Group 32">
+              <a:extLst>
+                <a:ext uri="{FF2B5EF4-FFF2-40B4-BE49-F238E27FC236}">
+                  <a16:creationId xmlns:a16="http://schemas.microsoft.com/office/drawing/2014/main" id="{F98E251D-A22A-8E8A-BC85-C7B180AB3C77}"/>
+                </a:ext>
+              </a:extLst>
+            </p:cNvPr>
+            <p:cNvGrpSpPr/>
+            <p:nvPr/>
+          </p:nvGrpSpPr>
+          <p:grpSpPr>
+            <a:xfrm>
+              <a:off x="9293557" y="3390089"/>
+              <a:ext cx="2563117" cy="3159255"/>
+              <a:chOff x="9628883" y="3105910"/>
+              <a:chExt cx="2563117" cy="3159255"/>
+            </a:xfrm>
+          </p:grpSpPr>
+          <p:sp>
+            <p:nvSpPr>
+              <p:cNvPr id="25" name="TextBox 24">
+                <a:extLst>
+                  <a:ext uri="{FF2B5EF4-FFF2-40B4-BE49-F238E27FC236}">
+                    <a16:creationId xmlns:a16="http://schemas.microsoft.com/office/drawing/2014/main" id="{DC36F348-E052-11D5-FD34-85BED478530F}"/>
+                  </a:ext>
+                </a:extLst>
+              </p:cNvPr>
+              <p:cNvSpPr txBox="1"/>
+              <p:nvPr/>
+            </p:nvSpPr>
+            <p:spPr>
+              <a:xfrm>
+                <a:off x="10201314" y="4740156"/>
+                <a:ext cx="1990686" cy="707886"/>
+              </a:xfrm>
+              <a:prstGeom prst="rect">
+                <a:avLst/>
+              </a:prstGeom>
+              <a:noFill/>
+            </p:spPr>
+            <p:txBody>
+              <a:bodyPr wrap="square" rtlCol="0">
+                <a:spAutoFit/>
+              </a:bodyPr>
+              <a:lstStyle/>
+              <a:p>
+                <a:r>
+                  <a:rPr lang="en-US" sz="2000" dirty="0">
+                    <a:latin typeface="Helvetica" panose="020B0604020202020204" pitchFamily="34" charset="0"/>
+                    <a:cs typeface="Helvetica" panose="020B0604020202020204" pitchFamily="34" charset="0"/>
+                  </a:rPr>
+                  <a:t>Tibial motor wiring</a:t>
+                </a:r>
+              </a:p>
+            </p:txBody>
+          </p:sp>
+          <p:sp>
+            <p:nvSpPr>
+              <p:cNvPr id="26" name="TextBox 25">
+                <a:extLst>
+                  <a:ext uri="{FF2B5EF4-FFF2-40B4-BE49-F238E27FC236}">
+                    <a16:creationId xmlns:a16="http://schemas.microsoft.com/office/drawing/2014/main" id="{3C3D68F8-14AC-AC9E-0F96-13B7203C9AA0}"/>
+                  </a:ext>
+                </a:extLst>
+              </p:cNvPr>
+              <p:cNvSpPr txBox="1"/>
+              <p:nvPr/>
+            </p:nvSpPr>
+            <p:spPr>
+              <a:xfrm>
+                <a:off x="10201314" y="5557279"/>
+                <a:ext cx="1990686" cy="707886"/>
+              </a:xfrm>
+              <a:prstGeom prst="rect">
+                <a:avLst/>
+              </a:prstGeom>
+              <a:noFill/>
+            </p:spPr>
+            <p:txBody>
+              <a:bodyPr wrap="square" rtlCol="0">
+                <a:spAutoFit/>
+              </a:bodyPr>
+              <a:lstStyle/>
+              <a:p>
+                <a:r>
+                  <a:rPr lang="en-US" sz="2000" dirty="0">
+                    <a:latin typeface="Helvetica" panose="020B0604020202020204" pitchFamily="34" charset="0"/>
+                    <a:cs typeface="Helvetica" panose="020B0604020202020204" pitchFamily="34" charset="0"/>
+                  </a:rPr>
+                  <a:t>Tibial encoder wiring</a:t>
+                </a:r>
+              </a:p>
+            </p:txBody>
+          </p:sp>
+          <p:sp>
+            <p:nvSpPr>
+              <p:cNvPr id="27" name="TextBox 26">
+                <a:extLst>
+                  <a:ext uri="{FF2B5EF4-FFF2-40B4-BE49-F238E27FC236}">
+                    <a16:creationId xmlns:a16="http://schemas.microsoft.com/office/drawing/2014/main" id="{ED86B16C-6E2B-F960-3E52-A8EFBE36BF78}"/>
+                  </a:ext>
+                </a:extLst>
+              </p:cNvPr>
+              <p:cNvSpPr txBox="1"/>
+              <p:nvPr/>
+            </p:nvSpPr>
+            <p:spPr>
+              <a:xfrm>
+                <a:off x="10201314" y="3105910"/>
+                <a:ext cx="1990686" cy="707886"/>
+              </a:xfrm>
+              <a:prstGeom prst="rect">
+                <a:avLst/>
+              </a:prstGeom>
+              <a:noFill/>
+            </p:spPr>
+            <p:txBody>
+              <a:bodyPr wrap="square" rtlCol="0">
+                <a:spAutoFit/>
+              </a:bodyPr>
+              <a:lstStyle/>
+              <a:p>
+                <a:r>
+                  <a:rPr lang="en-US" sz="2000" dirty="0">
+                    <a:latin typeface="Helvetica" panose="020B0604020202020204" pitchFamily="34" charset="0"/>
+                    <a:cs typeface="Helvetica" panose="020B0604020202020204" pitchFamily="34" charset="0"/>
+                  </a:rPr>
+                  <a:t>Femoral motor wiring</a:t>
+                </a:r>
+              </a:p>
+            </p:txBody>
+          </p:sp>
+          <p:sp>
+            <p:nvSpPr>
+              <p:cNvPr id="28" name="TextBox 27">
+                <a:extLst>
+                  <a:ext uri="{FF2B5EF4-FFF2-40B4-BE49-F238E27FC236}">
+                    <a16:creationId xmlns:a16="http://schemas.microsoft.com/office/drawing/2014/main" id="{1822DA4D-4FEC-6F53-F5C2-E0D084E02B5D}"/>
+                  </a:ext>
+                </a:extLst>
+              </p:cNvPr>
+              <p:cNvSpPr txBox="1"/>
+              <p:nvPr/>
+            </p:nvSpPr>
+            <p:spPr>
+              <a:xfrm>
+                <a:off x="10201314" y="3923033"/>
+                <a:ext cx="1990686" cy="707886"/>
+              </a:xfrm>
+              <a:prstGeom prst="rect">
+                <a:avLst/>
+              </a:prstGeom>
+              <a:noFill/>
+            </p:spPr>
+            <p:txBody>
+              <a:bodyPr wrap="square" rtlCol="0">
+                <a:spAutoFit/>
+              </a:bodyPr>
+              <a:lstStyle/>
+              <a:p>
+                <a:r>
+                  <a:rPr lang="en-US" sz="2000" dirty="0">
+                    <a:latin typeface="Helvetica" panose="020B0604020202020204" pitchFamily="34" charset="0"/>
+                    <a:cs typeface="Helvetica" panose="020B0604020202020204" pitchFamily="34" charset="0"/>
+                  </a:rPr>
+                  <a:t>Femoral encoder wiring</a:t>
+                </a:r>
+              </a:p>
+            </p:txBody>
+          </p:sp>
+          <p:sp>
+            <p:nvSpPr>
+              <p:cNvPr id="29" name="Rectangle 28">
+                <a:extLst>
+                  <a:ext uri="{FF2B5EF4-FFF2-40B4-BE49-F238E27FC236}">
+                    <a16:creationId xmlns:a16="http://schemas.microsoft.com/office/drawing/2014/main" id="{719DE214-ECA6-9F8D-C4E5-A178F4F33CB4}"/>
+                  </a:ext>
+                </a:extLst>
+              </p:cNvPr>
+              <p:cNvSpPr/>
+              <p:nvPr/>
+            </p:nvSpPr>
+            <p:spPr>
+              <a:xfrm>
+                <a:off x="9628883" y="5863389"/>
+                <a:ext cx="502837" cy="102140"/>
+              </a:xfrm>
+              <a:prstGeom prst="rect">
+                <a:avLst/>
+              </a:prstGeom>
+              <a:solidFill>
+                <a:schemeClr val="accent4">
+                  <a:lumMod val="75000"/>
+                </a:schemeClr>
+              </a:solidFill>
+              <a:ln>
+                <a:solidFill>
+                  <a:schemeClr val="accent4">
+                    <a:lumMod val="75000"/>
+                  </a:schemeClr>
+                </a:solidFill>
+              </a:ln>
+            </p:spPr>
+            <p:style>
+              <a:lnRef idx="2">
+                <a:schemeClr val="accent1">
+                  <a:shade val="50000"/>
+                </a:schemeClr>
+              </a:lnRef>
+              <a:fillRef idx="1">
+                <a:schemeClr val="accent1"/>
+              </a:fillRef>
+              <a:effectRef idx="0">
+                <a:schemeClr val="accent1"/>
+              </a:effectRef>
+              <a:fontRef idx="minor">
+                <a:schemeClr val="lt1"/>
+              </a:fontRef>
+            </p:style>
+            <p:txBody>
+              <a:bodyPr rtlCol="0" anchor="ctr"/>
+              <a:lstStyle/>
+              <a:p>
+                <a:pPr algn="ctr"/>
+                <a:endParaRPr lang="en-US"/>
+              </a:p>
+            </p:txBody>
+          </p:sp>
+          <p:sp>
+            <p:nvSpPr>
+              <p:cNvPr id="30" name="Rectangle 29">
+                <a:extLst>
+                  <a:ext uri="{FF2B5EF4-FFF2-40B4-BE49-F238E27FC236}">
+                    <a16:creationId xmlns:a16="http://schemas.microsoft.com/office/drawing/2014/main" id="{C214C96A-F2DC-29BD-207E-9C46E73A98AA}"/>
+                  </a:ext>
+                </a:extLst>
+              </p:cNvPr>
+              <p:cNvSpPr/>
+              <p:nvPr/>
+            </p:nvSpPr>
+            <p:spPr>
+              <a:xfrm>
+                <a:off x="9628883" y="5043029"/>
+                <a:ext cx="502837" cy="102140"/>
+              </a:xfrm>
+              <a:prstGeom prst="rect">
+                <a:avLst/>
+              </a:prstGeom>
+              <a:solidFill>
+                <a:srgbClr val="C00000"/>
+              </a:solidFill>
+              <a:ln>
+                <a:solidFill>
+                  <a:srgbClr val="C00000"/>
+                </a:solidFill>
+              </a:ln>
+            </p:spPr>
+            <p:style>
+              <a:lnRef idx="2">
+                <a:schemeClr val="accent1">
+                  <a:shade val="50000"/>
+                </a:schemeClr>
+              </a:lnRef>
+              <a:fillRef idx="1">
+                <a:schemeClr val="accent1"/>
+              </a:fillRef>
+              <a:effectRef idx="0">
+                <a:schemeClr val="accent1"/>
+              </a:effectRef>
+              <a:fontRef idx="minor">
+                <a:schemeClr val="lt1"/>
+              </a:fontRef>
+            </p:style>
+            <p:txBody>
+              <a:bodyPr rtlCol="0" anchor="ctr"/>
+              <a:lstStyle/>
+              <a:p>
+                <a:pPr algn="ctr"/>
+                <a:endParaRPr lang="en-US"/>
+              </a:p>
+            </p:txBody>
+          </p:sp>
+          <p:sp>
+            <p:nvSpPr>
+              <p:cNvPr id="31" name="Rectangle 30">
+                <a:extLst>
+                  <a:ext uri="{FF2B5EF4-FFF2-40B4-BE49-F238E27FC236}">
+                    <a16:creationId xmlns:a16="http://schemas.microsoft.com/office/drawing/2014/main" id="{4E65C327-3802-B1A0-5EDC-F8475369A399}"/>
+                  </a:ext>
+                </a:extLst>
+              </p:cNvPr>
+              <p:cNvSpPr/>
+              <p:nvPr/>
+            </p:nvSpPr>
+            <p:spPr>
+              <a:xfrm>
+                <a:off x="9628883" y="4249462"/>
+                <a:ext cx="502837" cy="102140"/>
+              </a:xfrm>
+              <a:prstGeom prst="rect">
+                <a:avLst/>
+              </a:prstGeom>
+              <a:solidFill>
+                <a:schemeClr val="accent1"/>
+              </a:solidFill>
+              <a:ln>
+                <a:solidFill>
+                  <a:schemeClr val="accent5">
+                    <a:lumMod val="75000"/>
+                  </a:schemeClr>
+                </a:solidFill>
+              </a:ln>
+            </p:spPr>
+            <p:style>
+              <a:lnRef idx="2">
+                <a:schemeClr val="accent1">
+                  <a:shade val="50000"/>
+                </a:schemeClr>
+              </a:lnRef>
+              <a:fillRef idx="1">
+                <a:schemeClr val="accent1"/>
+              </a:fillRef>
+              <a:effectRef idx="0">
+                <a:schemeClr val="accent1"/>
+              </a:effectRef>
+              <a:fontRef idx="minor">
+                <a:schemeClr val="lt1"/>
+              </a:fontRef>
+            </p:style>
+            <p:txBody>
+              <a:bodyPr rtlCol="0" anchor="ctr"/>
+              <a:lstStyle/>
+              <a:p>
+                <a:pPr algn="ctr"/>
+                <a:endParaRPr lang="en-US"/>
+              </a:p>
+            </p:txBody>
+          </p:sp>
+          <p:sp>
+            <p:nvSpPr>
+              <p:cNvPr id="32" name="Rectangle 31">
+                <a:extLst>
+                  <a:ext uri="{FF2B5EF4-FFF2-40B4-BE49-F238E27FC236}">
+                    <a16:creationId xmlns:a16="http://schemas.microsoft.com/office/drawing/2014/main" id="{1C80C930-0466-4EE7-07CF-E8945EBFBD97}"/>
+                  </a:ext>
+                </a:extLst>
+              </p:cNvPr>
+              <p:cNvSpPr/>
+              <p:nvPr/>
+            </p:nvSpPr>
+            <p:spPr>
+              <a:xfrm>
+                <a:off x="9628883" y="3377930"/>
+                <a:ext cx="502837" cy="102140"/>
+              </a:xfrm>
+              <a:prstGeom prst="rect">
+                <a:avLst/>
+              </a:prstGeom>
+              <a:solidFill>
+                <a:schemeClr val="accent6">
+                  <a:lumMod val="75000"/>
+                </a:schemeClr>
+              </a:solidFill>
+              <a:ln>
+                <a:solidFill>
+                  <a:schemeClr val="accent6">
+                    <a:lumMod val="75000"/>
+                  </a:schemeClr>
+                </a:solidFill>
+              </a:ln>
+            </p:spPr>
+            <p:style>
+              <a:lnRef idx="2">
+                <a:schemeClr val="accent1">
+                  <a:shade val="50000"/>
+                </a:schemeClr>
+              </a:lnRef>
+              <a:fillRef idx="1">
+                <a:schemeClr val="accent1"/>
+              </a:fillRef>
+              <a:effectRef idx="0">
+                <a:schemeClr val="accent1"/>
+              </a:effectRef>
+              <a:fontRef idx="minor">
+                <a:schemeClr val="lt1"/>
+              </a:fontRef>
+            </p:style>
+            <p:txBody>
+              <a:bodyPr rtlCol="0" anchor="ctr"/>
+              <a:lstStyle/>
+              <a:p>
+                <a:pPr algn="ctr"/>
+                <a:endParaRPr lang="en-US"/>
+              </a:p>
+            </p:txBody>
+          </p:sp>
+        </p:grpSp>
+      </p:grpSp>
+      <p:pic>
+        <p:nvPicPr>
+          <p:cNvPr id="36" name="Picture 35">
+            <a:extLst>
+              <a:ext uri="{FF2B5EF4-FFF2-40B4-BE49-F238E27FC236}">
+                <a16:creationId xmlns:a16="http://schemas.microsoft.com/office/drawing/2014/main" id="{76707DC9-9F42-22FD-0498-41F350399173}"/>
+              </a:ext>
+            </a:extLst>
+          </p:cNvPr>
+          <p:cNvPicPr>
+            <a:picLocks noChangeAspect="1"/>
+          </p:cNvPicPr>
+          <p:nvPr/>
+        </p:nvPicPr>
+        <p:blipFill>
+          <a:blip r:embed="rId4"/>
+          <a:stretch>
+            <a:fillRect/>
+          </a:stretch>
+        </p:blipFill>
+        <p:spPr>
+          <a:xfrm>
+            <a:off x="22456" y="4440675"/>
+            <a:ext cx="1328101" cy="1361189"/>
+          </a:xfrm>
+          <a:prstGeom prst="rect">
+            <a:avLst/>
+          </a:prstGeom>
+          <a:ln w="28575">
+            <a:solidFill>
+              <a:schemeClr val="accent2">
+                <a:lumMod val="60000"/>
+                <a:lumOff val="40000"/>
+              </a:schemeClr>
+            </a:solidFill>
+          </a:ln>
+        </p:spPr>
+      </p:pic>
+      <p:cxnSp>
+        <p:nvCxnSpPr>
+          <p:cNvPr id="37" name="Straight Arrow Connector 36">
+            <a:extLst>
+              <a:ext uri="{FF2B5EF4-FFF2-40B4-BE49-F238E27FC236}">
+                <a16:creationId xmlns:a16="http://schemas.microsoft.com/office/drawing/2014/main" id="{F3CDA85F-9BDF-0C4E-7D85-5A54E313ADB7}"/>
+              </a:ext>
+            </a:extLst>
+          </p:cNvPr>
+          <p:cNvCxnSpPr>
+            <a:cxnSpLocks/>
+            <a:stCxn id="36" idx="0"/>
+          </p:cNvCxnSpPr>
+          <p:nvPr/>
+        </p:nvCxnSpPr>
+        <p:spPr>
+          <a:xfrm flipV="1">
+            <a:off x="686507" y="958173"/>
+            <a:ext cx="259247" cy="3482502"/>
+          </a:xfrm>
+          <a:prstGeom prst="straightConnector1">
+            <a:avLst/>
+          </a:prstGeom>
+          <a:ln w="28575">
+            <a:solidFill>
+              <a:schemeClr val="tx1"/>
+            </a:solidFill>
+            <a:tailEnd type="triangle"/>
+          </a:ln>
+        </p:spPr>
+        <p:style>
+          <a:lnRef idx="1">
+            <a:schemeClr val="accent1"/>
+          </a:lnRef>
+          <a:fillRef idx="0">
+            <a:schemeClr val="accent1"/>
+          </a:fillRef>
+          <a:effectRef idx="0">
+            <a:schemeClr val="accent1"/>
+          </a:effectRef>
+          <a:fontRef idx="minor">
+            <a:schemeClr val="tx1"/>
+          </a:fontRef>
+        </p:style>
+      </p:cxnSp>
+      <p:sp>
+        <p:nvSpPr>
+          <p:cNvPr id="40" name="TextBox 39">
+            <a:extLst>
+              <a:ext uri="{FF2B5EF4-FFF2-40B4-BE49-F238E27FC236}">
+                <a16:creationId xmlns:a16="http://schemas.microsoft.com/office/drawing/2014/main" id="{84DDEAF8-013B-DB80-6B08-0969B8F21419}"/>
+              </a:ext>
+            </a:extLst>
+          </p:cNvPr>
+          <p:cNvSpPr txBox="1"/>
+          <p:nvPr/>
+        </p:nvSpPr>
+        <p:spPr>
+          <a:xfrm>
+            <a:off x="22456" y="5899188"/>
+            <a:ext cx="1273777" cy="707886"/>
+          </a:xfrm>
+          <a:prstGeom prst="rect">
+            <a:avLst/>
+          </a:prstGeom>
+          <a:noFill/>
+        </p:spPr>
+        <p:txBody>
+          <a:bodyPr wrap="square" rtlCol="0">
+            <a:spAutoFit/>
+          </a:bodyPr>
+          <a:lstStyle/>
+          <a:p>
+            <a:pPr algn="ctr"/>
+            <a:r>
+              <a:rPr lang="en-US" sz="2000" dirty="0">
+                <a:latin typeface="Helvetica" panose="020B0604020202020204" pitchFamily="34" charset="0"/>
+                <a:cs typeface="Helvetica" panose="020B0604020202020204" pitchFamily="34" charset="0"/>
+              </a:rPr>
+              <a:t>Slip ring</a:t>
+            </a:r>
+          </a:p>
+          <a:p>
+            <a:pPr algn="ctr"/>
+            <a:endParaRPr lang="en-US" sz="2000" dirty="0">
+              <a:latin typeface="Helvetica" panose="020B0604020202020204" pitchFamily="34" charset="0"/>
+              <a:cs typeface="Helvetica" panose="020B0604020202020204" pitchFamily="34" charset="0"/>
+            </a:endParaRPr>
+          </a:p>
+        </p:txBody>
+      </p:sp>
+      <p:sp>
+        <p:nvSpPr>
+          <p:cNvPr id="42" name="TextBox 41">
+            <a:extLst>
+              <a:ext uri="{FF2B5EF4-FFF2-40B4-BE49-F238E27FC236}">
+                <a16:creationId xmlns:a16="http://schemas.microsoft.com/office/drawing/2014/main" id="{A7FEEADD-8AD4-A348-F8B7-13602A48C39D}"/>
+              </a:ext>
+            </a:extLst>
+          </p:cNvPr>
+          <p:cNvSpPr txBox="1"/>
+          <p:nvPr/>
+        </p:nvSpPr>
+        <p:spPr>
+          <a:xfrm>
+            <a:off x="88361" y="6226178"/>
+            <a:ext cx="6113834" cy="646331"/>
+          </a:xfrm>
+          <a:prstGeom prst="rect">
+            <a:avLst/>
+          </a:prstGeom>
+          <a:noFill/>
+        </p:spPr>
+        <p:txBody>
+          <a:bodyPr wrap="square">
+            <a:spAutoFit/>
+          </a:bodyPr>
+          <a:lstStyle/>
+          <a:p>
+            <a:r>
+              <a:rPr lang="en-US" dirty="0">
+                <a:hlinkClick r:id="rId5"/>
+              </a:rPr>
+              <a:t>https://www.youtube.com/watch?v=28jF3KEPAWg&amp;ab_channel=MOFLON</a:t>
+            </a:r>
+            <a:r>
+              <a:rPr lang="en-US" dirty="0"/>
+              <a:t> </a:t>
+            </a:r>
+          </a:p>
+        </p:txBody>
+      </p:sp>
+    </p:spTree>
+    <p:extLst>
+      <p:ext uri="{BB962C8B-B14F-4D97-AF65-F5344CB8AC3E}">
+        <p14:creationId xmlns:p14="http://schemas.microsoft.com/office/powerpoint/2010/main" val="2683133717"/>
+      </p:ext>
+    </p:extLst>
+  </p:cSld>
+  <p:clrMapOvr>
+    <a:masterClrMapping/>
+  </p:clrMapOvr>
+</p:sld>
+</file>
+
 <file path=ppt/slides/slide2.xml><?xml version="1.0" encoding="utf-8"?>
-<p:sld xmlns:a="http://schemas.openxmlformats.org/drawingml/2006/main" xmlns:r="http://schemas.openxmlformats.org/officeDocument/2006/relationships" xmlns:p="http://schemas.openxmlformats.org/presentationml/2006/main">
+<p:sld xmlns:a="http://schemas.openxmlformats.org/drawingml/2006/main" xmlns:r="http://schemas.openxmlformats.org/officeDocument/2006/relationships" xmlns:p="http://schemas.openxmlformats.org/presentationml/2006/main" show="0">
   <p:cSld>
     <p:spTree>
       <p:nvGrpSpPr>
@@ -4978,7 +6791,7 @@
 </file>
 
 <file path=ppt/slides/slide3.xml><?xml version="1.0" encoding="utf-8"?>
-<p:sld xmlns:a="http://schemas.openxmlformats.org/drawingml/2006/main" xmlns:r="http://schemas.openxmlformats.org/officeDocument/2006/relationships" xmlns:p="http://schemas.openxmlformats.org/presentationml/2006/main">
+<p:sld xmlns:a="http://schemas.openxmlformats.org/drawingml/2006/main" xmlns:r="http://schemas.openxmlformats.org/officeDocument/2006/relationships" xmlns:p="http://schemas.openxmlformats.org/presentationml/2006/main" show="0">
   <p:cSld>
     <p:spTree>
       <p:nvGrpSpPr>
@@ -5536,6 +7349,36 @@
           </p:txBody>
         </p:sp>
       </p:grpSp>
+      <p:pic>
+        <p:nvPicPr>
+          <p:cNvPr id="3" name="Picture 2">
+            <a:extLst>
+              <a:ext uri="{FF2B5EF4-FFF2-40B4-BE49-F238E27FC236}">
+                <a16:creationId xmlns:a16="http://schemas.microsoft.com/office/drawing/2014/main" id="{C590D3B6-D202-8944-D79C-E4DF9E91E4CE}"/>
+              </a:ext>
+            </a:extLst>
+          </p:cNvPr>
+          <p:cNvPicPr>
+            <a:picLocks noChangeAspect="1"/>
+          </p:cNvPicPr>
+          <p:nvPr/>
+        </p:nvPicPr>
+        <p:blipFill>
+          <a:blip r:embed="rId3"/>
+          <a:stretch>
+            <a:fillRect/>
+          </a:stretch>
+        </p:blipFill>
+        <p:spPr>
+          <a:xfrm>
+            <a:off x="3976687" y="671512"/>
+            <a:ext cx="4238625" cy="5514975"/>
+          </a:xfrm>
+          <a:prstGeom prst="rect">
+            <a:avLst/>
+          </a:prstGeom>
+        </p:spPr>
+      </p:pic>
     </p:spTree>
     <p:extLst>
       <p:ext uri="{BB962C8B-B14F-4D97-AF65-F5344CB8AC3E}">
@@ -5546,6 +7389,5458 @@
   <p:clrMapOvr>
     <a:masterClrMapping/>
   </p:clrMapOvr>
+</p:sld>
+</file>
+
+<file path=ppt/slides/slide4.xml><?xml version="1.0" encoding="utf-8"?>
+<p:sld xmlns:a="http://schemas.openxmlformats.org/drawingml/2006/main" xmlns:r="http://schemas.openxmlformats.org/officeDocument/2006/relationships" xmlns:p="http://schemas.openxmlformats.org/presentationml/2006/main">
+  <p:cSld>
+    <p:spTree>
+      <p:nvGrpSpPr>
+        <p:cNvPr id="1" name=""/>
+        <p:cNvGrpSpPr/>
+        <p:nvPr/>
+      </p:nvGrpSpPr>
+      <p:grpSpPr>
+        <a:xfrm>
+          <a:off x="0" y="0"/>
+          <a:ext cx="0" cy="0"/>
+          <a:chOff x="0" y="0"/>
+          <a:chExt cx="0" cy="0"/>
+        </a:xfrm>
+      </p:grpSpPr>
+      <p:pic>
+        <p:nvPicPr>
+          <p:cNvPr id="4" name="Picture 3">
+            <a:extLst>
+              <a:ext uri="{FF2B5EF4-FFF2-40B4-BE49-F238E27FC236}">
+                <a16:creationId xmlns:a16="http://schemas.microsoft.com/office/drawing/2014/main" id="{F3FEECCF-04AD-445B-D365-2F25B77BCB63}"/>
+              </a:ext>
+            </a:extLst>
+          </p:cNvPr>
+          <p:cNvPicPr>
+            <a:picLocks noChangeAspect="1"/>
+          </p:cNvPicPr>
+          <p:nvPr/>
+        </p:nvPicPr>
+        <p:blipFill>
+          <a:blip r:embed="rId2"/>
+          <a:stretch>
+            <a:fillRect/>
+          </a:stretch>
+        </p:blipFill>
+        <p:spPr>
+          <a:xfrm>
+            <a:off x="1775670" y="0"/>
+            <a:ext cx="3234447" cy="6858000"/>
+          </a:xfrm>
+          <a:prstGeom prst="rect">
+            <a:avLst/>
+          </a:prstGeom>
+        </p:spPr>
+      </p:pic>
+      <p:pic>
+        <p:nvPicPr>
+          <p:cNvPr id="6" name="Picture 5">
+            <a:extLst>
+              <a:ext uri="{FF2B5EF4-FFF2-40B4-BE49-F238E27FC236}">
+                <a16:creationId xmlns:a16="http://schemas.microsoft.com/office/drawing/2014/main" id="{67C8669D-34D1-8A54-9479-EFB2DCD1E78B}"/>
+              </a:ext>
+            </a:extLst>
+          </p:cNvPr>
+          <p:cNvPicPr>
+            <a:picLocks noChangeAspect="1"/>
+          </p:cNvPicPr>
+          <p:nvPr/>
+        </p:nvPicPr>
+        <p:blipFill>
+          <a:blip r:embed="rId3"/>
+          <a:stretch>
+            <a:fillRect/>
+          </a:stretch>
+        </p:blipFill>
+        <p:spPr>
+          <a:xfrm>
+            <a:off x="7544640" y="9525"/>
+            <a:ext cx="3552825" cy="6838950"/>
+          </a:xfrm>
+          <a:prstGeom prst="rect">
+            <a:avLst/>
+          </a:prstGeom>
+        </p:spPr>
+      </p:pic>
+      <p:sp>
+        <p:nvSpPr>
+          <p:cNvPr id="7" name="Arrow: Right 6">
+            <a:extLst>
+              <a:ext uri="{FF2B5EF4-FFF2-40B4-BE49-F238E27FC236}">
+                <a16:creationId xmlns:a16="http://schemas.microsoft.com/office/drawing/2014/main" id="{75C85425-F23C-51A1-1EE2-78BD91663103}"/>
+              </a:ext>
+            </a:extLst>
+          </p:cNvPr>
+          <p:cNvSpPr/>
+          <p:nvPr/>
+        </p:nvSpPr>
+        <p:spPr>
+          <a:xfrm>
+            <a:off x="5542384" y="3254051"/>
+            <a:ext cx="1639501" cy="349898"/>
+          </a:xfrm>
+          <a:prstGeom prst="rightArrow">
+            <a:avLst/>
+          </a:prstGeom>
+        </p:spPr>
+        <p:style>
+          <a:lnRef idx="2">
+            <a:schemeClr val="dk1">
+              <a:shade val="50000"/>
+            </a:schemeClr>
+          </a:lnRef>
+          <a:fillRef idx="1">
+            <a:schemeClr val="dk1"/>
+          </a:fillRef>
+          <a:effectRef idx="0">
+            <a:schemeClr val="dk1"/>
+          </a:effectRef>
+          <a:fontRef idx="minor">
+            <a:schemeClr val="lt1"/>
+          </a:fontRef>
+        </p:style>
+        <p:txBody>
+          <a:bodyPr rtlCol="0" anchor="ctr"/>
+          <a:lstStyle/>
+          <a:p>
+            <a:pPr algn="ctr"/>
+            <a:endParaRPr lang="en-US"/>
+          </a:p>
+        </p:txBody>
+      </p:sp>
+    </p:spTree>
+    <p:extLst>
+      <p:ext uri="{BB962C8B-B14F-4D97-AF65-F5344CB8AC3E}">
+        <p14:creationId xmlns:p14="http://schemas.microsoft.com/office/powerpoint/2010/main" val="2909140388"/>
+      </p:ext>
+    </p:extLst>
+  </p:cSld>
+  <p:clrMapOvr>
+    <a:masterClrMapping/>
+  </p:clrMapOvr>
+</p:sld>
+</file>
+
+<file path=ppt/slides/slide5.xml><?xml version="1.0" encoding="utf-8"?>
+<p:sld xmlns:a="http://schemas.openxmlformats.org/drawingml/2006/main" xmlns:r="http://schemas.openxmlformats.org/officeDocument/2006/relationships" xmlns:p="http://schemas.openxmlformats.org/presentationml/2006/main">
+  <p:cSld>
+    <p:spTree>
+      <p:nvGrpSpPr>
+        <p:cNvPr id="1" name=""/>
+        <p:cNvGrpSpPr/>
+        <p:nvPr/>
+      </p:nvGrpSpPr>
+      <p:grpSpPr>
+        <a:xfrm>
+          <a:off x="0" y="0"/>
+          <a:ext cx="0" cy="0"/>
+          <a:chOff x="0" y="0"/>
+          <a:chExt cx="0" cy="0"/>
+        </a:xfrm>
+      </p:grpSpPr>
+      <p:pic>
+        <p:nvPicPr>
+          <p:cNvPr id="7" name="Picture 6">
+            <a:extLst>
+              <a:ext uri="{FF2B5EF4-FFF2-40B4-BE49-F238E27FC236}">
+                <a16:creationId xmlns:a16="http://schemas.microsoft.com/office/drawing/2014/main" id="{D214139B-EB67-F549-7909-38DAC9E245D0}"/>
+              </a:ext>
+            </a:extLst>
+          </p:cNvPr>
+          <p:cNvPicPr>
+            <a:picLocks noChangeAspect="1"/>
+          </p:cNvPicPr>
+          <p:nvPr/>
+        </p:nvPicPr>
+        <p:blipFill>
+          <a:blip r:embed="rId2"/>
+          <a:stretch>
+            <a:fillRect/>
+          </a:stretch>
+        </p:blipFill>
+        <p:spPr>
+          <a:xfrm>
+            <a:off x="405672" y="0"/>
+            <a:ext cx="3244362" cy="6858000"/>
+          </a:xfrm>
+          <a:prstGeom prst="rect">
+            <a:avLst/>
+          </a:prstGeom>
+        </p:spPr>
+      </p:pic>
+      <p:grpSp>
+        <p:nvGrpSpPr>
+          <p:cNvPr id="32" name="Group 31">
+            <a:extLst>
+              <a:ext uri="{FF2B5EF4-FFF2-40B4-BE49-F238E27FC236}">
+                <a16:creationId xmlns:a16="http://schemas.microsoft.com/office/drawing/2014/main" id="{EE673CFE-EF5E-A356-61BC-3EC738DD7E51}"/>
+              </a:ext>
+            </a:extLst>
+          </p:cNvPr>
+          <p:cNvGrpSpPr/>
+          <p:nvPr/>
+        </p:nvGrpSpPr>
+        <p:grpSpPr>
+          <a:xfrm>
+            <a:off x="10203866" y="9525"/>
+            <a:ext cx="1652808" cy="3181544"/>
+            <a:chOff x="10203866" y="9525"/>
+            <a:chExt cx="1652808" cy="3181544"/>
+          </a:xfrm>
+        </p:grpSpPr>
+        <p:pic>
+          <p:nvPicPr>
+            <p:cNvPr id="8" name="Picture 7">
+              <a:extLst>
+                <a:ext uri="{FF2B5EF4-FFF2-40B4-BE49-F238E27FC236}">
+                  <a16:creationId xmlns:a16="http://schemas.microsoft.com/office/drawing/2014/main" id="{1C320EC6-F144-AA47-0100-43C3D2215AF8}"/>
+                </a:ext>
+              </a:extLst>
+            </p:cNvPr>
+            <p:cNvPicPr>
+              <a:picLocks noChangeAspect="1"/>
+            </p:cNvPicPr>
+            <p:nvPr/>
+          </p:nvPicPr>
+          <p:blipFill>
+            <a:blip r:embed="rId3"/>
+            <a:stretch>
+              <a:fillRect/>
+            </a:stretch>
+          </p:blipFill>
+          <p:spPr>
+            <a:xfrm>
+              <a:off x="10203866" y="9525"/>
+              <a:ext cx="1652808" cy="3181544"/>
+            </a:xfrm>
+            <a:prstGeom prst="rect">
+              <a:avLst/>
+            </a:prstGeom>
+          </p:spPr>
+        </p:pic>
+        <p:sp>
+          <p:nvSpPr>
+            <p:cNvPr id="9" name="Oval 8">
+              <a:extLst>
+                <a:ext uri="{FF2B5EF4-FFF2-40B4-BE49-F238E27FC236}">
+                  <a16:creationId xmlns:a16="http://schemas.microsoft.com/office/drawing/2014/main" id="{45E752D3-56E5-FB4D-2DC9-714AFD507E9C}"/>
+                </a:ext>
+              </a:extLst>
+            </p:cNvPr>
+            <p:cNvSpPr/>
+            <p:nvPr/>
+          </p:nvSpPr>
+          <p:spPr>
+            <a:xfrm>
+              <a:off x="10403633" y="2766526"/>
+              <a:ext cx="391886" cy="391886"/>
+            </a:xfrm>
+            <a:prstGeom prst="ellipse">
+              <a:avLst/>
+            </a:prstGeom>
+            <a:noFill/>
+            <a:ln w="38100">
+              <a:solidFill>
+                <a:srgbClr val="C00000"/>
+              </a:solidFill>
+            </a:ln>
+          </p:spPr>
+          <p:style>
+            <a:lnRef idx="2">
+              <a:schemeClr val="accent1">
+                <a:shade val="50000"/>
+              </a:schemeClr>
+            </a:lnRef>
+            <a:fillRef idx="1">
+              <a:schemeClr val="accent1"/>
+            </a:fillRef>
+            <a:effectRef idx="0">
+              <a:schemeClr val="accent1"/>
+            </a:effectRef>
+            <a:fontRef idx="minor">
+              <a:schemeClr val="lt1"/>
+            </a:fontRef>
+          </p:style>
+          <p:txBody>
+            <a:bodyPr rtlCol="0" anchor="ctr"/>
+            <a:lstStyle/>
+            <a:p>
+              <a:pPr algn="ctr"/>
+              <a:endParaRPr lang="en-US"/>
+            </a:p>
+          </p:txBody>
+        </p:sp>
+      </p:grpSp>
+      <p:cxnSp>
+        <p:nvCxnSpPr>
+          <p:cNvPr id="10" name="Straight Arrow Connector 9">
+            <a:extLst>
+              <a:ext uri="{FF2B5EF4-FFF2-40B4-BE49-F238E27FC236}">
+                <a16:creationId xmlns:a16="http://schemas.microsoft.com/office/drawing/2014/main" id="{3C50AE4D-CF4B-1556-0428-9C3F44BD5B83}"/>
+              </a:ext>
+            </a:extLst>
+          </p:cNvPr>
+          <p:cNvCxnSpPr>
+            <a:cxnSpLocks/>
+            <a:stCxn id="11" idx="1"/>
+          </p:cNvCxnSpPr>
+          <p:nvPr/>
+        </p:nvCxnSpPr>
+        <p:spPr>
+          <a:xfrm flipH="1">
+            <a:off x="3293706" y="953096"/>
+            <a:ext cx="937727" cy="420500"/>
+          </a:xfrm>
+          <a:prstGeom prst="straightConnector1">
+            <a:avLst/>
+          </a:prstGeom>
+          <a:ln w="28575">
+            <a:solidFill>
+              <a:schemeClr val="tx1"/>
+            </a:solidFill>
+            <a:tailEnd type="triangle"/>
+          </a:ln>
+        </p:spPr>
+        <p:style>
+          <a:lnRef idx="1">
+            <a:schemeClr val="accent1"/>
+          </a:lnRef>
+          <a:fillRef idx="0">
+            <a:schemeClr val="accent1"/>
+          </a:fillRef>
+          <a:effectRef idx="0">
+            <a:schemeClr val="accent1"/>
+          </a:effectRef>
+          <a:fontRef idx="minor">
+            <a:schemeClr val="tx1"/>
+          </a:fontRef>
+        </p:style>
+      </p:cxnSp>
+      <p:sp>
+        <p:nvSpPr>
+          <p:cNvPr id="11" name="TextBox 10">
+            <a:extLst>
+              <a:ext uri="{FF2B5EF4-FFF2-40B4-BE49-F238E27FC236}">
+                <a16:creationId xmlns:a16="http://schemas.microsoft.com/office/drawing/2014/main" id="{4CBFE7B8-7F5D-F646-94BC-534DC85FCC6B}"/>
+              </a:ext>
+            </a:extLst>
+          </p:cNvPr>
+          <p:cNvSpPr txBox="1"/>
+          <p:nvPr/>
+        </p:nvSpPr>
+        <p:spPr>
+          <a:xfrm>
+            <a:off x="4231433" y="599153"/>
+            <a:ext cx="1278293" cy="707886"/>
+          </a:xfrm>
+          <a:prstGeom prst="rect">
+            <a:avLst/>
+          </a:prstGeom>
+          <a:noFill/>
+        </p:spPr>
+        <p:txBody>
+          <a:bodyPr wrap="square" rtlCol="0">
+            <a:spAutoFit/>
+          </a:bodyPr>
+          <a:lstStyle/>
+          <a:p>
+            <a:r>
+              <a:rPr lang="en-US" sz="2000" dirty="0">
+                <a:latin typeface="Helvetica" panose="020B0604020202020204" pitchFamily="34" charset="0"/>
+                <a:cs typeface="Helvetica" panose="020B0604020202020204" pitchFamily="34" charset="0"/>
+              </a:rPr>
+              <a:t>Foot from ABS</a:t>
+            </a:r>
+          </a:p>
+        </p:txBody>
+      </p:sp>
+      <p:cxnSp>
+        <p:nvCxnSpPr>
+          <p:cNvPr id="17" name="Straight Arrow Connector 16">
+            <a:extLst>
+              <a:ext uri="{FF2B5EF4-FFF2-40B4-BE49-F238E27FC236}">
+                <a16:creationId xmlns:a16="http://schemas.microsoft.com/office/drawing/2014/main" id="{D9541F9D-846E-E1E7-8BC4-297C03FF6A7D}"/>
+              </a:ext>
+            </a:extLst>
+          </p:cNvPr>
+          <p:cNvCxnSpPr>
+            <a:cxnSpLocks/>
+            <a:stCxn id="18" idx="1"/>
+          </p:cNvCxnSpPr>
+          <p:nvPr/>
+        </p:nvCxnSpPr>
+        <p:spPr>
+          <a:xfrm flipH="1">
+            <a:off x="3293706" y="6040263"/>
+            <a:ext cx="937727" cy="0"/>
+          </a:xfrm>
+          <a:prstGeom prst="straightConnector1">
+            <a:avLst/>
+          </a:prstGeom>
+          <a:ln w="28575">
+            <a:solidFill>
+              <a:schemeClr val="tx1"/>
+            </a:solidFill>
+            <a:tailEnd type="triangle"/>
+          </a:ln>
+        </p:spPr>
+        <p:style>
+          <a:lnRef idx="1">
+            <a:schemeClr val="accent1"/>
+          </a:lnRef>
+          <a:fillRef idx="0">
+            <a:schemeClr val="accent1"/>
+          </a:fillRef>
+          <a:effectRef idx="0">
+            <a:schemeClr val="accent1"/>
+          </a:effectRef>
+          <a:fontRef idx="minor">
+            <a:schemeClr val="tx1"/>
+          </a:fontRef>
+        </p:style>
+      </p:cxnSp>
+      <p:sp>
+        <p:nvSpPr>
+          <p:cNvPr id="18" name="TextBox 17">
+            <a:extLst>
+              <a:ext uri="{FF2B5EF4-FFF2-40B4-BE49-F238E27FC236}">
+                <a16:creationId xmlns:a16="http://schemas.microsoft.com/office/drawing/2014/main" id="{CFB59030-1207-3C8B-1C8E-A7788F9AFED0}"/>
+              </a:ext>
+            </a:extLst>
+          </p:cNvPr>
+          <p:cNvSpPr txBox="1"/>
+          <p:nvPr/>
+        </p:nvSpPr>
+        <p:spPr>
+          <a:xfrm>
+            <a:off x="4231433" y="5532431"/>
+            <a:ext cx="3059558" cy="1015663"/>
+          </a:xfrm>
+          <a:prstGeom prst="rect">
+            <a:avLst/>
+          </a:prstGeom>
+          <a:noFill/>
+        </p:spPr>
+        <p:txBody>
+          <a:bodyPr wrap="square" rtlCol="0">
+            <a:spAutoFit/>
+          </a:bodyPr>
+          <a:lstStyle/>
+          <a:p>
+            <a:r>
+              <a:rPr lang="en-US" sz="2000" dirty="0">
+                <a:latin typeface="Helvetica" panose="020B0604020202020204" pitchFamily="34" charset="0"/>
+                <a:cs typeface="Helvetica" panose="020B0604020202020204" pitchFamily="34" charset="0"/>
+              </a:rPr>
+              <a:t>3d printed sock from Thermoplastic Elastomers (TPE).</a:t>
+            </a:r>
+          </a:p>
+        </p:txBody>
+      </p:sp>
+      <p:sp>
+        <p:nvSpPr>
+          <p:cNvPr id="22" name="Oval 21">
+            <a:extLst>
+              <a:ext uri="{FF2B5EF4-FFF2-40B4-BE49-F238E27FC236}">
+                <a16:creationId xmlns:a16="http://schemas.microsoft.com/office/drawing/2014/main" id="{AE20FAB7-D377-D5C6-EA4B-5B9BEAC6C882}"/>
+              </a:ext>
+            </a:extLst>
+          </p:cNvPr>
+          <p:cNvSpPr/>
+          <p:nvPr/>
+        </p:nvSpPr>
+        <p:spPr>
+          <a:xfrm rot="2462003">
+            <a:off x="2263020" y="3382346"/>
+            <a:ext cx="391886" cy="863082"/>
+          </a:xfrm>
+          <a:prstGeom prst="ellipse">
+            <a:avLst/>
+          </a:prstGeom>
+          <a:noFill/>
+          <a:ln w="38100">
+            <a:solidFill>
+              <a:srgbClr val="C00000"/>
+            </a:solidFill>
+          </a:ln>
+        </p:spPr>
+        <p:style>
+          <a:lnRef idx="2">
+            <a:schemeClr val="accent1">
+              <a:shade val="50000"/>
+            </a:schemeClr>
+          </a:lnRef>
+          <a:fillRef idx="1">
+            <a:schemeClr val="accent1"/>
+          </a:fillRef>
+          <a:effectRef idx="0">
+            <a:schemeClr val="accent1"/>
+          </a:effectRef>
+          <a:fontRef idx="minor">
+            <a:schemeClr val="lt1"/>
+          </a:fontRef>
+        </p:style>
+        <p:txBody>
+          <a:bodyPr rtlCol="0" anchor="ctr"/>
+          <a:lstStyle/>
+          <a:p>
+            <a:pPr algn="ctr"/>
+            <a:endParaRPr lang="en-US"/>
+          </a:p>
+        </p:txBody>
+      </p:sp>
+      <p:cxnSp>
+        <p:nvCxnSpPr>
+          <p:cNvPr id="26" name="Straight Arrow Connector 25">
+            <a:extLst>
+              <a:ext uri="{FF2B5EF4-FFF2-40B4-BE49-F238E27FC236}">
+                <a16:creationId xmlns:a16="http://schemas.microsoft.com/office/drawing/2014/main" id="{A38D3ADC-45B9-A1CE-7001-6F266AFF54E4}"/>
+              </a:ext>
+            </a:extLst>
+          </p:cNvPr>
+          <p:cNvCxnSpPr>
+            <a:cxnSpLocks/>
+            <a:stCxn id="23" idx="1"/>
+          </p:cNvCxnSpPr>
+          <p:nvPr/>
+        </p:nvCxnSpPr>
+        <p:spPr>
+          <a:xfrm flipH="1">
+            <a:off x="2824842" y="2886025"/>
+            <a:ext cx="1936256" cy="629622"/>
+          </a:xfrm>
+          <a:prstGeom prst="straightConnector1">
+            <a:avLst/>
+          </a:prstGeom>
+          <a:ln w="28575">
+            <a:solidFill>
+              <a:schemeClr val="tx1"/>
+            </a:solidFill>
+            <a:tailEnd type="triangle"/>
+          </a:ln>
+        </p:spPr>
+        <p:style>
+          <a:lnRef idx="1">
+            <a:schemeClr val="accent1"/>
+          </a:lnRef>
+          <a:fillRef idx="0">
+            <a:schemeClr val="accent1"/>
+          </a:fillRef>
+          <a:effectRef idx="0">
+            <a:schemeClr val="accent1"/>
+          </a:effectRef>
+          <a:fontRef idx="minor">
+            <a:schemeClr val="tx1"/>
+          </a:fontRef>
+        </p:style>
+      </p:cxnSp>
+      <p:grpSp>
+        <p:nvGrpSpPr>
+          <p:cNvPr id="29" name="Group 28">
+            <a:extLst>
+              <a:ext uri="{FF2B5EF4-FFF2-40B4-BE49-F238E27FC236}">
+                <a16:creationId xmlns:a16="http://schemas.microsoft.com/office/drawing/2014/main" id="{276A15EE-0CE2-3EA7-22E9-CFBBE79CFC97}"/>
+              </a:ext>
+            </a:extLst>
+          </p:cNvPr>
+          <p:cNvGrpSpPr/>
+          <p:nvPr/>
+        </p:nvGrpSpPr>
+        <p:grpSpPr>
+          <a:xfrm>
+            <a:off x="4761098" y="1600297"/>
+            <a:ext cx="4168298" cy="2571455"/>
+            <a:chOff x="4761098" y="1600297"/>
+            <a:chExt cx="4168298" cy="2571455"/>
+          </a:xfrm>
+        </p:grpSpPr>
+        <p:grpSp>
+          <p:nvGrpSpPr>
+            <p:cNvPr id="25" name="Group 24">
+              <a:extLst>
+                <a:ext uri="{FF2B5EF4-FFF2-40B4-BE49-F238E27FC236}">
+                  <a16:creationId xmlns:a16="http://schemas.microsoft.com/office/drawing/2014/main" id="{752E9C0F-707C-107E-37F0-698EAC094C54}"/>
+                </a:ext>
+              </a:extLst>
+            </p:cNvPr>
+            <p:cNvGrpSpPr/>
+            <p:nvPr/>
+          </p:nvGrpSpPr>
+          <p:grpSpPr>
+            <a:xfrm>
+              <a:off x="4761098" y="1600297"/>
+              <a:ext cx="4168298" cy="2571455"/>
+              <a:chOff x="4761098" y="1600297"/>
+              <a:chExt cx="4168298" cy="2571455"/>
+            </a:xfrm>
+          </p:grpSpPr>
+          <p:pic>
+            <p:nvPicPr>
+              <p:cNvPr id="23" name="Picture 22">
+                <a:extLst>
+                  <a:ext uri="{FF2B5EF4-FFF2-40B4-BE49-F238E27FC236}">
+                    <a16:creationId xmlns:a16="http://schemas.microsoft.com/office/drawing/2014/main" id="{7ADD198B-A5AF-ABDC-D6B5-4403494E3525}"/>
+                  </a:ext>
+                </a:extLst>
+              </p:cNvPr>
+              <p:cNvPicPr>
+                <a:picLocks noChangeAspect="1"/>
+              </p:cNvPicPr>
+              <p:nvPr/>
+            </p:nvPicPr>
+            <p:blipFill>
+              <a:blip r:embed="rId4"/>
+              <a:stretch>
+                <a:fillRect/>
+              </a:stretch>
+            </p:blipFill>
+            <p:spPr>
+              <a:xfrm>
+                <a:off x="4761098" y="1600297"/>
+                <a:ext cx="3780869" cy="2571455"/>
+              </a:xfrm>
+              <a:prstGeom prst="rect">
+                <a:avLst/>
+              </a:prstGeom>
+              <a:ln w="38100">
+                <a:solidFill>
+                  <a:srgbClr val="C00000"/>
+                </a:solidFill>
+              </a:ln>
+            </p:spPr>
+          </p:pic>
+          <p:sp>
+            <p:nvSpPr>
+              <p:cNvPr id="24" name="TextBox 23">
+                <a:extLst>
+                  <a:ext uri="{FF2B5EF4-FFF2-40B4-BE49-F238E27FC236}">
+                    <a16:creationId xmlns:a16="http://schemas.microsoft.com/office/drawing/2014/main" id="{852A8B5F-86EB-8E19-306D-B9E559021DB6}"/>
+                  </a:ext>
+                </a:extLst>
+              </p:cNvPr>
+              <p:cNvSpPr txBox="1"/>
+              <p:nvPr/>
+            </p:nvSpPr>
+            <p:spPr>
+              <a:xfrm>
+                <a:off x="6923315" y="1600297"/>
+                <a:ext cx="2006081" cy="707886"/>
+              </a:xfrm>
+              <a:prstGeom prst="rect">
+                <a:avLst/>
+              </a:prstGeom>
+              <a:noFill/>
+              <a:ln>
+                <a:noFill/>
+              </a:ln>
+            </p:spPr>
+            <p:txBody>
+              <a:bodyPr wrap="square" rtlCol="0">
+                <a:spAutoFit/>
+              </a:bodyPr>
+              <a:lstStyle/>
+              <a:p>
+                <a:r>
+                  <a:rPr lang="en-US" sz="2000" dirty="0">
+                    <a:latin typeface="Helvetica" panose="020B0604020202020204" pitchFamily="34" charset="0"/>
+                    <a:cs typeface="Helvetica" panose="020B0604020202020204" pitchFamily="34" charset="0"/>
+                  </a:rPr>
+                  <a:t>From Collins, </a:t>
+                </a:r>
+                <a:r>
+                  <a:rPr lang="en-US" sz="2000" dirty="0" err="1">
+                    <a:latin typeface="Helvetica" panose="020B0604020202020204" pitchFamily="34" charset="0"/>
+                    <a:cs typeface="Helvetica" panose="020B0604020202020204" pitchFamily="34" charset="0"/>
+                  </a:rPr>
+                  <a:t>Ruina</a:t>
+                </a:r>
+                <a:endParaRPr lang="en-US" sz="2000" dirty="0">
+                  <a:latin typeface="Helvetica" panose="020B0604020202020204" pitchFamily="34" charset="0"/>
+                  <a:cs typeface="Helvetica" panose="020B0604020202020204" pitchFamily="34" charset="0"/>
+                </a:endParaRPr>
+              </a:p>
+            </p:txBody>
+          </p:sp>
+        </p:grpSp>
+        <p:sp>
+          <p:nvSpPr>
+            <p:cNvPr id="28" name="TextBox 27">
+              <a:extLst>
+                <a:ext uri="{FF2B5EF4-FFF2-40B4-BE49-F238E27FC236}">
+                  <a16:creationId xmlns:a16="http://schemas.microsoft.com/office/drawing/2014/main" id="{A9A2CB80-AF68-718A-E6C1-6FBB9D27A779}"/>
+                </a:ext>
+              </a:extLst>
+            </p:cNvPr>
+            <p:cNvSpPr txBox="1"/>
+            <p:nvPr/>
+          </p:nvSpPr>
+          <p:spPr>
+            <a:xfrm>
+              <a:off x="5482409" y="3449593"/>
+              <a:ext cx="3059558" cy="707886"/>
+            </a:xfrm>
+            <a:prstGeom prst="rect">
+              <a:avLst/>
+            </a:prstGeom>
+            <a:solidFill>
+              <a:schemeClr val="accent3">
+                <a:lumMod val="20000"/>
+                <a:lumOff val="80000"/>
+              </a:schemeClr>
+            </a:solidFill>
+          </p:spPr>
+          <p:txBody>
+            <a:bodyPr wrap="square" rtlCol="0">
+              <a:spAutoFit/>
+            </a:bodyPr>
+            <a:lstStyle/>
+            <a:p>
+              <a:r>
+                <a:rPr lang="en-US" sz="2000" dirty="0">
+                  <a:latin typeface="Helvetica" panose="020B0604020202020204" pitchFamily="34" charset="0"/>
+                  <a:cs typeface="Helvetica" panose="020B0604020202020204" pitchFamily="34" charset="0"/>
+                </a:rPr>
+                <a:t>Used for collisional indeterminacy rejection</a:t>
+              </a:r>
+            </a:p>
+          </p:txBody>
+        </p:sp>
+      </p:grpSp>
+      <p:sp>
+        <p:nvSpPr>
+          <p:cNvPr id="30" name="TextBox 29">
+            <a:extLst>
+              <a:ext uri="{FF2B5EF4-FFF2-40B4-BE49-F238E27FC236}">
+                <a16:creationId xmlns:a16="http://schemas.microsoft.com/office/drawing/2014/main" id="{729E183C-620A-09DC-D14C-7EF34A13F952}"/>
+              </a:ext>
+            </a:extLst>
+          </p:cNvPr>
+          <p:cNvSpPr txBox="1"/>
+          <p:nvPr/>
+        </p:nvSpPr>
+        <p:spPr>
+          <a:xfrm>
+            <a:off x="7627776" y="5532431"/>
+            <a:ext cx="3059558" cy="1015663"/>
+          </a:xfrm>
+          <a:prstGeom prst="rect">
+            <a:avLst/>
+          </a:prstGeom>
+          <a:noFill/>
+        </p:spPr>
+        <p:txBody>
+          <a:bodyPr wrap="square" rtlCol="0">
+            <a:spAutoFit/>
+          </a:bodyPr>
+          <a:lstStyle/>
+          <a:p>
+            <a:r>
+              <a:rPr lang="en-US" sz="2000" dirty="0">
+                <a:latin typeface="Helvetica" panose="020B0604020202020204" pitchFamily="34" charset="0"/>
+                <a:cs typeface="Helvetica" panose="020B0604020202020204" pitchFamily="34" charset="0"/>
+              </a:rPr>
+              <a:t>Dipping in </a:t>
+            </a:r>
+            <a:r>
+              <a:rPr lang="en-US" sz="2000" dirty="0" err="1">
+                <a:latin typeface="Helvetica" panose="020B0604020202020204" pitchFamily="34" charset="0"/>
+                <a:cs typeface="Helvetica" panose="020B0604020202020204" pitchFamily="34" charset="0"/>
+              </a:rPr>
+              <a:t>Plasti</a:t>
+            </a:r>
+            <a:r>
+              <a:rPr lang="en-US" sz="2000" dirty="0">
+                <a:latin typeface="Helvetica" panose="020B0604020202020204" pitchFamily="34" charset="0"/>
+                <a:cs typeface="Helvetica" panose="020B0604020202020204" pitchFamily="34" charset="0"/>
+              </a:rPr>
+              <a:t> Dip. (Depends on the friction coefficient).</a:t>
+            </a:r>
+          </a:p>
+        </p:txBody>
+      </p:sp>
+      <p:sp>
+        <p:nvSpPr>
+          <p:cNvPr id="31" name="Cross 30">
+            <a:extLst>
+              <a:ext uri="{FF2B5EF4-FFF2-40B4-BE49-F238E27FC236}">
+                <a16:creationId xmlns:a16="http://schemas.microsoft.com/office/drawing/2014/main" id="{C91A3083-E256-C7AA-3840-4E3AEDCB8431}"/>
+              </a:ext>
+            </a:extLst>
+          </p:cNvPr>
+          <p:cNvSpPr/>
+          <p:nvPr/>
+        </p:nvSpPr>
+        <p:spPr>
+          <a:xfrm>
+            <a:off x="6857119" y="5796306"/>
+            <a:ext cx="494522" cy="494522"/>
+          </a:xfrm>
+          <a:prstGeom prst="plus">
+            <a:avLst>
+              <a:gd name="adj" fmla="val 42258"/>
+            </a:avLst>
+          </a:prstGeom>
+        </p:spPr>
+        <p:style>
+          <a:lnRef idx="2">
+            <a:schemeClr val="dk1">
+              <a:shade val="50000"/>
+            </a:schemeClr>
+          </a:lnRef>
+          <a:fillRef idx="1">
+            <a:schemeClr val="dk1"/>
+          </a:fillRef>
+          <a:effectRef idx="0">
+            <a:schemeClr val="dk1"/>
+          </a:effectRef>
+          <a:fontRef idx="minor">
+            <a:schemeClr val="lt1"/>
+          </a:fontRef>
+        </p:style>
+        <p:txBody>
+          <a:bodyPr rtlCol="0" anchor="ctr"/>
+          <a:lstStyle/>
+          <a:p>
+            <a:pPr algn="ctr"/>
+            <a:endParaRPr lang="en-US"/>
+          </a:p>
+        </p:txBody>
+      </p:sp>
+    </p:spTree>
+    <p:extLst>
+      <p:ext uri="{BB962C8B-B14F-4D97-AF65-F5344CB8AC3E}">
+        <p14:creationId xmlns:p14="http://schemas.microsoft.com/office/powerpoint/2010/main" val="1727707217"/>
+      </p:ext>
+    </p:extLst>
+  </p:cSld>
+  <p:clrMapOvr>
+    <a:masterClrMapping/>
+  </p:clrMapOvr>
+  <p:timing>
+    <p:tnLst>
+      <p:par>
+        <p:cTn id="1" dur="indefinite" restart="never" nodeType="tmRoot">
+          <p:childTnLst>
+            <p:seq concurrent="1" nextAc="seek">
+              <p:cTn id="2" dur="indefinite" nodeType="mainSeq">
+                <p:childTnLst>
+                  <p:par>
+                    <p:cTn id="3" fill="hold">
+                      <p:stCondLst>
+                        <p:cond delay="indefinite"/>
+                      </p:stCondLst>
+                      <p:childTnLst>
+                        <p:par>
+                          <p:cTn id="4" fill="hold">
+                            <p:stCondLst>
+                              <p:cond delay="0"/>
+                            </p:stCondLst>
+                            <p:childTnLst>
+                              <p:par>
+                                <p:cTn id="5" presetID="1" presetClass="entr" presetSubtype="0" fill="hold" nodeType="clickEffect">
+                                  <p:stCondLst>
+                                    <p:cond delay="0"/>
+                                  </p:stCondLst>
+                                  <p:childTnLst>
+                                    <p:set>
+                                      <p:cBhvr>
+                                        <p:cTn id="6" dur="1" fill="hold">
+                                          <p:stCondLst>
+                                            <p:cond delay="0"/>
+                                          </p:stCondLst>
+                                        </p:cTn>
+                                        <p:tgtEl>
+                                          <p:spTgt spid="32"/>
+                                        </p:tgtEl>
+                                        <p:attrNameLst>
+                                          <p:attrName>style.visibility</p:attrName>
+                                        </p:attrNameLst>
+                                      </p:cBhvr>
+                                      <p:to>
+                                        <p:strVal val="visible"/>
+                                      </p:to>
+                                    </p:set>
+                                  </p:childTnLst>
+                                </p:cTn>
+                              </p:par>
+                            </p:childTnLst>
+                          </p:cTn>
+                        </p:par>
+                      </p:childTnLst>
+                    </p:cTn>
+                  </p:par>
+                  <p:par>
+                    <p:cTn id="7" fill="hold">
+                      <p:stCondLst>
+                        <p:cond delay="indefinite"/>
+                      </p:stCondLst>
+                      <p:childTnLst>
+                        <p:par>
+                          <p:cTn id="8" fill="hold">
+                            <p:stCondLst>
+                              <p:cond delay="0"/>
+                            </p:stCondLst>
+                            <p:childTnLst>
+                              <p:par>
+                                <p:cTn id="9" presetID="1" presetClass="entr" presetSubtype="0" fill="hold" nodeType="clickEffect">
+                                  <p:stCondLst>
+                                    <p:cond delay="0"/>
+                                  </p:stCondLst>
+                                  <p:childTnLst>
+                                    <p:set>
+                                      <p:cBhvr>
+                                        <p:cTn id="10" dur="1" fill="hold">
+                                          <p:stCondLst>
+                                            <p:cond delay="0"/>
+                                          </p:stCondLst>
+                                        </p:cTn>
+                                        <p:tgtEl>
+                                          <p:spTgt spid="7"/>
+                                        </p:tgtEl>
+                                        <p:attrNameLst>
+                                          <p:attrName>style.visibility</p:attrName>
+                                        </p:attrNameLst>
+                                      </p:cBhvr>
+                                      <p:to>
+                                        <p:strVal val="visible"/>
+                                      </p:to>
+                                    </p:set>
+                                  </p:childTnLst>
+                                </p:cTn>
+                              </p:par>
+                            </p:childTnLst>
+                          </p:cTn>
+                        </p:par>
+                      </p:childTnLst>
+                    </p:cTn>
+                  </p:par>
+                  <p:par>
+                    <p:cTn id="11" fill="hold">
+                      <p:stCondLst>
+                        <p:cond delay="indefinite"/>
+                      </p:stCondLst>
+                      <p:childTnLst>
+                        <p:par>
+                          <p:cTn id="12" fill="hold">
+                            <p:stCondLst>
+                              <p:cond delay="0"/>
+                            </p:stCondLst>
+                            <p:childTnLst>
+                              <p:par>
+                                <p:cTn id="13" presetID="1" presetClass="entr" presetSubtype="0" fill="hold" nodeType="clickEffect">
+                                  <p:stCondLst>
+                                    <p:cond delay="0"/>
+                                  </p:stCondLst>
+                                  <p:childTnLst>
+                                    <p:set>
+                                      <p:cBhvr>
+                                        <p:cTn id="14" dur="1" fill="hold">
+                                          <p:stCondLst>
+                                            <p:cond delay="0"/>
+                                          </p:stCondLst>
+                                        </p:cTn>
+                                        <p:tgtEl>
+                                          <p:spTgt spid="10"/>
+                                        </p:tgtEl>
+                                        <p:attrNameLst>
+                                          <p:attrName>style.visibility</p:attrName>
+                                        </p:attrNameLst>
+                                      </p:cBhvr>
+                                      <p:to>
+                                        <p:strVal val="visible"/>
+                                      </p:to>
+                                    </p:set>
+                                  </p:childTnLst>
+                                </p:cTn>
+                              </p:par>
+                              <p:par>
+                                <p:cTn id="15" presetID="1" presetClass="entr" presetSubtype="0" fill="hold" grpId="0" nodeType="withEffect">
+                                  <p:stCondLst>
+                                    <p:cond delay="0"/>
+                                  </p:stCondLst>
+                                  <p:childTnLst>
+                                    <p:set>
+                                      <p:cBhvr>
+                                        <p:cTn id="16" dur="1" fill="hold">
+                                          <p:stCondLst>
+                                            <p:cond delay="0"/>
+                                          </p:stCondLst>
+                                        </p:cTn>
+                                        <p:tgtEl>
+                                          <p:spTgt spid="11"/>
+                                        </p:tgtEl>
+                                        <p:attrNameLst>
+                                          <p:attrName>style.visibility</p:attrName>
+                                        </p:attrNameLst>
+                                      </p:cBhvr>
+                                      <p:to>
+                                        <p:strVal val="visible"/>
+                                      </p:to>
+                                    </p:set>
+                                  </p:childTnLst>
+                                </p:cTn>
+                              </p:par>
+                            </p:childTnLst>
+                          </p:cTn>
+                        </p:par>
+                      </p:childTnLst>
+                    </p:cTn>
+                  </p:par>
+                  <p:par>
+                    <p:cTn id="17" fill="hold">
+                      <p:stCondLst>
+                        <p:cond delay="indefinite"/>
+                      </p:stCondLst>
+                      <p:childTnLst>
+                        <p:par>
+                          <p:cTn id="18" fill="hold">
+                            <p:stCondLst>
+                              <p:cond delay="0"/>
+                            </p:stCondLst>
+                            <p:childTnLst>
+                              <p:par>
+                                <p:cTn id="19" presetID="1" presetClass="entr" presetSubtype="0" fill="hold" nodeType="clickEffect">
+                                  <p:stCondLst>
+                                    <p:cond delay="0"/>
+                                  </p:stCondLst>
+                                  <p:childTnLst>
+                                    <p:set>
+                                      <p:cBhvr>
+                                        <p:cTn id="20" dur="1" fill="hold">
+                                          <p:stCondLst>
+                                            <p:cond delay="0"/>
+                                          </p:stCondLst>
+                                        </p:cTn>
+                                        <p:tgtEl>
+                                          <p:spTgt spid="29"/>
+                                        </p:tgtEl>
+                                        <p:attrNameLst>
+                                          <p:attrName>style.visibility</p:attrName>
+                                        </p:attrNameLst>
+                                      </p:cBhvr>
+                                      <p:to>
+                                        <p:strVal val="visible"/>
+                                      </p:to>
+                                    </p:set>
+                                  </p:childTnLst>
+                                </p:cTn>
+                              </p:par>
+                              <p:par>
+                                <p:cTn id="21" presetID="1" presetClass="entr" presetSubtype="0" fill="hold" nodeType="withEffect">
+                                  <p:stCondLst>
+                                    <p:cond delay="0"/>
+                                  </p:stCondLst>
+                                  <p:childTnLst>
+                                    <p:set>
+                                      <p:cBhvr>
+                                        <p:cTn id="22" dur="1" fill="hold">
+                                          <p:stCondLst>
+                                            <p:cond delay="0"/>
+                                          </p:stCondLst>
+                                        </p:cTn>
+                                        <p:tgtEl>
+                                          <p:spTgt spid="26"/>
+                                        </p:tgtEl>
+                                        <p:attrNameLst>
+                                          <p:attrName>style.visibility</p:attrName>
+                                        </p:attrNameLst>
+                                      </p:cBhvr>
+                                      <p:to>
+                                        <p:strVal val="visible"/>
+                                      </p:to>
+                                    </p:set>
+                                  </p:childTnLst>
+                                </p:cTn>
+                              </p:par>
+                              <p:par>
+                                <p:cTn id="23" presetID="1" presetClass="entr" presetSubtype="0" fill="hold" grpId="0" nodeType="withEffect">
+                                  <p:stCondLst>
+                                    <p:cond delay="0"/>
+                                  </p:stCondLst>
+                                  <p:childTnLst>
+                                    <p:set>
+                                      <p:cBhvr>
+                                        <p:cTn id="24" dur="1" fill="hold">
+                                          <p:stCondLst>
+                                            <p:cond delay="0"/>
+                                          </p:stCondLst>
+                                        </p:cTn>
+                                        <p:tgtEl>
+                                          <p:spTgt spid="22"/>
+                                        </p:tgtEl>
+                                        <p:attrNameLst>
+                                          <p:attrName>style.visibility</p:attrName>
+                                        </p:attrNameLst>
+                                      </p:cBhvr>
+                                      <p:to>
+                                        <p:strVal val="visible"/>
+                                      </p:to>
+                                    </p:set>
+                                  </p:childTnLst>
+                                </p:cTn>
+                              </p:par>
+                            </p:childTnLst>
+                          </p:cTn>
+                        </p:par>
+                      </p:childTnLst>
+                    </p:cTn>
+                  </p:par>
+                  <p:par>
+                    <p:cTn id="25" fill="hold">
+                      <p:stCondLst>
+                        <p:cond delay="indefinite"/>
+                      </p:stCondLst>
+                      <p:childTnLst>
+                        <p:par>
+                          <p:cTn id="26" fill="hold">
+                            <p:stCondLst>
+                              <p:cond delay="0"/>
+                            </p:stCondLst>
+                            <p:childTnLst>
+                              <p:par>
+                                <p:cTn id="27" presetID="1" presetClass="entr" presetSubtype="0" fill="hold" grpId="0" nodeType="clickEffect">
+                                  <p:stCondLst>
+                                    <p:cond delay="0"/>
+                                  </p:stCondLst>
+                                  <p:childTnLst>
+                                    <p:set>
+                                      <p:cBhvr>
+                                        <p:cTn id="28" dur="1" fill="hold">
+                                          <p:stCondLst>
+                                            <p:cond delay="0"/>
+                                          </p:stCondLst>
+                                        </p:cTn>
+                                        <p:tgtEl>
+                                          <p:spTgt spid="18"/>
+                                        </p:tgtEl>
+                                        <p:attrNameLst>
+                                          <p:attrName>style.visibility</p:attrName>
+                                        </p:attrNameLst>
+                                      </p:cBhvr>
+                                      <p:to>
+                                        <p:strVal val="visible"/>
+                                      </p:to>
+                                    </p:set>
+                                  </p:childTnLst>
+                                </p:cTn>
+                              </p:par>
+                              <p:par>
+                                <p:cTn id="29" presetID="1" presetClass="entr" presetSubtype="0" fill="hold" grpId="0" nodeType="withEffect">
+                                  <p:stCondLst>
+                                    <p:cond delay="0"/>
+                                  </p:stCondLst>
+                                  <p:childTnLst>
+                                    <p:set>
+                                      <p:cBhvr>
+                                        <p:cTn id="30" dur="1" fill="hold">
+                                          <p:stCondLst>
+                                            <p:cond delay="0"/>
+                                          </p:stCondLst>
+                                        </p:cTn>
+                                        <p:tgtEl>
+                                          <p:spTgt spid="30"/>
+                                        </p:tgtEl>
+                                        <p:attrNameLst>
+                                          <p:attrName>style.visibility</p:attrName>
+                                        </p:attrNameLst>
+                                      </p:cBhvr>
+                                      <p:to>
+                                        <p:strVal val="visible"/>
+                                      </p:to>
+                                    </p:set>
+                                  </p:childTnLst>
+                                </p:cTn>
+                              </p:par>
+                              <p:par>
+                                <p:cTn id="31" presetID="1" presetClass="entr" presetSubtype="0" fill="hold" grpId="0" nodeType="withEffect">
+                                  <p:stCondLst>
+                                    <p:cond delay="0"/>
+                                  </p:stCondLst>
+                                  <p:childTnLst>
+                                    <p:set>
+                                      <p:cBhvr>
+                                        <p:cTn id="32" dur="1" fill="hold">
+                                          <p:stCondLst>
+                                            <p:cond delay="0"/>
+                                          </p:stCondLst>
+                                        </p:cTn>
+                                        <p:tgtEl>
+                                          <p:spTgt spid="31"/>
+                                        </p:tgtEl>
+                                        <p:attrNameLst>
+                                          <p:attrName>style.visibility</p:attrName>
+                                        </p:attrNameLst>
+                                      </p:cBhvr>
+                                      <p:to>
+                                        <p:strVal val="visible"/>
+                                      </p:to>
+                                    </p:set>
+                                  </p:childTnLst>
+                                </p:cTn>
+                              </p:par>
+                              <p:par>
+                                <p:cTn id="33" presetID="1" presetClass="entr" presetSubtype="0" fill="hold" nodeType="withEffect">
+                                  <p:stCondLst>
+                                    <p:cond delay="0"/>
+                                  </p:stCondLst>
+                                  <p:childTnLst>
+                                    <p:set>
+                                      <p:cBhvr>
+                                        <p:cTn id="34" dur="1" fill="hold">
+                                          <p:stCondLst>
+                                            <p:cond delay="0"/>
+                                          </p:stCondLst>
+                                        </p:cTn>
+                                        <p:tgtEl>
+                                          <p:spTgt spid="17"/>
+                                        </p:tgtEl>
+                                        <p:attrNameLst>
+                                          <p:attrName>style.visibility</p:attrName>
+                                        </p:attrNameLst>
+                                      </p:cBhvr>
+                                      <p:to>
+                                        <p:strVal val="visible"/>
+                                      </p:to>
+                                    </p:set>
+                                  </p:childTnLst>
+                                </p:cTn>
+                              </p:par>
+                            </p:childTnLst>
+                          </p:cTn>
+                        </p:par>
+                      </p:childTnLst>
+                    </p:cTn>
+                  </p:par>
+                </p:childTnLst>
+              </p:cTn>
+              <p:prevCondLst>
+                <p:cond evt="onPrev" delay="0">
+                  <p:tgtEl>
+                    <p:sldTgt/>
+                  </p:tgtEl>
+                </p:cond>
+              </p:prevCondLst>
+              <p:nextCondLst>
+                <p:cond evt="onNext" delay="0">
+                  <p:tgtEl>
+                    <p:sldTgt/>
+                  </p:tgtEl>
+                </p:cond>
+              </p:nextCondLst>
+            </p:seq>
+          </p:childTnLst>
+        </p:cTn>
+      </p:par>
+    </p:tnLst>
+    <p:bldLst>
+      <p:bldP spid="11" grpId="0"/>
+      <p:bldP spid="18" grpId="0"/>
+      <p:bldP spid="22" grpId="0" animBg="1"/>
+      <p:bldP spid="30" grpId="0"/>
+      <p:bldP spid="31" grpId="0" animBg="1"/>
+    </p:bldLst>
+  </p:timing>
+</p:sld>
+</file>
+
+<file path=ppt/slides/slide6.xml><?xml version="1.0" encoding="utf-8"?>
+<p:sld xmlns:a="http://schemas.openxmlformats.org/drawingml/2006/main" xmlns:r="http://schemas.openxmlformats.org/officeDocument/2006/relationships" xmlns:p="http://schemas.openxmlformats.org/presentationml/2006/main">
+  <p:cSld>
+    <p:spTree>
+      <p:nvGrpSpPr>
+        <p:cNvPr id="1" name=""/>
+        <p:cNvGrpSpPr/>
+        <p:nvPr/>
+      </p:nvGrpSpPr>
+      <p:grpSpPr>
+        <a:xfrm>
+          <a:off x="0" y="0"/>
+          <a:ext cx="0" cy="0"/>
+          <a:chOff x="0" y="0"/>
+          <a:chExt cx="0" cy="0"/>
+        </a:xfrm>
+      </p:grpSpPr>
+      <p:grpSp>
+        <p:nvGrpSpPr>
+          <p:cNvPr id="44" name="Group 43">
+            <a:extLst>
+              <a:ext uri="{FF2B5EF4-FFF2-40B4-BE49-F238E27FC236}">
+                <a16:creationId xmlns:a16="http://schemas.microsoft.com/office/drawing/2014/main" id="{1F45CE35-0F82-2150-F633-D1A871C7F917}"/>
+              </a:ext>
+            </a:extLst>
+          </p:cNvPr>
+          <p:cNvGrpSpPr/>
+          <p:nvPr/>
+        </p:nvGrpSpPr>
+        <p:grpSpPr>
+          <a:xfrm>
+            <a:off x="1402081" y="671512"/>
+            <a:ext cx="4238625" cy="5514975"/>
+            <a:chOff x="1402081" y="671512"/>
+            <a:chExt cx="4238625" cy="5514975"/>
+          </a:xfrm>
+        </p:grpSpPr>
+        <p:pic>
+          <p:nvPicPr>
+            <p:cNvPr id="4" name="Picture 3">
+              <a:extLst>
+                <a:ext uri="{FF2B5EF4-FFF2-40B4-BE49-F238E27FC236}">
+                  <a16:creationId xmlns:a16="http://schemas.microsoft.com/office/drawing/2014/main" id="{BA51B1DC-ADFE-F826-15AF-20BFE48B46A2}"/>
+                </a:ext>
+              </a:extLst>
+            </p:cNvPr>
+            <p:cNvPicPr>
+              <a:picLocks noChangeAspect="1"/>
+            </p:cNvPicPr>
+            <p:nvPr/>
+          </p:nvPicPr>
+          <p:blipFill>
+            <a:blip r:embed="rId2"/>
+            <a:stretch>
+              <a:fillRect/>
+            </a:stretch>
+          </p:blipFill>
+          <p:spPr>
+            <a:xfrm>
+              <a:off x="1402081" y="671512"/>
+              <a:ext cx="4238625" cy="5514975"/>
+            </a:xfrm>
+            <a:prstGeom prst="rect">
+              <a:avLst/>
+            </a:prstGeom>
+          </p:spPr>
+        </p:pic>
+        <p:cxnSp>
+          <p:nvCxnSpPr>
+            <p:cNvPr id="6" name="Straight Connector 5">
+              <a:extLst>
+                <a:ext uri="{FF2B5EF4-FFF2-40B4-BE49-F238E27FC236}">
+                  <a16:creationId xmlns:a16="http://schemas.microsoft.com/office/drawing/2014/main" id="{1812C208-6B5B-A14C-CD91-A0CCF92CD1CD}"/>
+                </a:ext>
+              </a:extLst>
+            </p:cNvPr>
+            <p:cNvCxnSpPr>
+              <a:cxnSpLocks/>
+            </p:cNvCxnSpPr>
+            <p:nvPr/>
+          </p:nvCxnSpPr>
+          <p:spPr>
+            <a:xfrm>
+              <a:off x="2957805" y="1689566"/>
+              <a:ext cx="1950097" cy="1739433"/>
+            </a:xfrm>
+            <a:prstGeom prst="line">
+              <a:avLst/>
+            </a:prstGeom>
+            <a:ln w="76200">
+              <a:solidFill>
+                <a:schemeClr val="tx1"/>
+              </a:solidFill>
+            </a:ln>
+          </p:spPr>
+          <p:style>
+            <a:lnRef idx="1">
+              <a:schemeClr val="accent1"/>
+            </a:lnRef>
+            <a:fillRef idx="0">
+              <a:schemeClr val="accent1"/>
+            </a:fillRef>
+            <a:effectRef idx="0">
+              <a:schemeClr val="accent1"/>
+            </a:effectRef>
+            <a:fontRef idx="minor">
+              <a:schemeClr val="tx1"/>
+            </a:fontRef>
+          </p:style>
+        </p:cxnSp>
+        <p:cxnSp>
+          <p:nvCxnSpPr>
+            <p:cNvPr id="7" name="Straight Connector 6">
+              <a:extLst>
+                <a:ext uri="{FF2B5EF4-FFF2-40B4-BE49-F238E27FC236}">
+                  <a16:creationId xmlns:a16="http://schemas.microsoft.com/office/drawing/2014/main" id="{A4826882-06A6-BE2F-F509-5502A35F7EC9}"/>
+                </a:ext>
+              </a:extLst>
+            </p:cNvPr>
+            <p:cNvCxnSpPr>
+              <a:cxnSpLocks/>
+            </p:cNvCxnSpPr>
+            <p:nvPr/>
+          </p:nvCxnSpPr>
+          <p:spPr>
+            <a:xfrm>
+              <a:off x="2957805" y="1689566"/>
+              <a:ext cx="2155164" cy="3404731"/>
+            </a:xfrm>
+            <a:prstGeom prst="line">
+              <a:avLst/>
+            </a:prstGeom>
+            <a:ln w="76200">
+              <a:solidFill>
+                <a:schemeClr val="tx1"/>
+              </a:solidFill>
+            </a:ln>
+          </p:spPr>
+          <p:style>
+            <a:lnRef idx="1">
+              <a:schemeClr val="accent1"/>
+            </a:lnRef>
+            <a:fillRef idx="0">
+              <a:schemeClr val="accent1"/>
+            </a:fillRef>
+            <a:effectRef idx="0">
+              <a:schemeClr val="accent1"/>
+            </a:effectRef>
+            <a:fontRef idx="minor">
+              <a:schemeClr val="tx1"/>
+            </a:fontRef>
+          </p:style>
+        </p:cxnSp>
+        <p:cxnSp>
+          <p:nvCxnSpPr>
+            <p:cNvPr id="11" name="Straight Connector 10">
+              <a:extLst>
+                <a:ext uri="{FF2B5EF4-FFF2-40B4-BE49-F238E27FC236}">
+                  <a16:creationId xmlns:a16="http://schemas.microsoft.com/office/drawing/2014/main" id="{216A56C3-38D1-DE36-D1D2-61ADA1265D71}"/>
+                </a:ext>
+              </a:extLst>
+            </p:cNvPr>
+            <p:cNvCxnSpPr>
+              <a:cxnSpLocks/>
+            </p:cNvCxnSpPr>
+            <p:nvPr/>
+          </p:nvCxnSpPr>
+          <p:spPr>
+            <a:xfrm flipV="1">
+              <a:off x="2771192" y="5094297"/>
+              <a:ext cx="2341777" cy="653360"/>
+            </a:xfrm>
+            <a:prstGeom prst="line">
+              <a:avLst/>
+            </a:prstGeom>
+            <a:ln w="76200">
+              <a:solidFill>
+                <a:schemeClr val="tx1"/>
+              </a:solidFill>
+            </a:ln>
+          </p:spPr>
+          <p:style>
+            <a:lnRef idx="1">
+              <a:schemeClr val="accent1"/>
+            </a:lnRef>
+            <a:fillRef idx="0">
+              <a:schemeClr val="accent1"/>
+            </a:fillRef>
+            <a:effectRef idx="0">
+              <a:schemeClr val="accent1"/>
+            </a:effectRef>
+            <a:fontRef idx="minor">
+              <a:schemeClr val="tx1"/>
+            </a:fontRef>
+          </p:style>
+        </p:cxnSp>
+        <p:cxnSp>
+          <p:nvCxnSpPr>
+            <p:cNvPr id="17" name="Straight Connector 16">
+              <a:extLst>
+                <a:ext uri="{FF2B5EF4-FFF2-40B4-BE49-F238E27FC236}">
+                  <a16:creationId xmlns:a16="http://schemas.microsoft.com/office/drawing/2014/main" id="{DF92D966-5851-C297-E0B2-0A03954BD817}"/>
+                </a:ext>
+              </a:extLst>
+            </p:cNvPr>
+            <p:cNvCxnSpPr>
+              <a:cxnSpLocks/>
+            </p:cNvCxnSpPr>
+            <p:nvPr/>
+          </p:nvCxnSpPr>
+          <p:spPr>
+            <a:xfrm flipV="1">
+              <a:off x="2771192" y="3428999"/>
+              <a:ext cx="2080519" cy="2318658"/>
+            </a:xfrm>
+            <a:prstGeom prst="line">
+              <a:avLst/>
+            </a:prstGeom>
+            <a:ln w="76200">
+              <a:solidFill>
+                <a:schemeClr val="tx1"/>
+              </a:solidFill>
+            </a:ln>
+          </p:spPr>
+          <p:style>
+            <a:lnRef idx="1">
+              <a:schemeClr val="accent1"/>
+            </a:lnRef>
+            <a:fillRef idx="0">
+              <a:schemeClr val="accent1"/>
+            </a:fillRef>
+            <a:effectRef idx="0">
+              <a:schemeClr val="accent1"/>
+            </a:effectRef>
+            <a:fontRef idx="minor">
+              <a:schemeClr val="tx1"/>
+            </a:fontRef>
+          </p:style>
+        </p:cxnSp>
+        <p:sp>
+          <p:nvSpPr>
+            <p:cNvPr id="39" name="Arc 38">
+              <a:extLst>
+                <a:ext uri="{FF2B5EF4-FFF2-40B4-BE49-F238E27FC236}">
+                  <a16:creationId xmlns:a16="http://schemas.microsoft.com/office/drawing/2014/main" id="{3B6B216E-3B8F-6363-6E15-6AE0C151916E}"/>
+                </a:ext>
+              </a:extLst>
+            </p:cNvPr>
+            <p:cNvSpPr/>
+            <p:nvPr/>
+          </p:nvSpPr>
+          <p:spPr>
+            <a:xfrm rot="5747657">
+              <a:off x="3465572" y="2316811"/>
+              <a:ext cx="484945" cy="484945"/>
+            </a:xfrm>
+            <a:prstGeom prst="arc">
+              <a:avLst/>
+            </a:prstGeom>
+            <a:ln w="38100">
+              <a:solidFill>
+                <a:schemeClr val="tx1"/>
+              </a:solidFill>
+              <a:headEnd type="triangle" w="med" len="med"/>
+              <a:tailEnd type="none" w="med" len="med"/>
+            </a:ln>
+          </p:spPr>
+          <p:style>
+            <a:lnRef idx="1">
+              <a:schemeClr val="accent1"/>
+            </a:lnRef>
+            <a:fillRef idx="0">
+              <a:schemeClr val="accent1"/>
+            </a:fillRef>
+            <a:effectRef idx="0">
+              <a:schemeClr val="accent1"/>
+            </a:effectRef>
+            <a:fontRef idx="minor">
+              <a:schemeClr val="tx1"/>
+            </a:fontRef>
+          </p:style>
+          <p:txBody>
+            <a:bodyPr rtlCol="0" anchor="ctr"/>
+            <a:lstStyle/>
+            <a:p>
+              <a:pPr algn="ctr"/>
+              <a:endParaRPr lang="en-US"/>
+            </a:p>
+          </p:txBody>
+        </p:sp>
+        <mc:AlternateContent xmlns:mc="http://schemas.openxmlformats.org/markup-compatibility/2006">
+          <mc:Choice xmlns:a14="http://schemas.microsoft.com/office/drawing/2010/main" Requires="a14">
+            <p:sp>
+              <p:nvSpPr>
+                <p:cNvPr id="41" name="TextBox 40">
+                  <a:extLst>
+                    <a:ext uri="{FF2B5EF4-FFF2-40B4-BE49-F238E27FC236}">
+                      <a16:creationId xmlns:a16="http://schemas.microsoft.com/office/drawing/2014/main" id="{F1DA09A6-BBF0-940B-FD03-7E052BCCB38E}"/>
+                    </a:ext>
+                  </a:extLst>
+                </p:cNvPr>
+                <p:cNvSpPr txBox="1"/>
+                <p:nvPr/>
+              </p:nvSpPr>
+              <p:spPr>
+                <a:xfrm>
+                  <a:off x="3467653" y="2375529"/>
+                  <a:ext cx="513826" cy="400110"/>
+                </a:xfrm>
+                <a:prstGeom prst="rect">
+                  <a:avLst/>
+                </a:prstGeom>
+                <a:noFill/>
+              </p:spPr>
+              <p:txBody>
+                <a:bodyPr wrap="square" rtlCol="0">
+                  <a:spAutoFit/>
+                </a:bodyPr>
+                <a:lstStyle/>
+                <a:p>
+                  <a14:m>
+                    <m:oMathPara xmlns:m="http://schemas.openxmlformats.org/officeDocument/2006/math">
+                      <m:oMathParaPr>
+                        <m:jc m:val="centerGroup"/>
+                      </m:oMathParaPr>
+                      <m:oMath xmlns:m="http://schemas.openxmlformats.org/officeDocument/2006/math">
+                        <m:r>
+                          <a:rPr lang="el-GR" sz="2000" b="0" i="1" dirty="0" smtClean="0">
+                            <a:latin typeface="Cambria Math" panose="02040503050406030204" pitchFamily="18" charset="0"/>
+                            <a:cs typeface="Helvetica" panose="020B0604020202020204" pitchFamily="34" charset="0"/>
+                          </a:rPr>
+                          <m:t>𝜑</m:t>
+                        </m:r>
+                      </m:oMath>
+                    </m:oMathPara>
+                  </a14:m>
+                  <a:endParaRPr lang="en-US" sz="2000" dirty="0">
+                    <a:latin typeface="Helvetica" panose="020B0604020202020204" pitchFamily="34" charset="0"/>
+                    <a:cs typeface="Helvetica" panose="020B0604020202020204" pitchFamily="34" charset="0"/>
+                  </a:endParaRPr>
+                </a:p>
+              </p:txBody>
+            </p:sp>
+          </mc:Choice>
+          <mc:Fallback>
+            <p:sp>
+              <p:nvSpPr>
+                <p:cNvPr id="41" name="TextBox 40">
+                  <a:extLst>
+                    <a:ext uri="{FF2B5EF4-FFF2-40B4-BE49-F238E27FC236}">
+                      <a16:creationId xmlns:a16="http://schemas.microsoft.com/office/drawing/2014/main" id="{F1DA09A6-BBF0-940B-FD03-7E052BCCB38E}"/>
+                    </a:ext>
+                  </a:extLst>
+                </p:cNvPr>
+                <p:cNvSpPr txBox="1">
+                  <a:spLocks noRot="1" noChangeAspect="1" noMove="1" noResize="1" noEditPoints="1" noAdjustHandles="1" noChangeArrowheads="1" noChangeShapeType="1" noTextEdit="1"/>
+                </p:cNvSpPr>
+                <p:nvPr/>
+              </p:nvSpPr>
+              <p:spPr>
+                <a:xfrm>
+                  <a:off x="3467653" y="2375529"/>
+                  <a:ext cx="513826" cy="400110"/>
+                </a:xfrm>
+                <a:prstGeom prst="rect">
+                  <a:avLst/>
+                </a:prstGeom>
+                <a:blipFill>
+                  <a:blip r:embed="rId3"/>
+                  <a:stretch>
+                    <a:fillRect b="-10769"/>
+                  </a:stretch>
+                </a:blipFill>
+              </p:spPr>
+              <p:txBody>
+                <a:bodyPr/>
+                <a:lstStyle/>
+                <a:p>
+                  <a:r>
+                    <a:rPr lang="en-US">
+                      <a:noFill/>
+                    </a:rPr>
+                    <a:t> </a:t>
+                  </a:r>
+                </a:p>
+              </p:txBody>
+            </p:sp>
+          </mc:Fallback>
+        </mc:AlternateContent>
+      </p:grpSp>
+      <p:grpSp>
+        <p:nvGrpSpPr>
+          <p:cNvPr id="43" name="Group 42">
+            <a:extLst>
+              <a:ext uri="{FF2B5EF4-FFF2-40B4-BE49-F238E27FC236}">
+                <a16:creationId xmlns:a16="http://schemas.microsoft.com/office/drawing/2014/main" id="{4D16C7AF-285F-0B41-DC5E-CD5C84051CF8}"/>
+              </a:ext>
+            </a:extLst>
+          </p:cNvPr>
+          <p:cNvGrpSpPr/>
+          <p:nvPr/>
+        </p:nvGrpSpPr>
+        <p:grpSpPr>
+          <a:xfrm>
+            <a:off x="10203866" y="9525"/>
+            <a:ext cx="1652808" cy="3181544"/>
+            <a:chOff x="10203866" y="9525"/>
+            <a:chExt cx="1652808" cy="3181544"/>
+          </a:xfrm>
+        </p:grpSpPr>
+        <p:pic>
+          <p:nvPicPr>
+            <p:cNvPr id="2" name="Picture 1">
+              <a:extLst>
+                <a:ext uri="{FF2B5EF4-FFF2-40B4-BE49-F238E27FC236}">
+                  <a16:creationId xmlns:a16="http://schemas.microsoft.com/office/drawing/2014/main" id="{3D8BDA7E-18CE-54A5-6260-1BE832948826}"/>
+                </a:ext>
+              </a:extLst>
+            </p:cNvPr>
+            <p:cNvPicPr>
+              <a:picLocks noChangeAspect="1"/>
+            </p:cNvPicPr>
+            <p:nvPr/>
+          </p:nvPicPr>
+          <p:blipFill>
+            <a:blip r:embed="rId4"/>
+            <a:stretch>
+              <a:fillRect/>
+            </a:stretch>
+          </p:blipFill>
+          <p:spPr>
+            <a:xfrm>
+              <a:off x="10203866" y="9525"/>
+              <a:ext cx="1652808" cy="3181544"/>
+            </a:xfrm>
+            <a:prstGeom prst="rect">
+              <a:avLst/>
+            </a:prstGeom>
+          </p:spPr>
+        </p:pic>
+        <p:sp>
+          <p:nvSpPr>
+            <p:cNvPr id="3" name="Oval 2">
+              <a:extLst>
+                <a:ext uri="{FF2B5EF4-FFF2-40B4-BE49-F238E27FC236}">
+                  <a16:creationId xmlns:a16="http://schemas.microsoft.com/office/drawing/2014/main" id="{DC7B9F52-95E9-047D-FA99-887C4EF1CE1C}"/>
+                </a:ext>
+              </a:extLst>
+            </p:cNvPr>
+            <p:cNvSpPr/>
+            <p:nvPr/>
+          </p:nvSpPr>
+          <p:spPr>
+            <a:xfrm>
+              <a:off x="10302032" y="1689566"/>
+              <a:ext cx="487887" cy="799634"/>
+            </a:xfrm>
+            <a:prstGeom prst="ellipse">
+              <a:avLst/>
+            </a:prstGeom>
+            <a:noFill/>
+            <a:ln w="38100">
+              <a:solidFill>
+                <a:srgbClr val="C00000"/>
+              </a:solidFill>
+            </a:ln>
+          </p:spPr>
+          <p:style>
+            <a:lnRef idx="2">
+              <a:schemeClr val="accent1">
+                <a:shade val="50000"/>
+              </a:schemeClr>
+            </a:lnRef>
+            <a:fillRef idx="1">
+              <a:schemeClr val="accent1"/>
+            </a:fillRef>
+            <a:effectRef idx="0">
+              <a:schemeClr val="accent1"/>
+            </a:effectRef>
+            <a:fontRef idx="minor">
+              <a:schemeClr val="lt1"/>
+            </a:fontRef>
+          </p:style>
+          <p:txBody>
+            <a:bodyPr rtlCol="0" anchor="ctr"/>
+            <a:lstStyle/>
+            <a:p>
+              <a:pPr algn="ctr"/>
+              <a:endParaRPr lang="en-US"/>
+            </a:p>
+          </p:txBody>
+        </p:sp>
+      </p:grpSp>
+      <p:pic>
+        <p:nvPicPr>
+          <p:cNvPr id="22" name="Picture 21">
+            <a:extLst>
+              <a:ext uri="{FF2B5EF4-FFF2-40B4-BE49-F238E27FC236}">
+                <a16:creationId xmlns:a16="http://schemas.microsoft.com/office/drawing/2014/main" id="{ABFA37E2-2C99-F80F-A0AE-36B5E12CBC8E}"/>
+              </a:ext>
+            </a:extLst>
+          </p:cNvPr>
+          <p:cNvPicPr>
+            <a:picLocks noChangeAspect="1"/>
+          </p:cNvPicPr>
+          <p:nvPr/>
+        </p:nvPicPr>
+        <p:blipFill>
+          <a:blip r:embed="rId5"/>
+          <a:stretch>
+            <a:fillRect/>
+          </a:stretch>
+        </p:blipFill>
+        <p:spPr>
+          <a:xfrm>
+            <a:off x="6096000" y="2453070"/>
+            <a:ext cx="2562225" cy="2933700"/>
+          </a:xfrm>
+          <a:prstGeom prst="rect">
+            <a:avLst/>
+          </a:prstGeom>
+        </p:spPr>
+      </p:pic>
+      <p:cxnSp>
+        <p:nvCxnSpPr>
+          <p:cNvPr id="35" name="Straight Arrow Connector 34">
+            <a:extLst>
+              <a:ext uri="{FF2B5EF4-FFF2-40B4-BE49-F238E27FC236}">
+                <a16:creationId xmlns:a16="http://schemas.microsoft.com/office/drawing/2014/main" id="{28CB2CDA-48FC-65E2-CC76-A358EA3DBC0E}"/>
+              </a:ext>
+            </a:extLst>
+          </p:cNvPr>
+          <p:cNvCxnSpPr>
+            <a:cxnSpLocks/>
+            <a:stCxn id="37" idx="1"/>
+          </p:cNvCxnSpPr>
+          <p:nvPr/>
+        </p:nvCxnSpPr>
+        <p:spPr>
+          <a:xfrm flipH="1">
+            <a:off x="4413022" y="2112997"/>
+            <a:ext cx="1576603" cy="694687"/>
+          </a:xfrm>
+          <a:prstGeom prst="straightConnector1">
+            <a:avLst/>
+          </a:prstGeom>
+          <a:ln w="28575">
+            <a:solidFill>
+              <a:schemeClr val="tx1"/>
+            </a:solidFill>
+            <a:tailEnd type="triangle"/>
+          </a:ln>
+        </p:spPr>
+        <p:style>
+          <a:lnRef idx="1">
+            <a:schemeClr val="accent1"/>
+          </a:lnRef>
+          <a:fillRef idx="0">
+            <a:schemeClr val="accent1"/>
+          </a:fillRef>
+          <a:effectRef idx="0">
+            <a:schemeClr val="accent1"/>
+          </a:effectRef>
+          <a:fontRef idx="minor">
+            <a:schemeClr val="tx1"/>
+          </a:fontRef>
+        </p:style>
+      </p:cxnSp>
+      <p:cxnSp>
+        <p:nvCxnSpPr>
+          <p:cNvPr id="32" name="Straight Arrow Connector 31">
+            <a:extLst>
+              <a:ext uri="{FF2B5EF4-FFF2-40B4-BE49-F238E27FC236}">
+                <a16:creationId xmlns:a16="http://schemas.microsoft.com/office/drawing/2014/main" id="{ED0CEFCB-D3D9-7EFC-F2F1-D964E06E6A34}"/>
+              </a:ext>
+            </a:extLst>
+          </p:cNvPr>
+          <p:cNvCxnSpPr>
+            <a:cxnSpLocks/>
+            <a:stCxn id="33" idx="1"/>
+          </p:cNvCxnSpPr>
+          <p:nvPr/>
+        </p:nvCxnSpPr>
+        <p:spPr>
+          <a:xfrm flipH="1">
+            <a:off x="4516016" y="1137092"/>
+            <a:ext cx="1473609" cy="318484"/>
+          </a:xfrm>
+          <a:prstGeom prst="straightConnector1">
+            <a:avLst/>
+          </a:prstGeom>
+          <a:ln w="28575">
+            <a:solidFill>
+              <a:schemeClr val="tx1"/>
+            </a:solidFill>
+            <a:tailEnd type="triangle"/>
+          </a:ln>
+        </p:spPr>
+        <p:style>
+          <a:lnRef idx="1">
+            <a:schemeClr val="accent1"/>
+          </a:lnRef>
+          <a:fillRef idx="0">
+            <a:schemeClr val="accent1"/>
+          </a:fillRef>
+          <a:effectRef idx="0">
+            <a:schemeClr val="accent1"/>
+          </a:effectRef>
+          <a:fontRef idx="minor">
+            <a:schemeClr val="tx1"/>
+          </a:fontRef>
+        </p:style>
+      </p:cxnSp>
+      <p:sp>
+        <p:nvSpPr>
+          <p:cNvPr id="33" name="TextBox 32">
+            <a:extLst>
+              <a:ext uri="{FF2B5EF4-FFF2-40B4-BE49-F238E27FC236}">
+                <a16:creationId xmlns:a16="http://schemas.microsoft.com/office/drawing/2014/main" id="{2B7DCA9D-1C8F-E770-7882-6306CF7CF474}"/>
+              </a:ext>
+            </a:extLst>
+          </p:cNvPr>
+          <p:cNvSpPr txBox="1"/>
+          <p:nvPr/>
+        </p:nvSpPr>
+        <p:spPr>
+          <a:xfrm>
+            <a:off x="5989625" y="783149"/>
+            <a:ext cx="3059558" cy="707886"/>
+          </a:xfrm>
+          <a:prstGeom prst="rect">
+            <a:avLst/>
+          </a:prstGeom>
+          <a:noFill/>
+        </p:spPr>
+        <p:txBody>
+          <a:bodyPr wrap="square" rtlCol="0">
+            <a:spAutoFit/>
+          </a:bodyPr>
+          <a:lstStyle/>
+          <a:p>
+            <a:r>
+              <a:rPr lang="en-US" sz="2000" dirty="0">
+                <a:latin typeface="Helvetica" panose="020B0604020202020204" pitchFamily="34" charset="0"/>
+                <a:cs typeface="Helvetica" panose="020B0604020202020204" pitchFamily="34" charset="0"/>
+              </a:rPr>
+              <a:t>Femoral attached to the knee casing</a:t>
+            </a:r>
+          </a:p>
+        </p:txBody>
+      </p:sp>
+      <p:sp>
+        <p:nvSpPr>
+          <p:cNvPr id="37" name="TextBox 36">
+            <a:extLst>
+              <a:ext uri="{FF2B5EF4-FFF2-40B4-BE49-F238E27FC236}">
+                <a16:creationId xmlns:a16="http://schemas.microsoft.com/office/drawing/2014/main" id="{B8271B3D-59C7-AE62-65C5-C14056978CF8}"/>
+              </a:ext>
+            </a:extLst>
+          </p:cNvPr>
+          <p:cNvSpPr txBox="1"/>
+          <p:nvPr/>
+        </p:nvSpPr>
+        <p:spPr>
+          <a:xfrm>
+            <a:off x="5989625" y="1912942"/>
+            <a:ext cx="3059558" cy="400110"/>
+          </a:xfrm>
+          <a:prstGeom prst="rect">
+            <a:avLst/>
+          </a:prstGeom>
+          <a:noFill/>
+        </p:spPr>
+        <p:txBody>
+          <a:bodyPr wrap="square" rtlCol="0">
+            <a:spAutoFit/>
+          </a:bodyPr>
+          <a:lstStyle/>
+          <a:p>
+            <a:r>
+              <a:rPr lang="en-US" sz="2000" dirty="0">
+                <a:latin typeface="Helvetica" panose="020B0604020202020204" pitchFamily="34" charset="0"/>
+                <a:cs typeface="Helvetica" panose="020B0604020202020204" pitchFamily="34" charset="0"/>
+              </a:rPr>
+              <a:t>Mechanism of the knee</a:t>
+            </a:r>
+          </a:p>
+        </p:txBody>
+      </p:sp>
+    </p:spTree>
+    <p:extLst>
+      <p:ext uri="{BB962C8B-B14F-4D97-AF65-F5344CB8AC3E}">
+        <p14:creationId xmlns:p14="http://schemas.microsoft.com/office/powerpoint/2010/main" val="2472985710"/>
+      </p:ext>
+    </p:extLst>
+  </p:cSld>
+  <p:clrMapOvr>
+    <a:masterClrMapping/>
+  </p:clrMapOvr>
+  <p:timing>
+    <p:tnLst>
+      <p:par>
+        <p:cTn id="1" dur="indefinite" restart="never" nodeType="tmRoot">
+          <p:childTnLst>
+            <p:seq concurrent="1" nextAc="seek">
+              <p:cTn id="2" dur="indefinite" nodeType="mainSeq">
+                <p:childTnLst>
+                  <p:par>
+                    <p:cTn id="3" fill="hold">
+                      <p:stCondLst>
+                        <p:cond delay="indefinite"/>
+                      </p:stCondLst>
+                      <p:childTnLst>
+                        <p:par>
+                          <p:cTn id="4" fill="hold">
+                            <p:stCondLst>
+                              <p:cond delay="0"/>
+                            </p:stCondLst>
+                            <p:childTnLst>
+                              <p:par>
+                                <p:cTn id="5" presetID="1" presetClass="entr" presetSubtype="0" fill="hold" nodeType="clickEffect">
+                                  <p:stCondLst>
+                                    <p:cond delay="0"/>
+                                  </p:stCondLst>
+                                  <p:childTnLst>
+                                    <p:set>
+                                      <p:cBhvr>
+                                        <p:cTn id="6" dur="1" fill="hold">
+                                          <p:stCondLst>
+                                            <p:cond delay="0"/>
+                                          </p:stCondLst>
+                                        </p:cTn>
+                                        <p:tgtEl>
+                                          <p:spTgt spid="43"/>
+                                        </p:tgtEl>
+                                        <p:attrNameLst>
+                                          <p:attrName>style.visibility</p:attrName>
+                                        </p:attrNameLst>
+                                      </p:cBhvr>
+                                      <p:to>
+                                        <p:strVal val="visible"/>
+                                      </p:to>
+                                    </p:set>
+                                  </p:childTnLst>
+                                </p:cTn>
+                              </p:par>
+                            </p:childTnLst>
+                          </p:cTn>
+                        </p:par>
+                      </p:childTnLst>
+                    </p:cTn>
+                  </p:par>
+                  <p:par>
+                    <p:cTn id="7" fill="hold">
+                      <p:stCondLst>
+                        <p:cond delay="indefinite"/>
+                      </p:stCondLst>
+                      <p:childTnLst>
+                        <p:par>
+                          <p:cTn id="8" fill="hold">
+                            <p:stCondLst>
+                              <p:cond delay="0"/>
+                            </p:stCondLst>
+                            <p:childTnLst>
+                              <p:par>
+                                <p:cTn id="9" presetID="1" presetClass="entr" presetSubtype="0" fill="hold" nodeType="clickEffect">
+                                  <p:stCondLst>
+                                    <p:cond delay="0"/>
+                                  </p:stCondLst>
+                                  <p:childTnLst>
+                                    <p:set>
+                                      <p:cBhvr>
+                                        <p:cTn id="10" dur="1" fill="hold">
+                                          <p:stCondLst>
+                                            <p:cond delay="0"/>
+                                          </p:stCondLst>
+                                        </p:cTn>
+                                        <p:tgtEl>
+                                          <p:spTgt spid="44"/>
+                                        </p:tgtEl>
+                                        <p:attrNameLst>
+                                          <p:attrName>style.visibility</p:attrName>
+                                        </p:attrNameLst>
+                                      </p:cBhvr>
+                                      <p:to>
+                                        <p:strVal val="visible"/>
+                                      </p:to>
+                                    </p:set>
+                                  </p:childTnLst>
+                                </p:cTn>
+                              </p:par>
+                              <p:par>
+                                <p:cTn id="11" presetID="1" presetClass="entr" presetSubtype="0" fill="hold" nodeType="withEffect">
+                                  <p:stCondLst>
+                                    <p:cond delay="0"/>
+                                  </p:stCondLst>
+                                  <p:childTnLst>
+                                    <p:set>
+                                      <p:cBhvr>
+                                        <p:cTn id="12" dur="1" fill="hold">
+                                          <p:stCondLst>
+                                            <p:cond delay="0"/>
+                                          </p:stCondLst>
+                                        </p:cTn>
+                                        <p:tgtEl>
+                                          <p:spTgt spid="22"/>
+                                        </p:tgtEl>
+                                        <p:attrNameLst>
+                                          <p:attrName>style.visibility</p:attrName>
+                                        </p:attrNameLst>
+                                      </p:cBhvr>
+                                      <p:to>
+                                        <p:strVal val="visible"/>
+                                      </p:to>
+                                    </p:set>
+                                  </p:childTnLst>
+                                </p:cTn>
+                              </p:par>
+                            </p:childTnLst>
+                          </p:cTn>
+                        </p:par>
+                      </p:childTnLst>
+                    </p:cTn>
+                  </p:par>
+                  <p:par>
+                    <p:cTn id="13" fill="hold">
+                      <p:stCondLst>
+                        <p:cond delay="indefinite"/>
+                      </p:stCondLst>
+                      <p:childTnLst>
+                        <p:par>
+                          <p:cTn id="14" fill="hold">
+                            <p:stCondLst>
+                              <p:cond delay="0"/>
+                            </p:stCondLst>
+                            <p:childTnLst>
+                              <p:par>
+                                <p:cTn id="15" presetID="1" presetClass="entr" presetSubtype="0" fill="hold" grpId="0" nodeType="clickEffect">
+                                  <p:stCondLst>
+                                    <p:cond delay="0"/>
+                                  </p:stCondLst>
+                                  <p:childTnLst>
+                                    <p:set>
+                                      <p:cBhvr>
+                                        <p:cTn id="16" dur="1" fill="hold">
+                                          <p:stCondLst>
+                                            <p:cond delay="0"/>
+                                          </p:stCondLst>
+                                        </p:cTn>
+                                        <p:tgtEl>
+                                          <p:spTgt spid="33"/>
+                                        </p:tgtEl>
+                                        <p:attrNameLst>
+                                          <p:attrName>style.visibility</p:attrName>
+                                        </p:attrNameLst>
+                                      </p:cBhvr>
+                                      <p:to>
+                                        <p:strVal val="visible"/>
+                                      </p:to>
+                                    </p:set>
+                                  </p:childTnLst>
+                                </p:cTn>
+                              </p:par>
+                              <p:par>
+                                <p:cTn id="17" presetID="1" presetClass="entr" presetSubtype="0" fill="hold" nodeType="withEffect">
+                                  <p:stCondLst>
+                                    <p:cond delay="0"/>
+                                  </p:stCondLst>
+                                  <p:childTnLst>
+                                    <p:set>
+                                      <p:cBhvr>
+                                        <p:cTn id="18" dur="1" fill="hold">
+                                          <p:stCondLst>
+                                            <p:cond delay="0"/>
+                                          </p:stCondLst>
+                                        </p:cTn>
+                                        <p:tgtEl>
+                                          <p:spTgt spid="32"/>
+                                        </p:tgtEl>
+                                        <p:attrNameLst>
+                                          <p:attrName>style.visibility</p:attrName>
+                                        </p:attrNameLst>
+                                      </p:cBhvr>
+                                      <p:to>
+                                        <p:strVal val="visible"/>
+                                      </p:to>
+                                    </p:set>
+                                  </p:childTnLst>
+                                </p:cTn>
+                              </p:par>
+                            </p:childTnLst>
+                          </p:cTn>
+                        </p:par>
+                      </p:childTnLst>
+                    </p:cTn>
+                  </p:par>
+                  <p:par>
+                    <p:cTn id="19" fill="hold">
+                      <p:stCondLst>
+                        <p:cond delay="indefinite"/>
+                      </p:stCondLst>
+                      <p:childTnLst>
+                        <p:par>
+                          <p:cTn id="20" fill="hold">
+                            <p:stCondLst>
+                              <p:cond delay="0"/>
+                            </p:stCondLst>
+                            <p:childTnLst>
+                              <p:par>
+                                <p:cTn id="21" presetID="1" presetClass="entr" presetSubtype="0" fill="hold" nodeType="clickEffect">
+                                  <p:stCondLst>
+                                    <p:cond delay="0"/>
+                                  </p:stCondLst>
+                                  <p:childTnLst>
+                                    <p:set>
+                                      <p:cBhvr>
+                                        <p:cTn id="22" dur="1" fill="hold">
+                                          <p:stCondLst>
+                                            <p:cond delay="0"/>
+                                          </p:stCondLst>
+                                        </p:cTn>
+                                        <p:tgtEl>
+                                          <p:spTgt spid="35"/>
+                                        </p:tgtEl>
+                                        <p:attrNameLst>
+                                          <p:attrName>style.visibility</p:attrName>
+                                        </p:attrNameLst>
+                                      </p:cBhvr>
+                                      <p:to>
+                                        <p:strVal val="visible"/>
+                                      </p:to>
+                                    </p:set>
+                                  </p:childTnLst>
+                                </p:cTn>
+                              </p:par>
+                              <p:par>
+                                <p:cTn id="23" presetID="1" presetClass="entr" presetSubtype="0" fill="hold" grpId="0" nodeType="withEffect">
+                                  <p:stCondLst>
+                                    <p:cond delay="0"/>
+                                  </p:stCondLst>
+                                  <p:childTnLst>
+                                    <p:set>
+                                      <p:cBhvr>
+                                        <p:cTn id="24" dur="1" fill="hold">
+                                          <p:stCondLst>
+                                            <p:cond delay="0"/>
+                                          </p:stCondLst>
+                                        </p:cTn>
+                                        <p:tgtEl>
+                                          <p:spTgt spid="37"/>
+                                        </p:tgtEl>
+                                        <p:attrNameLst>
+                                          <p:attrName>style.visibility</p:attrName>
+                                        </p:attrNameLst>
+                                      </p:cBhvr>
+                                      <p:to>
+                                        <p:strVal val="visible"/>
+                                      </p:to>
+                                    </p:set>
+                                  </p:childTnLst>
+                                </p:cTn>
+                              </p:par>
+                            </p:childTnLst>
+                          </p:cTn>
+                        </p:par>
+                      </p:childTnLst>
+                    </p:cTn>
+                  </p:par>
+                </p:childTnLst>
+              </p:cTn>
+              <p:prevCondLst>
+                <p:cond evt="onPrev" delay="0">
+                  <p:tgtEl>
+                    <p:sldTgt/>
+                  </p:tgtEl>
+                </p:cond>
+              </p:prevCondLst>
+              <p:nextCondLst>
+                <p:cond evt="onNext" delay="0">
+                  <p:tgtEl>
+                    <p:sldTgt/>
+                  </p:tgtEl>
+                </p:cond>
+              </p:nextCondLst>
+            </p:seq>
+          </p:childTnLst>
+        </p:cTn>
+      </p:par>
+    </p:tnLst>
+    <p:bldLst>
+      <p:bldP spid="33" grpId="0"/>
+      <p:bldP spid="37" grpId="0"/>
+    </p:bldLst>
+  </p:timing>
+</p:sld>
+</file>
+
+<file path=ppt/slides/slide7.xml><?xml version="1.0" encoding="utf-8"?>
+<p:sld xmlns:a="http://schemas.openxmlformats.org/drawingml/2006/main" xmlns:r="http://schemas.openxmlformats.org/officeDocument/2006/relationships" xmlns:p="http://schemas.openxmlformats.org/presentationml/2006/main">
+  <p:cSld>
+    <p:spTree>
+      <p:nvGrpSpPr>
+        <p:cNvPr id="1" name=""/>
+        <p:cNvGrpSpPr/>
+        <p:nvPr/>
+      </p:nvGrpSpPr>
+      <p:grpSpPr>
+        <a:xfrm>
+          <a:off x="0" y="0"/>
+          <a:ext cx="0" cy="0"/>
+          <a:chOff x="0" y="0"/>
+          <a:chExt cx="0" cy="0"/>
+        </a:xfrm>
+      </p:grpSpPr>
+      <p:pic>
+        <p:nvPicPr>
+          <p:cNvPr id="3" name="Picture 2">
+            <a:extLst>
+              <a:ext uri="{FF2B5EF4-FFF2-40B4-BE49-F238E27FC236}">
+                <a16:creationId xmlns:a16="http://schemas.microsoft.com/office/drawing/2014/main" id="{31867669-997A-AD95-8974-F6FB99FD818F}"/>
+              </a:ext>
+            </a:extLst>
+          </p:cNvPr>
+          <p:cNvPicPr>
+            <a:picLocks noChangeAspect="1"/>
+          </p:cNvPicPr>
+          <p:nvPr/>
+        </p:nvPicPr>
+        <p:blipFill>
+          <a:blip r:embed="rId2"/>
+          <a:stretch>
+            <a:fillRect/>
+          </a:stretch>
+        </p:blipFill>
+        <p:spPr>
+          <a:xfrm>
+            <a:off x="215827" y="0"/>
+            <a:ext cx="2755605" cy="6858000"/>
+          </a:xfrm>
+          <a:prstGeom prst="rect">
+            <a:avLst/>
+          </a:prstGeom>
+        </p:spPr>
+      </p:pic>
+      <p:grpSp>
+        <p:nvGrpSpPr>
+          <p:cNvPr id="48" name="Group 47">
+            <a:extLst>
+              <a:ext uri="{FF2B5EF4-FFF2-40B4-BE49-F238E27FC236}">
+                <a16:creationId xmlns:a16="http://schemas.microsoft.com/office/drawing/2014/main" id="{17CBC2C7-6DDE-D604-9C80-101CC12A5EA1}"/>
+              </a:ext>
+            </a:extLst>
+          </p:cNvPr>
+          <p:cNvGrpSpPr/>
+          <p:nvPr/>
+        </p:nvGrpSpPr>
+        <p:grpSpPr>
+          <a:xfrm>
+            <a:off x="10203866" y="9525"/>
+            <a:ext cx="1652808" cy="3181544"/>
+            <a:chOff x="10203866" y="9525"/>
+            <a:chExt cx="1652808" cy="3181544"/>
+          </a:xfrm>
+        </p:grpSpPr>
+        <p:pic>
+          <p:nvPicPr>
+            <p:cNvPr id="4" name="Picture 3">
+              <a:extLst>
+                <a:ext uri="{FF2B5EF4-FFF2-40B4-BE49-F238E27FC236}">
+                  <a16:creationId xmlns:a16="http://schemas.microsoft.com/office/drawing/2014/main" id="{6B2FB01A-47E4-2C18-F426-969A531A0317}"/>
+                </a:ext>
+              </a:extLst>
+            </p:cNvPr>
+            <p:cNvPicPr>
+              <a:picLocks noChangeAspect="1"/>
+            </p:cNvPicPr>
+            <p:nvPr/>
+          </p:nvPicPr>
+          <p:blipFill>
+            <a:blip r:embed="rId3"/>
+            <a:stretch>
+              <a:fillRect/>
+            </a:stretch>
+          </p:blipFill>
+          <p:spPr>
+            <a:xfrm>
+              <a:off x="10203866" y="9525"/>
+              <a:ext cx="1652808" cy="3181544"/>
+            </a:xfrm>
+            <a:prstGeom prst="rect">
+              <a:avLst/>
+            </a:prstGeom>
+          </p:spPr>
+        </p:pic>
+        <p:sp>
+          <p:nvSpPr>
+            <p:cNvPr id="5" name="Oval 4">
+              <a:extLst>
+                <a:ext uri="{FF2B5EF4-FFF2-40B4-BE49-F238E27FC236}">
+                  <a16:creationId xmlns:a16="http://schemas.microsoft.com/office/drawing/2014/main" id="{E670A012-A5FD-7262-970A-D22B64C7BD92}"/>
+                </a:ext>
+              </a:extLst>
+            </p:cNvPr>
+            <p:cNvSpPr/>
+            <p:nvPr/>
+          </p:nvSpPr>
+          <p:spPr>
+            <a:xfrm>
+              <a:off x="10412963" y="858416"/>
+              <a:ext cx="475861" cy="1315617"/>
+            </a:xfrm>
+            <a:prstGeom prst="ellipse">
+              <a:avLst/>
+            </a:prstGeom>
+            <a:noFill/>
+            <a:ln w="38100">
+              <a:solidFill>
+                <a:srgbClr val="C00000"/>
+              </a:solidFill>
+            </a:ln>
+          </p:spPr>
+          <p:style>
+            <a:lnRef idx="2">
+              <a:schemeClr val="accent1">
+                <a:shade val="50000"/>
+              </a:schemeClr>
+            </a:lnRef>
+            <a:fillRef idx="1">
+              <a:schemeClr val="accent1"/>
+            </a:fillRef>
+            <a:effectRef idx="0">
+              <a:schemeClr val="accent1"/>
+            </a:effectRef>
+            <a:fontRef idx="minor">
+              <a:schemeClr val="lt1"/>
+            </a:fontRef>
+          </p:style>
+          <p:txBody>
+            <a:bodyPr rtlCol="0" anchor="ctr"/>
+            <a:lstStyle/>
+            <a:p>
+              <a:pPr algn="ctr"/>
+              <a:endParaRPr lang="en-US"/>
+            </a:p>
+          </p:txBody>
+        </p:sp>
+      </p:grpSp>
+      <p:cxnSp>
+        <p:nvCxnSpPr>
+          <p:cNvPr id="6" name="Straight Arrow Connector 5">
+            <a:extLst>
+              <a:ext uri="{FF2B5EF4-FFF2-40B4-BE49-F238E27FC236}">
+                <a16:creationId xmlns:a16="http://schemas.microsoft.com/office/drawing/2014/main" id="{96B257DB-97D3-ACF6-35E3-D742E16766C1}"/>
+              </a:ext>
+            </a:extLst>
+          </p:cNvPr>
+          <p:cNvCxnSpPr>
+            <a:cxnSpLocks/>
+            <a:stCxn id="7" idx="1"/>
+          </p:cNvCxnSpPr>
+          <p:nvPr/>
+        </p:nvCxnSpPr>
+        <p:spPr>
+          <a:xfrm flipH="1">
+            <a:off x="2168660" y="966138"/>
+            <a:ext cx="1576603" cy="386910"/>
+          </a:xfrm>
+          <a:prstGeom prst="straightConnector1">
+            <a:avLst/>
+          </a:prstGeom>
+          <a:ln w="28575">
+            <a:solidFill>
+              <a:schemeClr val="tx1"/>
+            </a:solidFill>
+            <a:tailEnd type="triangle"/>
+          </a:ln>
+        </p:spPr>
+        <p:style>
+          <a:lnRef idx="1">
+            <a:schemeClr val="accent1"/>
+          </a:lnRef>
+          <a:fillRef idx="0">
+            <a:schemeClr val="accent1"/>
+          </a:fillRef>
+          <a:effectRef idx="0">
+            <a:schemeClr val="accent1"/>
+          </a:effectRef>
+          <a:fontRef idx="minor">
+            <a:schemeClr val="tx1"/>
+          </a:fontRef>
+        </p:style>
+      </p:cxnSp>
+      <p:sp>
+        <p:nvSpPr>
+          <p:cNvPr id="7" name="TextBox 6">
+            <a:extLst>
+              <a:ext uri="{FF2B5EF4-FFF2-40B4-BE49-F238E27FC236}">
+                <a16:creationId xmlns:a16="http://schemas.microsoft.com/office/drawing/2014/main" id="{049DA13E-DF4C-C417-EFDE-718C66E741F9}"/>
+              </a:ext>
+            </a:extLst>
+          </p:cNvPr>
+          <p:cNvSpPr txBox="1"/>
+          <p:nvPr/>
+        </p:nvSpPr>
+        <p:spPr>
+          <a:xfrm>
+            <a:off x="3745263" y="458306"/>
+            <a:ext cx="3059558" cy="1015663"/>
+          </a:xfrm>
+          <a:prstGeom prst="rect">
+            <a:avLst/>
+          </a:prstGeom>
+          <a:noFill/>
+        </p:spPr>
+        <p:txBody>
+          <a:bodyPr wrap="square" rtlCol="0">
+            <a:spAutoFit/>
+          </a:bodyPr>
+          <a:lstStyle/>
+          <a:p>
+            <a:r>
+              <a:rPr lang="en-US" sz="2000" dirty="0">
+                <a:latin typeface="Helvetica" panose="020B0604020202020204" pitchFamily="34" charset="0"/>
+                <a:cs typeface="Helvetica" panose="020B0604020202020204" pitchFamily="34" charset="0"/>
+              </a:rPr>
+              <a:t>2 Four bar Mechanisms for external knees motion transfer</a:t>
+            </a:r>
+          </a:p>
+        </p:txBody>
+      </p:sp>
+      <p:grpSp>
+        <p:nvGrpSpPr>
+          <p:cNvPr id="49" name="Group 48">
+            <a:extLst>
+              <a:ext uri="{FF2B5EF4-FFF2-40B4-BE49-F238E27FC236}">
+                <a16:creationId xmlns:a16="http://schemas.microsoft.com/office/drawing/2014/main" id="{3AC4EFF5-4744-CA16-9F18-4ED0076F4800}"/>
+              </a:ext>
+            </a:extLst>
+          </p:cNvPr>
+          <p:cNvGrpSpPr/>
+          <p:nvPr/>
+        </p:nvGrpSpPr>
+        <p:grpSpPr>
+          <a:xfrm>
+            <a:off x="1217295" y="1129004"/>
+            <a:ext cx="5587526" cy="3321698"/>
+            <a:chOff x="1217295" y="1129004"/>
+            <a:chExt cx="5587526" cy="3321698"/>
+          </a:xfrm>
+        </p:grpSpPr>
+        <p:cxnSp>
+          <p:nvCxnSpPr>
+            <p:cNvPr id="8" name="Straight Connector 7">
+              <a:extLst>
+                <a:ext uri="{FF2B5EF4-FFF2-40B4-BE49-F238E27FC236}">
+                  <a16:creationId xmlns:a16="http://schemas.microsoft.com/office/drawing/2014/main" id="{27D62D61-0E4C-8CFC-974E-23EAC24940C2}"/>
+                </a:ext>
+              </a:extLst>
+            </p:cNvPr>
+            <p:cNvCxnSpPr>
+              <a:cxnSpLocks/>
+            </p:cNvCxnSpPr>
+            <p:nvPr/>
+          </p:nvCxnSpPr>
+          <p:spPr>
+            <a:xfrm>
+              <a:off x="1217295" y="1129004"/>
+              <a:ext cx="0" cy="3013788"/>
+            </a:xfrm>
+            <a:prstGeom prst="line">
+              <a:avLst/>
+            </a:prstGeom>
+            <a:ln w="76200">
+              <a:solidFill>
+                <a:srgbClr val="C00000"/>
+              </a:solidFill>
+            </a:ln>
+          </p:spPr>
+          <p:style>
+            <a:lnRef idx="1">
+              <a:schemeClr val="accent1"/>
+            </a:lnRef>
+            <a:fillRef idx="0">
+              <a:schemeClr val="accent1"/>
+            </a:fillRef>
+            <a:effectRef idx="0">
+              <a:schemeClr val="accent1"/>
+            </a:effectRef>
+            <a:fontRef idx="minor">
+              <a:schemeClr val="tx1"/>
+            </a:fontRef>
+          </p:style>
+        </p:cxnSp>
+        <p:cxnSp>
+          <p:nvCxnSpPr>
+            <p:cNvPr id="12" name="Straight Connector 11">
+              <a:extLst>
+                <a:ext uri="{FF2B5EF4-FFF2-40B4-BE49-F238E27FC236}">
+                  <a16:creationId xmlns:a16="http://schemas.microsoft.com/office/drawing/2014/main" id="{02A04A20-7682-02FE-83AE-58D7E93764AE}"/>
+                </a:ext>
+              </a:extLst>
+            </p:cNvPr>
+            <p:cNvCxnSpPr>
+              <a:cxnSpLocks/>
+            </p:cNvCxnSpPr>
+            <p:nvPr/>
+          </p:nvCxnSpPr>
+          <p:spPr>
+            <a:xfrm>
+              <a:off x="1217295" y="4142792"/>
+              <a:ext cx="550506" cy="307910"/>
+            </a:xfrm>
+            <a:prstGeom prst="line">
+              <a:avLst/>
+            </a:prstGeom>
+            <a:ln w="76200">
+              <a:solidFill>
+                <a:srgbClr val="C00000"/>
+              </a:solidFill>
+            </a:ln>
+          </p:spPr>
+          <p:style>
+            <a:lnRef idx="1">
+              <a:schemeClr val="accent1"/>
+            </a:lnRef>
+            <a:fillRef idx="0">
+              <a:schemeClr val="accent1"/>
+            </a:fillRef>
+            <a:effectRef idx="0">
+              <a:schemeClr val="accent1"/>
+            </a:effectRef>
+            <a:fontRef idx="minor">
+              <a:schemeClr val="tx1"/>
+            </a:fontRef>
+          </p:style>
+        </p:cxnSp>
+        <p:cxnSp>
+          <p:nvCxnSpPr>
+            <p:cNvPr id="16" name="Straight Connector 15">
+              <a:extLst>
+                <a:ext uri="{FF2B5EF4-FFF2-40B4-BE49-F238E27FC236}">
+                  <a16:creationId xmlns:a16="http://schemas.microsoft.com/office/drawing/2014/main" id="{15D4F5CF-9A60-E414-EC4A-0C67343F9288}"/>
+                </a:ext>
+              </a:extLst>
+            </p:cNvPr>
+            <p:cNvCxnSpPr>
+              <a:cxnSpLocks/>
+            </p:cNvCxnSpPr>
+            <p:nvPr/>
+          </p:nvCxnSpPr>
+          <p:spPr>
+            <a:xfrm>
+              <a:off x="1767801" y="1516224"/>
+              <a:ext cx="0" cy="2934478"/>
+            </a:xfrm>
+            <a:prstGeom prst="line">
+              <a:avLst/>
+            </a:prstGeom>
+            <a:ln w="76200">
+              <a:solidFill>
+                <a:srgbClr val="C00000"/>
+              </a:solidFill>
+            </a:ln>
+          </p:spPr>
+          <p:style>
+            <a:lnRef idx="1">
+              <a:schemeClr val="accent1"/>
+            </a:lnRef>
+            <a:fillRef idx="0">
+              <a:schemeClr val="accent1"/>
+            </a:fillRef>
+            <a:effectRef idx="0">
+              <a:schemeClr val="accent1"/>
+            </a:effectRef>
+            <a:fontRef idx="minor">
+              <a:schemeClr val="tx1"/>
+            </a:fontRef>
+          </p:style>
+        </p:cxnSp>
+        <p:cxnSp>
+          <p:nvCxnSpPr>
+            <p:cNvPr id="19" name="Straight Connector 18">
+              <a:extLst>
+                <a:ext uri="{FF2B5EF4-FFF2-40B4-BE49-F238E27FC236}">
+                  <a16:creationId xmlns:a16="http://schemas.microsoft.com/office/drawing/2014/main" id="{77CE8262-DE3D-FC14-DC09-26DC7733EF40}"/>
+                </a:ext>
+              </a:extLst>
+            </p:cNvPr>
+            <p:cNvCxnSpPr>
+              <a:cxnSpLocks/>
+            </p:cNvCxnSpPr>
+            <p:nvPr/>
+          </p:nvCxnSpPr>
+          <p:spPr>
+            <a:xfrm>
+              <a:off x="1217295" y="1129004"/>
+              <a:ext cx="550506" cy="424099"/>
+            </a:xfrm>
+            <a:prstGeom prst="line">
+              <a:avLst/>
+            </a:prstGeom>
+            <a:ln w="76200">
+              <a:solidFill>
+                <a:srgbClr val="C00000"/>
+              </a:solidFill>
+            </a:ln>
+          </p:spPr>
+          <p:style>
+            <a:lnRef idx="1">
+              <a:schemeClr val="accent1"/>
+            </a:lnRef>
+            <a:fillRef idx="0">
+              <a:schemeClr val="accent1"/>
+            </a:fillRef>
+            <a:effectRef idx="0">
+              <a:schemeClr val="accent1"/>
+            </a:effectRef>
+            <a:fontRef idx="minor">
+              <a:schemeClr val="tx1"/>
+            </a:fontRef>
+          </p:style>
+        </p:cxnSp>
+        <p:sp>
+          <p:nvSpPr>
+            <p:cNvPr id="22" name="TextBox 21">
+              <a:extLst>
+                <a:ext uri="{FF2B5EF4-FFF2-40B4-BE49-F238E27FC236}">
+                  <a16:creationId xmlns:a16="http://schemas.microsoft.com/office/drawing/2014/main" id="{42240EFE-646F-143A-4428-1FD141A6EFC7}"/>
+                </a:ext>
+              </a:extLst>
+            </p:cNvPr>
+            <p:cNvSpPr txBox="1"/>
+            <p:nvPr/>
+          </p:nvSpPr>
+          <p:spPr>
+            <a:xfrm>
+              <a:off x="3745263" y="1811354"/>
+              <a:ext cx="3059558" cy="400110"/>
+            </a:xfrm>
+            <a:prstGeom prst="rect">
+              <a:avLst/>
+            </a:prstGeom>
+            <a:noFill/>
+          </p:spPr>
+          <p:txBody>
+            <a:bodyPr wrap="square" rtlCol="0">
+              <a:spAutoFit/>
+            </a:bodyPr>
+            <a:lstStyle/>
+            <a:p>
+              <a:r>
+                <a:rPr lang="en-US" sz="2000" dirty="0">
+                  <a:solidFill>
+                    <a:srgbClr val="C00000"/>
+                  </a:solidFill>
+                  <a:latin typeface="Helvetica" panose="020B0604020202020204" pitchFamily="34" charset="0"/>
+                  <a:cs typeface="Helvetica" panose="020B0604020202020204" pitchFamily="34" charset="0"/>
+                </a:rPr>
+                <a:t>1</a:t>
+              </a:r>
+              <a:r>
+                <a:rPr lang="en-US" sz="2000" baseline="30000" dirty="0">
+                  <a:solidFill>
+                    <a:srgbClr val="C00000"/>
+                  </a:solidFill>
+                  <a:latin typeface="Helvetica" panose="020B0604020202020204" pitchFamily="34" charset="0"/>
+                  <a:cs typeface="Helvetica" panose="020B0604020202020204" pitchFamily="34" charset="0"/>
+                </a:rPr>
+                <a:t>st</a:t>
+              </a:r>
+              <a:r>
+                <a:rPr lang="en-US" sz="2000" dirty="0">
+                  <a:solidFill>
+                    <a:srgbClr val="C00000"/>
+                  </a:solidFill>
+                  <a:latin typeface="Helvetica" panose="020B0604020202020204" pitchFamily="34" charset="0"/>
+                  <a:cs typeface="Helvetica" panose="020B0604020202020204" pitchFamily="34" charset="0"/>
+                </a:rPr>
+                <a:t> Four bar</a:t>
+              </a:r>
+            </a:p>
+          </p:txBody>
+        </p:sp>
+        <p:cxnSp>
+          <p:nvCxnSpPr>
+            <p:cNvPr id="23" name="Straight Arrow Connector 22">
+              <a:extLst>
+                <a:ext uri="{FF2B5EF4-FFF2-40B4-BE49-F238E27FC236}">
+                  <a16:creationId xmlns:a16="http://schemas.microsoft.com/office/drawing/2014/main" id="{B1A7FAA6-6BBC-687A-269A-92D1869ECC44}"/>
+                </a:ext>
+              </a:extLst>
+            </p:cNvPr>
+            <p:cNvCxnSpPr>
+              <a:cxnSpLocks/>
+              <a:stCxn id="22" idx="1"/>
+            </p:cNvCxnSpPr>
+            <p:nvPr/>
+          </p:nvCxnSpPr>
+          <p:spPr>
+            <a:xfrm flipH="1">
+              <a:off x="1870438" y="2011409"/>
+              <a:ext cx="1874825" cy="115460"/>
+            </a:xfrm>
+            <a:prstGeom prst="straightConnector1">
+              <a:avLst/>
+            </a:prstGeom>
+            <a:ln w="28575">
+              <a:solidFill>
+                <a:srgbClr val="C00000"/>
+              </a:solidFill>
+              <a:tailEnd type="triangle"/>
+            </a:ln>
+          </p:spPr>
+          <p:style>
+            <a:lnRef idx="1">
+              <a:schemeClr val="accent1"/>
+            </a:lnRef>
+            <a:fillRef idx="0">
+              <a:schemeClr val="accent1"/>
+            </a:fillRef>
+            <a:effectRef idx="0">
+              <a:schemeClr val="accent1"/>
+            </a:effectRef>
+            <a:fontRef idx="minor">
+              <a:schemeClr val="tx1"/>
+            </a:fontRef>
+          </p:style>
+        </p:cxnSp>
+      </p:grpSp>
+      <p:grpSp>
+        <p:nvGrpSpPr>
+          <p:cNvPr id="50" name="Group 49">
+            <a:extLst>
+              <a:ext uri="{FF2B5EF4-FFF2-40B4-BE49-F238E27FC236}">
+                <a16:creationId xmlns:a16="http://schemas.microsoft.com/office/drawing/2014/main" id="{6CBBEEDD-E9C6-4C73-F3FF-E6713DCAB4CC}"/>
+              </a:ext>
+            </a:extLst>
+          </p:cNvPr>
+          <p:cNvGrpSpPr/>
+          <p:nvPr/>
+        </p:nvGrpSpPr>
+        <p:grpSpPr>
+          <a:xfrm>
+            <a:off x="639099" y="4450702"/>
+            <a:ext cx="6165722" cy="2174032"/>
+            <a:chOff x="639099" y="4450702"/>
+            <a:chExt cx="6165722" cy="2174032"/>
+          </a:xfrm>
+        </p:grpSpPr>
+        <p:cxnSp>
+          <p:nvCxnSpPr>
+            <p:cNvPr id="26" name="Straight Connector 25">
+              <a:extLst>
+                <a:ext uri="{FF2B5EF4-FFF2-40B4-BE49-F238E27FC236}">
+                  <a16:creationId xmlns:a16="http://schemas.microsoft.com/office/drawing/2014/main" id="{AEC9E06E-22A0-695B-18FB-90E9289DFCBF}"/>
+                </a:ext>
+              </a:extLst>
+            </p:cNvPr>
+            <p:cNvCxnSpPr>
+              <a:cxnSpLocks/>
+            </p:cNvCxnSpPr>
+            <p:nvPr/>
+          </p:nvCxnSpPr>
+          <p:spPr>
+            <a:xfrm flipV="1">
+              <a:off x="1217295" y="4450702"/>
+              <a:ext cx="578192" cy="387220"/>
+            </a:xfrm>
+            <a:prstGeom prst="line">
+              <a:avLst/>
+            </a:prstGeom>
+            <a:ln w="76200">
+              <a:solidFill>
+                <a:srgbClr val="002060"/>
+              </a:solidFill>
+            </a:ln>
+          </p:spPr>
+          <p:style>
+            <a:lnRef idx="1">
+              <a:schemeClr val="accent1"/>
+            </a:lnRef>
+            <a:fillRef idx="0">
+              <a:schemeClr val="accent1"/>
+            </a:fillRef>
+            <a:effectRef idx="0">
+              <a:schemeClr val="accent1"/>
+            </a:effectRef>
+            <a:fontRef idx="minor">
+              <a:schemeClr val="tx1"/>
+            </a:fontRef>
+          </p:style>
+        </p:cxnSp>
+        <p:cxnSp>
+          <p:nvCxnSpPr>
+            <p:cNvPr id="29" name="Straight Connector 28">
+              <a:extLst>
+                <a:ext uri="{FF2B5EF4-FFF2-40B4-BE49-F238E27FC236}">
+                  <a16:creationId xmlns:a16="http://schemas.microsoft.com/office/drawing/2014/main" id="{BA798122-E1EB-D0F1-56C8-E131370B6623}"/>
+                </a:ext>
+              </a:extLst>
+            </p:cNvPr>
+            <p:cNvCxnSpPr>
+              <a:cxnSpLocks/>
+            </p:cNvCxnSpPr>
+            <p:nvPr/>
+          </p:nvCxnSpPr>
+          <p:spPr>
+            <a:xfrm flipV="1">
+              <a:off x="1217294" y="4450702"/>
+              <a:ext cx="578193" cy="1800808"/>
+            </a:xfrm>
+            <a:prstGeom prst="line">
+              <a:avLst/>
+            </a:prstGeom>
+            <a:ln w="76200">
+              <a:solidFill>
+                <a:srgbClr val="002060"/>
+              </a:solidFill>
+            </a:ln>
+          </p:spPr>
+          <p:style>
+            <a:lnRef idx="1">
+              <a:schemeClr val="accent1"/>
+            </a:lnRef>
+            <a:fillRef idx="0">
+              <a:schemeClr val="accent1"/>
+            </a:fillRef>
+            <a:effectRef idx="0">
+              <a:schemeClr val="accent1"/>
+            </a:effectRef>
+            <a:fontRef idx="minor">
+              <a:schemeClr val="tx1"/>
+            </a:fontRef>
+          </p:style>
+        </p:cxnSp>
+        <p:cxnSp>
+          <p:nvCxnSpPr>
+            <p:cNvPr id="34" name="Straight Connector 33">
+              <a:extLst>
+                <a:ext uri="{FF2B5EF4-FFF2-40B4-BE49-F238E27FC236}">
+                  <a16:creationId xmlns:a16="http://schemas.microsoft.com/office/drawing/2014/main" id="{CC691093-A9BA-CC59-A201-78C78FE0DCBE}"/>
+                </a:ext>
+              </a:extLst>
+            </p:cNvPr>
+            <p:cNvCxnSpPr>
+              <a:cxnSpLocks/>
+            </p:cNvCxnSpPr>
+            <p:nvPr/>
+          </p:nvCxnSpPr>
+          <p:spPr>
+            <a:xfrm flipV="1">
+              <a:off x="639100" y="4823926"/>
+              <a:ext cx="578193" cy="1800808"/>
+            </a:xfrm>
+            <a:prstGeom prst="line">
+              <a:avLst/>
+            </a:prstGeom>
+            <a:ln w="76200">
+              <a:solidFill>
+                <a:srgbClr val="002060"/>
+              </a:solidFill>
+            </a:ln>
+          </p:spPr>
+          <p:style>
+            <a:lnRef idx="1">
+              <a:schemeClr val="accent1"/>
+            </a:lnRef>
+            <a:fillRef idx="0">
+              <a:schemeClr val="accent1"/>
+            </a:fillRef>
+            <a:effectRef idx="0">
+              <a:schemeClr val="accent1"/>
+            </a:effectRef>
+            <a:fontRef idx="minor">
+              <a:schemeClr val="tx1"/>
+            </a:fontRef>
+          </p:style>
+        </p:cxnSp>
+        <p:cxnSp>
+          <p:nvCxnSpPr>
+            <p:cNvPr id="35" name="Straight Connector 34">
+              <a:extLst>
+                <a:ext uri="{FF2B5EF4-FFF2-40B4-BE49-F238E27FC236}">
+                  <a16:creationId xmlns:a16="http://schemas.microsoft.com/office/drawing/2014/main" id="{CF6E7069-35C3-251A-8D74-D9FA83CB44F6}"/>
+                </a:ext>
+              </a:extLst>
+            </p:cNvPr>
+            <p:cNvCxnSpPr>
+              <a:cxnSpLocks/>
+            </p:cNvCxnSpPr>
+            <p:nvPr/>
+          </p:nvCxnSpPr>
+          <p:spPr>
+            <a:xfrm flipH="1">
+              <a:off x="639099" y="6251510"/>
+              <a:ext cx="578194" cy="373224"/>
+            </a:xfrm>
+            <a:prstGeom prst="line">
+              <a:avLst/>
+            </a:prstGeom>
+            <a:ln w="76200">
+              <a:solidFill>
+                <a:srgbClr val="002060"/>
+              </a:solidFill>
+            </a:ln>
+          </p:spPr>
+          <p:style>
+            <a:lnRef idx="1">
+              <a:schemeClr val="accent1"/>
+            </a:lnRef>
+            <a:fillRef idx="0">
+              <a:schemeClr val="accent1"/>
+            </a:fillRef>
+            <a:effectRef idx="0">
+              <a:schemeClr val="accent1"/>
+            </a:effectRef>
+            <a:fontRef idx="minor">
+              <a:schemeClr val="tx1"/>
+            </a:fontRef>
+          </p:style>
+        </p:cxnSp>
+        <p:cxnSp>
+          <p:nvCxnSpPr>
+            <p:cNvPr id="39" name="Straight Arrow Connector 38">
+              <a:extLst>
+                <a:ext uri="{FF2B5EF4-FFF2-40B4-BE49-F238E27FC236}">
+                  <a16:creationId xmlns:a16="http://schemas.microsoft.com/office/drawing/2014/main" id="{6152DE70-115E-D1D8-B428-E66493D12E4B}"/>
+                </a:ext>
+              </a:extLst>
+            </p:cNvPr>
+            <p:cNvCxnSpPr>
+              <a:cxnSpLocks/>
+              <a:stCxn id="40" idx="1"/>
+            </p:cNvCxnSpPr>
+            <p:nvPr/>
+          </p:nvCxnSpPr>
+          <p:spPr>
+            <a:xfrm flipH="1" flipV="1">
+              <a:off x="1795487" y="4716558"/>
+              <a:ext cx="1949776" cy="130034"/>
+            </a:xfrm>
+            <a:prstGeom prst="straightConnector1">
+              <a:avLst/>
+            </a:prstGeom>
+            <a:ln w="28575">
+              <a:solidFill>
+                <a:srgbClr val="002060"/>
+              </a:solidFill>
+              <a:tailEnd type="triangle"/>
+            </a:ln>
+          </p:spPr>
+          <p:style>
+            <a:lnRef idx="1">
+              <a:schemeClr val="accent1"/>
+            </a:lnRef>
+            <a:fillRef idx="0">
+              <a:schemeClr val="accent1"/>
+            </a:fillRef>
+            <a:effectRef idx="0">
+              <a:schemeClr val="accent1"/>
+            </a:effectRef>
+            <a:fontRef idx="minor">
+              <a:schemeClr val="tx1"/>
+            </a:fontRef>
+          </p:style>
+        </p:cxnSp>
+        <p:sp>
+          <p:nvSpPr>
+            <p:cNvPr id="40" name="TextBox 39">
+              <a:extLst>
+                <a:ext uri="{FF2B5EF4-FFF2-40B4-BE49-F238E27FC236}">
+                  <a16:creationId xmlns:a16="http://schemas.microsoft.com/office/drawing/2014/main" id="{5AE822E7-DEA0-318D-5576-FE287478B583}"/>
+                </a:ext>
+              </a:extLst>
+            </p:cNvPr>
+            <p:cNvSpPr txBox="1"/>
+            <p:nvPr/>
+          </p:nvSpPr>
+          <p:spPr>
+            <a:xfrm>
+              <a:off x="3745263" y="4646537"/>
+              <a:ext cx="3059558" cy="400110"/>
+            </a:xfrm>
+            <a:prstGeom prst="rect">
+              <a:avLst/>
+            </a:prstGeom>
+            <a:noFill/>
+            <a:ln>
+              <a:noFill/>
+            </a:ln>
+          </p:spPr>
+          <p:txBody>
+            <a:bodyPr wrap="square" rtlCol="0">
+              <a:spAutoFit/>
+            </a:bodyPr>
+            <a:lstStyle/>
+            <a:p>
+              <a:r>
+                <a:rPr lang="en-US" sz="2000" dirty="0">
+                  <a:solidFill>
+                    <a:srgbClr val="002060"/>
+                  </a:solidFill>
+                  <a:latin typeface="Helvetica" panose="020B0604020202020204" pitchFamily="34" charset="0"/>
+                  <a:cs typeface="Helvetica" panose="020B0604020202020204" pitchFamily="34" charset="0"/>
+                </a:rPr>
+                <a:t>2</a:t>
+              </a:r>
+              <a:r>
+                <a:rPr lang="en-US" sz="2000" baseline="30000" dirty="0">
+                  <a:solidFill>
+                    <a:srgbClr val="002060"/>
+                  </a:solidFill>
+                  <a:latin typeface="Helvetica" panose="020B0604020202020204" pitchFamily="34" charset="0"/>
+                  <a:cs typeface="Helvetica" panose="020B0604020202020204" pitchFamily="34" charset="0"/>
+                </a:rPr>
+                <a:t>nd</a:t>
+              </a:r>
+              <a:r>
+                <a:rPr lang="en-US" sz="2000" dirty="0">
+                  <a:solidFill>
+                    <a:srgbClr val="002060"/>
+                  </a:solidFill>
+                  <a:latin typeface="Helvetica" panose="020B0604020202020204" pitchFamily="34" charset="0"/>
+                  <a:cs typeface="Helvetica" panose="020B0604020202020204" pitchFamily="34" charset="0"/>
+                </a:rPr>
+                <a:t>  Four bar</a:t>
+              </a:r>
+            </a:p>
+          </p:txBody>
+        </p:sp>
+      </p:grpSp>
+      <p:grpSp>
+        <p:nvGrpSpPr>
+          <p:cNvPr id="51" name="Group 50">
+            <a:extLst>
+              <a:ext uri="{FF2B5EF4-FFF2-40B4-BE49-F238E27FC236}">
+                <a16:creationId xmlns:a16="http://schemas.microsoft.com/office/drawing/2014/main" id="{E132ABE6-98A8-546F-473C-A7CC7269A29F}"/>
+              </a:ext>
+            </a:extLst>
+          </p:cNvPr>
+          <p:cNvGrpSpPr/>
+          <p:nvPr/>
+        </p:nvGrpSpPr>
+        <p:grpSpPr>
+          <a:xfrm>
+            <a:off x="6096000" y="3060201"/>
+            <a:ext cx="6241053" cy="3797799"/>
+            <a:chOff x="6096000" y="3060201"/>
+            <a:chExt cx="6241053" cy="3797799"/>
+          </a:xfrm>
+        </p:grpSpPr>
+        <p:pic>
+          <p:nvPicPr>
+            <p:cNvPr id="44" name="Picture 43">
+              <a:extLst>
+                <a:ext uri="{FF2B5EF4-FFF2-40B4-BE49-F238E27FC236}">
+                  <a16:creationId xmlns:a16="http://schemas.microsoft.com/office/drawing/2014/main" id="{D9035A5F-6BE9-F224-FA50-158E8B5044B7}"/>
+                </a:ext>
+              </a:extLst>
+            </p:cNvPr>
+            <p:cNvPicPr>
+              <a:picLocks noChangeAspect="1"/>
+            </p:cNvPicPr>
+            <p:nvPr/>
+          </p:nvPicPr>
+          <p:blipFill>
+            <a:blip r:embed="rId4"/>
+            <a:stretch>
+              <a:fillRect/>
+            </a:stretch>
+          </p:blipFill>
+          <p:spPr>
+            <a:xfrm>
+              <a:off x="6096000" y="3060201"/>
+              <a:ext cx="2826495" cy="3797799"/>
+            </a:xfrm>
+            <a:prstGeom prst="rect">
+              <a:avLst/>
+            </a:prstGeom>
+          </p:spPr>
+        </p:pic>
+        <p:cxnSp>
+          <p:nvCxnSpPr>
+            <p:cNvPr id="45" name="Straight Arrow Connector 44">
+              <a:extLst>
+                <a:ext uri="{FF2B5EF4-FFF2-40B4-BE49-F238E27FC236}">
+                  <a16:creationId xmlns:a16="http://schemas.microsoft.com/office/drawing/2014/main" id="{1A31A0C0-D6F9-64DD-3648-1534E077A391}"/>
+                </a:ext>
+              </a:extLst>
+            </p:cNvPr>
+            <p:cNvCxnSpPr>
+              <a:cxnSpLocks/>
+              <a:stCxn id="46" idx="1"/>
+            </p:cNvCxnSpPr>
+            <p:nvPr/>
+          </p:nvCxnSpPr>
+          <p:spPr>
+            <a:xfrm flipH="1">
+              <a:off x="7700892" y="3642514"/>
+              <a:ext cx="1576603" cy="186190"/>
+            </a:xfrm>
+            <a:prstGeom prst="straightConnector1">
+              <a:avLst/>
+            </a:prstGeom>
+            <a:ln w="28575">
+              <a:solidFill>
+                <a:schemeClr val="tx1"/>
+              </a:solidFill>
+              <a:tailEnd type="triangle"/>
+            </a:ln>
+          </p:spPr>
+          <p:style>
+            <a:lnRef idx="1">
+              <a:schemeClr val="accent1"/>
+            </a:lnRef>
+            <a:fillRef idx="0">
+              <a:schemeClr val="accent1"/>
+            </a:fillRef>
+            <a:effectRef idx="0">
+              <a:schemeClr val="accent1"/>
+            </a:effectRef>
+            <a:fontRef idx="minor">
+              <a:schemeClr val="tx1"/>
+            </a:fontRef>
+          </p:style>
+        </p:cxnSp>
+        <p:sp>
+          <p:nvSpPr>
+            <p:cNvPr id="46" name="TextBox 45">
+              <a:extLst>
+                <a:ext uri="{FF2B5EF4-FFF2-40B4-BE49-F238E27FC236}">
+                  <a16:creationId xmlns:a16="http://schemas.microsoft.com/office/drawing/2014/main" id="{198EB104-3919-888B-ED42-7153947702E2}"/>
+                </a:ext>
+              </a:extLst>
+            </p:cNvPr>
+            <p:cNvSpPr txBox="1"/>
+            <p:nvPr/>
+          </p:nvSpPr>
+          <p:spPr>
+            <a:xfrm>
+              <a:off x="9277495" y="3288571"/>
+              <a:ext cx="3059558" cy="707886"/>
+            </a:xfrm>
+            <a:prstGeom prst="rect">
+              <a:avLst/>
+            </a:prstGeom>
+            <a:noFill/>
+          </p:spPr>
+          <p:txBody>
+            <a:bodyPr wrap="square" rtlCol="0">
+              <a:spAutoFit/>
+            </a:bodyPr>
+            <a:lstStyle/>
+            <a:p>
+              <a:r>
+                <a:rPr lang="en-US" sz="2000" dirty="0">
+                  <a:latin typeface="Helvetica" panose="020B0604020202020204" pitchFamily="34" charset="0"/>
+                  <a:cs typeface="Helvetica" panose="020B0604020202020204" pitchFamily="34" charset="0"/>
+                </a:rPr>
+                <a:t>Internal knees motion transfer mechanism</a:t>
+              </a:r>
+            </a:p>
+          </p:txBody>
+        </p:sp>
+      </p:grpSp>
+    </p:spTree>
+    <p:extLst>
+      <p:ext uri="{BB962C8B-B14F-4D97-AF65-F5344CB8AC3E}">
+        <p14:creationId xmlns:p14="http://schemas.microsoft.com/office/powerpoint/2010/main" val="1369174660"/>
+      </p:ext>
+    </p:extLst>
+  </p:cSld>
+  <p:clrMapOvr>
+    <a:masterClrMapping/>
+  </p:clrMapOvr>
+  <p:timing>
+    <p:tnLst>
+      <p:par>
+        <p:cTn id="1" dur="indefinite" restart="never" nodeType="tmRoot">
+          <p:childTnLst>
+            <p:seq concurrent="1" nextAc="seek">
+              <p:cTn id="2" dur="indefinite" nodeType="mainSeq">
+                <p:childTnLst>
+                  <p:par>
+                    <p:cTn id="3" fill="hold">
+                      <p:stCondLst>
+                        <p:cond delay="indefinite"/>
+                      </p:stCondLst>
+                      <p:childTnLst>
+                        <p:par>
+                          <p:cTn id="4" fill="hold">
+                            <p:stCondLst>
+                              <p:cond delay="0"/>
+                            </p:stCondLst>
+                            <p:childTnLst>
+                              <p:par>
+                                <p:cTn id="5" presetID="1" presetClass="entr" presetSubtype="0" fill="hold" nodeType="clickEffect">
+                                  <p:stCondLst>
+                                    <p:cond delay="0"/>
+                                  </p:stCondLst>
+                                  <p:childTnLst>
+                                    <p:set>
+                                      <p:cBhvr>
+                                        <p:cTn id="6" dur="1" fill="hold">
+                                          <p:stCondLst>
+                                            <p:cond delay="0"/>
+                                          </p:stCondLst>
+                                        </p:cTn>
+                                        <p:tgtEl>
+                                          <p:spTgt spid="48"/>
+                                        </p:tgtEl>
+                                        <p:attrNameLst>
+                                          <p:attrName>style.visibility</p:attrName>
+                                        </p:attrNameLst>
+                                      </p:cBhvr>
+                                      <p:to>
+                                        <p:strVal val="visible"/>
+                                      </p:to>
+                                    </p:set>
+                                  </p:childTnLst>
+                                </p:cTn>
+                              </p:par>
+                            </p:childTnLst>
+                          </p:cTn>
+                        </p:par>
+                      </p:childTnLst>
+                    </p:cTn>
+                  </p:par>
+                  <p:par>
+                    <p:cTn id="7" fill="hold">
+                      <p:stCondLst>
+                        <p:cond delay="indefinite"/>
+                      </p:stCondLst>
+                      <p:childTnLst>
+                        <p:par>
+                          <p:cTn id="8" fill="hold">
+                            <p:stCondLst>
+                              <p:cond delay="0"/>
+                            </p:stCondLst>
+                            <p:childTnLst>
+                              <p:par>
+                                <p:cTn id="9" presetID="1" presetClass="entr" presetSubtype="0" fill="hold" nodeType="clickEffect">
+                                  <p:stCondLst>
+                                    <p:cond delay="0"/>
+                                  </p:stCondLst>
+                                  <p:childTnLst>
+                                    <p:set>
+                                      <p:cBhvr>
+                                        <p:cTn id="10" dur="1" fill="hold">
+                                          <p:stCondLst>
+                                            <p:cond delay="0"/>
+                                          </p:stCondLst>
+                                        </p:cTn>
+                                        <p:tgtEl>
+                                          <p:spTgt spid="3"/>
+                                        </p:tgtEl>
+                                        <p:attrNameLst>
+                                          <p:attrName>style.visibility</p:attrName>
+                                        </p:attrNameLst>
+                                      </p:cBhvr>
+                                      <p:to>
+                                        <p:strVal val="visible"/>
+                                      </p:to>
+                                    </p:set>
+                                  </p:childTnLst>
+                                </p:cTn>
+                              </p:par>
+                            </p:childTnLst>
+                          </p:cTn>
+                        </p:par>
+                      </p:childTnLst>
+                    </p:cTn>
+                  </p:par>
+                  <p:par>
+                    <p:cTn id="11" fill="hold">
+                      <p:stCondLst>
+                        <p:cond delay="indefinite"/>
+                      </p:stCondLst>
+                      <p:childTnLst>
+                        <p:par>
+                          <p:cTn id="12" fill="hold">
+                            <p:stCondLst>
+                              <p:cond delay="0"/>
+                            </p:stCondLst>
+                            <p:childTnLst>
+                              <p:par>
+                                <p:cTn id="13" presetID="1" presetClass="entr" presetSubtype="0" fill="hold" nodeType="clickEffect">
+                                  <p:stCondLst>
+                                    <p:cond delay="0"/>
+                                  </p:stCondLst>
+                                  <p:childTnLst>
+                                    <p:set>
+                                      <p:cBhvr>
+                                        <p:cTn id="14" dur="1" fill="hold">
+                                          <p:stCondLst>
+                                            <p:cond delay="0"/>
+                                          </p:stCondLst>
+                                        </p:cTn>
+                                        <p:tgtEl>
+                                          <p:spTgt spid="6"/>
+                                        </p:tgtEl>
+                                        <p:attrNameLst>
+                                          <p:attrName>style.visibility</p:attrName>
+                                        </p:attrNameLst>
+                                      </p:cBhvr>
+                                      <p:to>
+                                        <p:strVal val="visible"/>
+                                      </p:to>
+                                    </p:set>
+                                  </p:childTnLst>
+                                </p:cTn>
+                              </p:par>
+                              <p:par>
+                                <p:cTn id="15" presetID="1" presetClass="entr" presetSubtype="0" fill="hold" grpId="0" nodeType="withEffect">
+                                  <p:stCondLst>
+                                    <p:cond delay="0"/>
+                                  </p:stCondLst>
+                                  <p:childTnLst>
+                                    <p:set>
+                                      <p:cBhvr>
+                                        <p:cTn id="16" dur="1" fill="hold">
+                                          <p:stCondLst>
+                                            <p:cond delay="0"/>
+                                          </p:stCondLst>
+                                        </p:cTn>
+                                        <p:tgtEl>
+                                          <p:spTgt spid="7"/>
+                                        </p:tgtEl>
+                                        <p:attrNameLst>
+                                          <p:attrName>style.visibility</p:attrName>
+                                        </p:attrNameLst>
+                                      </p:cBhvr>
+                                      <p:to>
+                                        <p:strVal val="visible"/>
+                                      </p:to>
+                                    </p:set>
+                                  </p:childTnLst>
+                                </p:cTn>
+                              </p:par>
+                            </p:childTnLst>
+                          </p:cTn>
+                        </p:par>
+                      </p:childTnLst>
+                    </p:cTn>
+                  </p:par>
+                  <p:par>
+                    <p:cTn id="17" fill="hold">
+                      <p:stCondLst>
+                        <p:cond delay="indefinite"/>
+                      </p:stCondLst>
+                      <p:childTnLst>
+                        <p:par>
+                          <p:cTn id="18" fill="hold">
+                            <p:stCondLst>
+                              <p:cond delay="0"/>
+                            </p:stCondLst>
+                            <p:childTnLst>
+                              <p:par>
+                                <p:cTn id="19" presetID="1" presetClass="entr" presetSubtype="0" fill="hold" nodeType="clickEffect">
+                                  <p:stCondLst>
+                                    <p:cond delay="0"/>
+                                  </p:stCondLst>
+                                  <p:childTnLst>
+                                    <p:set>
+                                      <p:cBhvr>
+                                        <p:cTn id="20" dur="1" fill="hold">
+                                          <p:stCondLst>
+                                            <p:cond delay="0"/>
+                                          </p:stCondLst>
+                                        </p:cTn>
+                                        <p:tgtEl>
+                                          <p:spTgt spid="49"/>
+                                        </p:tgtEl>
+                                        <p:attrNameLst>
+                                          <p:attrName>style.visibility</p:attrName>
+                                        </p:attrNameLst>
+                                      </p:cBhvr>
+                                      <p:to>
+                                        <p:strVal val="visible"/>
+                                      </p:to>
+                                    </p:set>
+                                  </p:childTnLst>
+                                </p:cTn>
+                              </p:par>
+                            </p:childTnLst>
+                          </p:cTn>
+                        </p:par>
+                      </p:childTnLst>
+                    </p:cTn>
+                  </p:par>
+                  <p:par>
+                    <p:cTn id="21" fill="hold">
+                      <p:stCondLst>
+                        <p:cond delay="indefinite"/>
+                      </p:stCondLst>
+                      <p:childTnLst>
+                        <p:par>
+                          <p:cTn id="22" fill="hold">
+                            <p:stCondLst>
+                              <p:cond delay="0"/>
+                            </p:stCondLst>
+                            <p:childTnLst>
+                              <p:par>
+                                <p:cTn id="23" presetID="1" presetClass="entr" presetSubtype="0" fill="hold" nodeType="clickEffect">
+                                  <p:stCondLst>
+                                    <p:cond delay="0"/>
+                                  </p:stCondLst>
+                                  <p:childTnLst>
+                                    <p:set>
+                                      <p:cBhvr>
+                                        <p:cTn id="24" dur="1" fill="hold">
+                                          <p:stCondLst>
+                                            <p:cond delay="0"/>
+                                          </p:stCondLst>
+                                        </p:cTn>
+                                        <p:tgtEl>
+                                          <p:spTgt spid="50"/>
+                                        </p:tgtEl>
+                                        <p:attrNameLst>
+                                          <p:attrName>style.visibility</p:attrName>
+                                        </p:attrNameLst>
+                                      </p:cBhvr>
+                                      <p:to>
+                                        <p:strVal val="visible"/>
+                                      </p:to>
+                                    </p:set>
+                                  </p:childTnLst>
+                                </p:cTn>
+                              </p:par>
+                            </p:childTnLst>
+                          </p:cTn>
+                        </p:par>
+                      </p:childTnLst>
+                    </p:cTn>
+                  </p:par>
+                  <p:par>
+                    <p:cTn id="25" fill="hold">
+                      <p:stCondLst>
+                        <p:cond delay="indefinite"/>
+                      </p:stCondLst>
+                      <p:childTnLst>
+                        <p:par>
+                          <p:cTn id="26" fill="hold">
+                            <p:stCondLst>
+                              <p:cond delay="0"/>
+                            </p:stCondLst>
+                            <p:childTnLst>
+                              <p:par>
+                                <p:cTn id="27" presetID="1" presetClass="entr" presetSubtype="0" fill="hold" nodeType="clickEffect">
+                                  <p:stCondLst>
+                                    <p:cond delay="0"/>
+                                  </p:stCondLst>
+                                  <p:childTnLst>
+                                    <p:set>
+                                      <p:cBhvr>
+                                        <p:cTn id="28" dur="1" fill="hold">
+                                          <p:stCondLst>
+                                            <p:cond delay="0"/>
+                                          </p:stCondLst>
+                                        </p:cTn>
+                                        <p:tgtEl>
+                                          <p:spTgt spid="51"/>
+                                        </p:tgtEl>
+                                        <p:attrNameLst>
+                                          <p:attrName>style.visibility</p:attrName>
+                                        </p:attrNameLst>
+                                      </p:cBhvr>
+                                      <p:to>
+                                        <p:strVal val="visible"/>
+                                      </p:to>
+                                    </p:set>
+                                  </p:childTnLst>
+                                </p:cTn>
+                              </p:par>
+                            </p:childTnLst>
+                          </p:cTn>
+                        </p:par>
+                      </p:childTnLst>
+                    </p:cTn>
+                  </p:par>
+                </p:childTnLst>
+              </p:cTn>
+              <p:prevCondLst>
+                <p:cond evt="onPrev" delay="0">
+                  <p:tgtEl>
+                    <p:sldTgt/>
+                  </p:tgtEl>
+                </p:cond>
+              </p:prevCondLst>
+              <p:nextCondLst>
+                <p:cond evt="onNext" delay="0">
+                  <p:tgtEl>
+                    <p:sldTgt/>
+                  </p:tgtEl>
+                </p:cond>
+              </p:nextCondLst>
+            </p:seq>
+          </p:childTnLst>
+        </p:cTn>
+      </p:par>
+    </p:tnLst>
+    <p:bldLst>
+      <p:bldP spid="7" grpId="0"/>
+    </p:bldLst>
+  </p:timing>
+</p:sld>
+</file>
+
+<file path=ppt/slides/slide8.xml><?xml version="1.0" encoding="utf-8"?>
+<p:sld xmlns:a="http://schemas.openxmlformats.org/drawingml/2006/main" xmlns:r="http://schemas.openxmlformats.org/officeDocument/2006/relationships" xmlns:p="http://schemas.openxmlformats.org/presentationml/2006/main">
+  <p:cSld>
+    <p:spTree>
+      <p:nvGrpSpPr>
+        <p:cNvPr id="1" name=""/>
+        <p:cNvGrpSpPr/>
+        <p:nvPr/>
+      </p:nvGrpSpPr>
+      <p:grpSpPr>
+        <a:xfrm>
+          <a:off x="0" y="0"/>
+          <a:ext cx="0" cy="0"/>
+          <a:chOff x="0" y="0"/>
+          <a:chExt cx="0" cy="0"/>
+        </a:xfrm>
+      </p:grpSpPr>
+      <p:pic>
+        <p:nvPicPr>
+          <p:cNvPr id="3" name="Picture 2">
+            <a:extLst>
+              <a:ext uri="{FF2B5EF4-FFF2-40B4-BE49-F238E27FC236}">
+                <a16:creationId xmlns:a16="http://schemas.microsoft.com/office/drawing/2014/main" id="{49516761-49E0-54B8-45B3-C7379FF686EC}"/>
+              </a:ext>
+            </a:extLst>
+          </p:cNvPr>
+          <p:cNvPicPr>
+            <a:picLocks noChangeAspect="1"/>
+          </p:cNvPicPr>
+          <p:nvPr/>
+        </p:nvPicPr>
+        <p:blipFill>
+          <a:blip r:embed="rId2"/>
+          <a:stretch>
+            <a:fillRect/>
+          </a:stretch>
+        </p:blipFill>
+        <p:spPr>
+          <a:xfrm>
+            <a:off x="1083839" y="0"/>
+            <a:ext cx="3725121" cy="6858000"/>
+          </a:xfrm>
+          <a:prstGeom prst="rect">
+            <a:avLst/>
+          </a:prstGeom>
+        </p:spPr>
+      </p:pic>
+      <p:grpSp>
+        <p:nvGrpSpPr>
+          <p:cNvPr id="26" name="Group 25">
+            <a:extLst>
+              <a:ext uri="{FF2B5EF4-FFF2-40B4-BE49-F238E27FC236}">
+                <a16:creationId xmlns:a16="http://schemas.microsoft.com/office/drawing/2014/main" id="{5D6FB4C5-1054-1864-6987-88815823C7BE}"/>
+              </a:ext>
+            </a:extLst>
+          </p:cNvPr>
+          <p:cNvGrpSpPr/>
+          <p:nvPr/>
+        </p:nvGrpSpPr>
+        <p:grpSpPr>
+          <a:xfrm>
+            <a:off x="10203866" y="9525"/>
+            <a:ext cx="1652808" cy="3181544"/>
+            <a:chOff x="10203866" y="9525"/>
+            <a:chExt cx="1652808" cy="3181544"/>
+          </a:xfrm>
+        </p:grpSpPr>
+        <p:pic>
+          <p:nvPicPr>
+            <p:cNvPr id="4" name="Picture 3">
+              <a:extLst>
+                <a:ext uri="{FF2B5EF4-FFF2-40B4-BE49-F238E27FC236}">
+                  <a16:creationId xmlns:a16="http://schemas.microsoft.com/office/drawing/2014/main" id="{8A2F3D58-B7E6-36ED-48F8-175A1DD79372}"/>
+                </a:ext>
+              </a:extLst>
+            </p:cNvPr>
+            <p:cNvPicPr>
+              <a:picLocks noChangeAspect="1"/>
+            </p:cNvPicPr>
+            <p:nvPr/>
+          </p:nvPicPr>
+          <p:blipFill>
+            <a:blip r:embed="rId3"/>
+            <a:stretch>
+              <a:fillRect/>
+            </a:stretch>
+          </p:blipFill>
+          <p:spPr>
+            <a:xfrm>
+              <a:off x="10203866" y="9525"/>
+              <a:ext cx="1652808" cy="3181544"/>
+            </a:xfrm>
+            <a:prstGeom prst="rect">
+              <a:avLst/>
+            </a:prstGeom>
+          </p:spPr>
+        </p:pic>
+        <p:sp>
+          <p:nvSpPr>
+            <p:cNvPr id="6" name="TextBox 5">
+              <a:extLst>
+                <a:ext uri="{FF2B5EF4-FFF2-40B4-BE49-F238E27FC236}">
+                  <a16:creationId xmlns:a16="http://schemas.microsoft.com/office/drawing/2014/main" id="{C3DCDA22-5AAE-B194-7CC6-B439103184D1}"/>
+                </a:ext>
+              </a:extLst>
+            </p:cNvPr>
+            <p:cNvSpPr txBox="1"/>
+            <p:nvPr/>
+          </p:nvSpPr>
+          <p:spPr>
+            <a:xfrm>
+              <a:off x="10393381" y="255106"/>
+              <a:ext cx="1273777" cy="400110"/>
+            </a:xfrm>
+            <a:prstGeom prst="rect">
+              <a:avLst/>
+            </a:prstGeom>
+            <a:noFill/>
+          </p:spPr>
+          <p:txBody>
+            <a:bodyPr wrap="square" rtlCol="0">
+              <a:spAutoFit/>
+            </a:bodyPr>
+            <a:lstStyle/>
+            <a:p>
+              <a:pPr algn="ctr"/>
+              <a:r>
+                <a:rPr lang="en-US" sz="2000" dirty="0">
+                  <a:latin typeface="Helvetica" panose="020B0604020202020204" pitchFamily="34" charset="0"/>
+                  <a:cs typeface="Helvetica" panose="020B0604020202020204" pitchFamily="34" charset="0"/>
+                </a:rPr>
+                <a:t>Sensors</a:t>
+              </a:r>
+            </a:p>
+          </p:txBody>
+        </p:sp>
+      </p:grpSp>
+      <p:sp>
+        <p:nvSpPr>
+          <p:cNvPr id="7" name="Rectangle 6">
+            <a:extLst>
+              <a:ext uri="{FF2B5EF4-FFF2-40B4-BE49-F238E27FC236}">
+                <a16:creationId xmlns:a16="http://schemas.microsoft.com/office/drawing/2014/main" id="{1BF78826-162A-B0E7-5CC2-A470DC48FD5D}"/>
+              </a:ext>
+            </a:extLst>
+          </p:cNvPr>
+          <p:cNvSpPr/>
+          <p:nvPr/>
+        </p:nvSpPr>
+        <p:spPr>
+          <a:xfrm>
+            <a:off x="1422400" y="150361"/>
+            <a:ext cx="965200" cy="845319"/>
+          </a:xfrm>
+          <a:prstGeom prst="rect">
+            <a:avLst/>
+          </a:prstGeom>
+        </p:spPr>
+        <p:style>
+          <a:lnRef idx="2">
+            <a:schemeClr val="accent3">
+              <a:shade val="50000"/>
+            </a:schemeClr>
+          </a:lnRef>
+          <a:fillRef idx="1">
+            <a:schemeClr val="accent3"/>
+          </a:fillRef>
+          <a:effectRef idx="0">
+            <a:schemeClr val="accent3"/>
+          </a:effectRef>
+          <a:fontRef idx="minor">
+            <a:schemeClr val="lt1"/>
+          </a:fontRef>
+        </p:style>
+        <p:txBody>
+          <a:bodyPr rtlCol="0" anchor="ctr"/>
+          <a:lstStyle/>
+          <a:p>
+            <a:pPr algn="ctr"/>
+            <a:r>
+              <a:rPr lang="en-US" dirty="0"/>
+              <a:t>IMU</a:t>
+            </a:r>
+          </a:p>
+        </p:txBody>
+      </p:sp>
+      <p:sp>
+        <p:nvSpPr>
+          <p:cNvPr id="8" name="Rectangle 7">
+            <a:extLst>
+              <a:ext uri="{FF2B5EF4-FFF2-40B4-BE49-F238E27FC236}">
+                <a16:creationId xmlns:a16="http://schemas.microsoft.com/office/drawing/2014/main" id="{D4A4D2F6-619C-73D7-514C-170D752FB354}"/>
+              </a:ext>
+            </a:extLst>
+          </p:cNvPr>
+          <p:cNvSpPr/>
+          <p:nvPr/>
+        </p:nvSpPr>
+        <p:spPr>
+          <a:xfrm>
+            <a:off x="3535680" y="150361"/>
+            <a:ext cx="965200" cy="845319"/>
+          </a:xfrm>
+          <a:prstGeom prst="rect">
+            <a:avLst/>
+          </a:prstGeom>
+        </p:spPr>
+        <p:style>
+          <a:lnRef idx="2">
+            <a:schemeClr val="accent3">
+              <a:shade val="50000"/>
+            </a:schemeClr>
+          </a:lnRef>
+          <a:fillRef idx="1">
+            <a:schemeClr val="accent3"/>
+          </a:fillRef>
+          <a:effectRef idx="0">
+            <a:schemeClr val="accent3"/>
+          </a:effectRef>
+          <a:fontRef idx="minor">
+            <a:schemeClr val="lt1"/>
+          </a:fontRef>
+        </p:style>
+        <p:txBody>
+          <a:bodyPr rtlCol="0" anchor="ctr"/>
+          <a:lstStyle/>
+          <a:p>
+            <a:pPr algn="ctr"/>
+            <a:r>
+              <a:rPr lang="en-US" dirty="0"/>
+              <a:t>IMU</a:t>
+            </a:r>
+          </a:p>
+        </p:txBody>
+      </p:sp>
+      <p:grpSp>
+        <p:nvGrpSpPr>
+          <p:cNvPr id="12" name="Group 11">
+            <a:extLst>
+              <a:ext uri="{FF2B5EF4-FFF2-40B4-BE49-F238E27FC236}">
+                <a16:creationId xmlns:a16="http://schemas.microsoft.com/office/drawing/2014/main" id="{3893C57E-189F-DBA8-6108-43527FAFB3F5}"/>
+              </a:ext>
+            </a:extLst>
+          </p:cNvPr>
+          <p:cNvGrpSpPr/>
+          <p:nvPr/>
+        </p:nvGrpSpPr>
+        <p:grpSpPr>
+          <a:xfrm>
+            <a:off x="7464389" y="9525"/>
+            <a:ext cx="2596983" cy="1962647"/>
+            <a:chOff x="7383042" y="2903855"/>
+            <a:chExt cx="3081758" cy="2329011"/>
+          </a:xfrm>
+        </p:grpSpPr>
+        <p:pic>
+          <p:nvPicPr>
+            <p:cNvPr id="11" name="Picture 10">
+              <a:extLst>
+                <a:ext uri="{FF2B5EF4-FFF2-40B4-BE49-F238E27FC236}">
+                  <a16:creationId xmlns:a16="http://schemas.microsoft.com/office/drawing/2014/main" id="{473634D6-ACB3-A381-874B-537FFC104782}"/>
+                </a:ext>
+              </a:extLst>
+            </p:cNvPr>
+            <p:cNvPicPr>
+              <a:picLocks noChangeAspect="1"/>
+            </p:cNvPicPr>
+            <p:nvPr/>
+          </p:nvPicPr>
+          <p:blipFill>
+            <a:blip r:embed="rId4"/>
+            <a:stretch>
+              <a:fillRect/>
+            </a:stretch>
+          </p:blipFill>
+          <p:spPr>
+            <a:xfrm>
+              <a:off x="7383042" y="2903855"/>
+              <a:ext cx="3081758" cy="2329011"/>
+            </a:xfrm>
+            <a:prstGeom prst="rect">
+              <a:avLst/>
+            </a:prstGeom>
+            <a:ln w="28575">
+              <a:solidFill>
+                <a:schemeClr val="tx1"/>
+              </a:solidFill>
+            </a:ln>
+          </p:spPr>
+        </p:pic>
+        <p:sp>
+          <p:nvSpPr>
+            <p:cNvPr id="9" name="Rectangle 8">
+              <a:extLst>
+                <a:ext uri="{FF2B5EF4-FFF2-40B4-BE49-F238E27FC236}">
+                  <a16:creationId xmlns:a16="http://schemas.microsoft.com/office/drawing/2014/main" id="{644C832F-AB7E-7AA3-128E-182D7CE0D66B}"/>
+                </a:ext>
+              </a:extLst>
+            </p:cNvPr>
+            <p:cNvSpPr/>
+            <p:nvPr/>
+          </p:nvSpPr>
+          <p:spPr>
+            <a:xfrm>
+              <a:off x="9499600" y="2903855"/>
+              <a:ext cx="965200" cy="845319"/>
+            </a:xfrm>
+            <a:prstGeom prst="rect">
+              <a:avLst/>
+            </a:prstGeom>
+            <a:ln>
+              <a:solidFill>
+                <a:schemeClr val="tx1"/>
+              </a:solidFill>
+            </a:ln>
+          </p:spPr>
+          <p:style>
+            <a:lnRef idx="2">
+              <a:schemeClr val="accent3">
+                <a:shade val="50000"/>
+              </a:schemeClr>
+            </a:lnRef>
+            <a:fillRef idx="1">
+              <a:schemeClr val="accent3"/>
+            </a:fillRef>
+            <a:effectRef idx="0">
+              <a:schemeClr val="accent3"/>
+            </a:effectRef>
+            <a:fontRef idx="minor">
+              <a:schemeClr val="lt1"/>
+            </a:fontRef>
+          </p:style>
+          <p:txBody>
+            <a:bodyPr rtlCol="0" anchor="ctr"/>
+            <a:lstStyle/>
+            <a:p>
+              <a:pPr algn="ctr"/>
+              <a:r>
+                <a:rPr lang="en-US" dirty="0"/>
+                <a:t>IMU</a:t>
+              </a:r>
+            </a:p>
+          </p:txBody>
+        </p:sp>
+      </p:grpSp>
+      <p:cxnSp>
+        <p:nvCxnSpPr>
+          <p:cNvPr id="18" name="Straight Arrow Connector 17">
+            <a:extLst>
+              <a:ext uri="{FF2B5EF4-FFF2-40B4-BE49-F238E27FC236}">
+                <a16:creationId xmlns:a16="http://schemas.microsoft.com/office/drawing/2014/main" id="{FF1F6749-DAF8-6C1E-5379-44249FE09FD0}"/>
+              </a:ext>
+            </a:extLst>
+          </p:cNvPr>
+          <p:cNvCxnSpPr>
+            <a:cxnSpLocks/>
+          </p:cNvCxnSpPr>
+          <p:nvPr/>
+        </p:nvCxnSpPr>
+        <p:spPr>
+          <a:xfrm flipH="1">
+            <a:off x="4380437" y="455054"/>
+            <a:ext cx="428523" cy="399790"/>
+          </a:xfrm>
+          <a:prstGeom prst="straightConnector1">
+            <a:avLst/>
+          </a:prstGeom>
+          <a:ln w="28575">
+            <a:solidFill>
+              <a:schemeClr val="tx1"/>
+            </a:solidFill>
+            <a:tailEnd type="triangle"/>
+          </a:ln>
+        </p:spPr>
+        <p:style>
+          <a:lnRef idx="1">
+            <a:schemeClr val="accent1"/>
+          </a:lnRef>
+          <a:fillRef idx="0">
+            <a:schemeClr val="accent1"/>
+          </a:fillRef>
+          <a:effectRef idx="0">
+            <a:schemeClr val="accent1"/>
+          </a:effectRef>
+          <a:fontRef idx="minor">
+            <a:schemeClr val="tx1"/>
+          </a:fontRef>
+        </p:style>
+      </p:cxnSp>
+      <p:cxnSp>
+        <p:nvCxnSpPr>
+          <p:cNvPr id="19" name="Straight Arrow Connector 18">
+            <a:extLst>
+              <a:ext uri="{FF2B5EF4-FFF2-40B4-BE49-F238E27FC236}">
+                <a16:creationId xmlns:a16="http://schemas.microsoft.com/office/drawing/2014/main" id="{9A40F9A9-19D1-1FB4-51AB-02FC85AFC292}"/>
+              </a:ext>
+            </a:extLst>
+          </p:cNvPr>
+          <p:cNvCxnSpPr>
+            <a:cxnSpLocks/>
+          </p:cNvCxnSpPr>
+          <p:nvPr/>
+        </p:nvCxnSpPr>
+        <p:spPr>
+          <a:xfrm flipH="1">
+            <a:off x="2158097" y="255106"/>
+            <a:ext cx="2650863" cy="399896"/>
+          </a:xfrm>
+          <a:prstGeom prst="straightConnector1">
+            <a:avLst/>
+          </a:prstGeom>
+          <a:ln w="28575">
+            <a:solidFill>
+              <a:schemeClr val="tx1"/>
+            </a:solidFill>
+            <a:tailEnd type="triangle"/>
+          </a:ln>
+        </p:spPr>
+        <p:style>
+          <a:lnRef idx="1">
+            <a:schemeClr val="accent1"/>
+          </a:lnRef>
+          <a:fillRef idx="0">
+            <a:schemeClr val="accent1"/>
+          </a:fillRef>
+          <a:effectRef idx="0">
+            <a:schemeClr val="accent1"/>
+          </a:effectRef>
+          <a:fontRef idx="minor">
+            <a:schemeClr val="tx1"/>
+          </a:fontRef>
+        </p:style>
+      </p:cxnSp>
+      <p:sp>
+        <p:nvSpPr>
+          <p:cNvPr id="25" name="TextBox 24">
+            <a:extLst>
+              <a:ext uri="{FF2B5EF4-FFF2-40B4-BE49-F238E27FC236}">
+                <a16:creationId xmlns:a16="http://schemas.microsoft.com/office/drawing/2014/main" id="{330BA461-5D17-9B9B-9C11-BD5BC19A6B0A}"/>
+              </a:ext>
+            </a:extLst>
+          </p:cNvPr>
+          <p:cNvSpPr txBox="1"/>
+          <p:nvPr/>
+        </p:nvSpPr>
+        <p:spPr>
+          <a:xfrm>
+            <a:off x="4826897" y="33180"/>
+            <a:ext cx="2650863" cy="2862322"/>
+          </a:xfrm>
+          <a:prstGeom prst="rect">
+            <a:avLst/>
+          </a:prstGeom>
+          <a:noFill/>
+        </p:spPr>
+        <p:txBody>
+          <a:bodyPr wrap="square" rtlCol="0">
+            <a:spAutoFit/>
+          </a:bodyPr>
+          <a:lstStyle/>
+          <a:p>
+            <a:r>
+              <a:rPr lang="en-US" sz="2000" dirty="0">
+                <a:latin typeface="Helvetica" panose="020B0604020202020204" pitchFamily="34" charset="0"/>
+                <a:cs typeface="Helvetica" panose="020B0604020202020204" pitchFamily="34" charset="0"/>
+              </a:rPr>
+              <a:t>Double imu sensors are used:</a:t>
+            </a:r>
+          </a:p>
+          <a:p>
+            <a:endParaRPr lang="en-US" sz="2000" dirty="0">
+              <a:latin typeface="Helvetica" panose="020B0604020202020204" pitchFamily="34" charset="0"/>
+              <a:cs typeface="Helvetica" panose="020B0604020202020204" pitchFamily="34" charset="0"/>
+            </a:endParaRPr>
+          </a:p>
+          <a:p>
+            <a:pPr marL="342900" indent="-342900">
+              <a:buFont typeface="Arial" panose="020B0604020202020204" pitchFamily="34" charset="0"/>
+              <a:buChar char="•"/>
+            </a:pPr>
+            <a:r>
+              <a:rPr lang="en-US" sz="2000" dirty="0">
+                <a:latin typeface="Helvetica" panose="020B0604020202020204" pitchFamily="34" charset="0"/>
+                <a:cs typeface="Helvetica" panose="020B0604020202020204" pitchFamily="34" charset="0"/>
+              </a:rPr>
+              <a:t>To obtain data from yaw direction phenomena</a:t>
+            </a:r>
+          </a:p>
+          <a:p>
+            <a:pPr marL="342900" indent="-342900">
+              <a:buFont typeface="Arial" panose="020B0604020202020204" pitchFamily="34" charset="0"/>
+              <a:buChar char="•"/>
+            </a:pPr>
+            <a:endParaRPr lang="en-US" sz="2000" dirty="0">
+              <a:latin typeface="Helvetica" panose="020B0604020202020204" pitchFamily="34" charset="0"/>
+              <a:cs typeface="Helvetica" panose="020B0604020202020204" pitchFamily="34" charset="0"/>
+            </a:endParaRPr>
+          </a:p>
+          <a:p>
+            <a:pPr marL="342900" indent="-342900">
+              <a:buFont typeface="Arial" panose="020B0604020202020204" pitchFamily="34" charset="0"/>
+              <a:buChar char="•"/>
+            </a:pPr>
+            <a:r>
+              <a:rPr lang="en-US" sz="2000" dirty="0">
+                <a:latin typeface="Helvetica" panose="020B0604020202020204" pitchFamily="34" charset="0"/>
+                <a:cs typeface="Helvetica" panose="020B0604020202020204" pitchFamily="34" charset="0"/>
+              </a:rPr>
+              <a:t>To reject error on the measurements</a:t>
+            </a:r>
+          </a:p>
+        </p:txBody>
+      </p:sp>
+    </p:spTree>
+    <p:extLst>
+      <p:ext uri="{BB962C8B-B14F-4D97-AF65-F5344CB8AC3E}">
+        <p14:creationId xmlns:p14="http://schemas.microsoft.com/office/powerpoint/2010/main" val="3945498615"/>
+      </p:ext>
+    </p:extLst>
+  </p:cSld>
+  <p:clrMapOvr>
+    <a:masterClrMapping/>
+  </p:clrMapOvr>
+  <p:timing>
+    <p:tnLst>
+      <p:par>
+        <p:cTn id="1" dur="indefinite" restart="never" nodeType="tmRoot">
+          <p:childTnLst>
+            <p:seq concurrent="1" nextAc="seek">
+              <p:cTn id="2" dur="indefinite" nodeType="mainSeq">
+                <p:childTnLst>
+                  <p:par>
+                    <p:cTn id="3" fill="hold">
+                      <p:stCondLst>
+                        <p:cond delay="indefinite"/>
+                      </p:stCondLst>
+                      <p:childTnLst>
+                        <p:par>
+                          <p:cTn id="4" fill="hold">
+                            <p:stCondLst>
+                              <p:cond delay="0"/>
+                            </p:stCondLst>
+                            <p:childTnLst>
+                              <p:par>
+                                <p:cTn id="5" presetID="1" presetClass="entr" presetSubtype="0" fill="hold" nodeType="clickEffect">
+                                  <p:stCondLst>
+                                    <p:cond delay="0"/>
+                                  </p:stCondLst>
+                                  <p:childTnLst>
+                                    <p:set>
+                                      <p:cBhvr>
+                                        <p:cTn id="6" dur="1" fill="hold">
+                                          <p:stCondLst>
+                                            <p:cond delay="0"/>
+                                          </p:stCondLst>
+                                        </p:cTn>
+                                        <p:tgtEl>
+                                          <p:spTgt spid="26"/>
+                                        </p:tgtEl>
+                                        <p:attrNameLst>
+                                          <p:attrName>style.visibility</p:attrName>
+                                        </p:attrNameLst>
+                                      </p:cBhvr>
+                                      <p:to>
+                                        <p:strVal val="visible"/>
+                                      </p:to>
+                                    </p:set>
+                                  </p:childTnLst>
+                                </p:cTn>
+                              </p:par>
+                            </p:childTnLst>
+                          </p:cTn>
+                        </p:par>
+                      </p:childTnLst>
+                    </p:cTn>
+                  </p:par>
+                  <p:par>
+                    <p:cTn id="7" fill="hold">
+                      <p:stCondLst>
+                        <p:cond delay="indefinite"/>
+                      </p:stCondLst>
+                      <p:childTnLst>
+                        <p:par>
+                          <p:cTn id="8" fill="hold">
+                            <p:stCondLst>
+                              <p:cond delay="0"/>
+                            </p:stCondLst>
+                            <p:childTnLst>
+                              <p:par>
+                                <p:cTn id="9" presetID="1" presetClass="entr" presetSubtype="0" fill="hold" nodeType="clickEffect">
+                                  <p:stCondLst>
+                                    <p:cond delay="0"/>
+                                  </p:stCondLst>
+                                  <p:childTnLst>
+                                    <p:set>
+                                      <p:cBhvr>
+                                        <p:cTn id="10" dur="1" fill="hold">
+                                          <p:stCondLst>
+                                            <p:cond delay="0"/>
+                                          </p:stCondLst>
+                                        </p:cTn>
+                                        <p:tgtEl>
+                                          <p:spTgt spid="3"/>
+                                        </p:tgtEl>
+                                        <p:attrNameLst>
+                                          <p:attrName>style.visibility</p:attrName>
+                                        </p:attrNameLst>
+                                      </p:cBhvr>
+                                      <p:to>
+                                        <p:strVal val="visible"/>
+                                      </p:to>
+                                    </p:set>
+                                  </p:childTnLst>
+                                </p:cTn>
+                              </p:par>
+                              <p:par>
+                                <p:cTn id="11" presetID="1" presetClass="entr" presetSubtype="0" fill="hold" grpId="0" nodeType="withEffect">
+                                  <p:stCondLst>
+                                    <p:cond delay="0"/>
+                                  </p:stCondLst>
+                                  <p:childTnLst>
+                                    <p:set>
+                                      <p:cBhvr>
+                                        <p:cTn id="12" dur="1" fill="hold">
+                                          <p:stCondLst>
+                                            <p:cond delay="0"/>
+                                          </p:stCondLst>
+                                        </p:cTn>
+                                        <p:tgtEl>
+                                          <p:spTgt spid="7"/>
+                                        </p:tgtEl>
+                                        <p:attrNameLst>
+                                          <p:attrName>style.visibility</p:attrName>
+                                        </p:attrNameLst>
+                                      </p:cBhvr>
+                                      <p:to>
+                                        <p:strVal val="visible"/>
+                                      </p:to>
+                                    </p:set>
+                                  </p:childTnLst>
+                                </p:cTn>
+                              </p:par>
+                              <p:par>
+                                <p:cTn id="13" presetID="1" presetClass="entr" presetSubtype="0" fill="hold" grpId="0" nodeType="withEffect">
+                                  <p:stCondLst>
+                                    <p:cond delay="0"/>
+                                  </p:stCondLst>
+                                  <p:childTnLst>
+                                    <p:set>
+                                      <p:cBhvr>
+                                        <p:cTn id="14" dur="1" fill="hold">
+                                          <p:stCondLst>
+                                            <p:cond delay="0"/>
+                                          </p:stCondLst>
+                                        </p:cTn>
+                                        <p:tgtEl>
+                                          <p:spTgt spid="8"/>
+                                        </p:tgtEl>
+                                        <p:attrNameLst>
+                                          <p:attrName>style.visibility</p:attrName>
+                                        </p:attrNameLst>
+                                      </p:cBhvr>
+                                      <p:to>
+                                        <p:strVal val="visible"/>
+                                      </p:to>
+                                    </p:set>
+                                  </p:childTnLst>
+                                </p:cTn>
+                              </p:par>
+                              <p:par>
+                                <p:cTn id="15" presetID="1" presetClass="entr" presetSubtype="0" fill="hold" nodeType="withEffect">
+                                  <p:stCondLst>
+                                    <p:cond delay="0"/>
+                                  </p:stCondLst>
+                                  <p:childTnLst>
+                                    <p:set>
+                                      <p:cBhvr>
+                                        <p:cTn id="16" dur="1" fill="hold">
+                                          <p:stCondLst>
+                                            <p:cond delay="0"/>
+                                          </p:stCondLst>
+                                        </p:cTn>
+                                        <p:tgtEl>
+                                          <p:spTgt spid="18"/>
+                                        </p:tgtEl>
+                                        <p:attrNameLst>
+                                          <p:attrName>style.visibility</p:attrName>
+                                        </p:attrNameLst>
+                                      </p:cBhvr>
+                                      <p:to>
+                                        <p:strVal val="visible"/>
+                                      </p:to>
+                                    </p:set>
+                                  </p:childTnLst>
+                                </p:cTn>
+                              </p:par>
+                              <p:par>
+                                <p:cTn id="17" presetID="1" presetClass="entr" presetSubtype="0" fill="hold" nodeType="withEffect">
+                                  <p:stCondLst>
+                                    <p:cond delay="0"/>
+                                  </p:stCondLst>
+                                  <p:childTnLst>
+                                    <p:set>
+                                      <p:cBhvr>
+                                        <p:cTn id="18" dur="1" fill="hold">
+                                          <p:stCondLst>
+                                            <p:cond delay="0"/>
+                                          </p:stCondLst>
+                                        </p:cTn>
+                                        <p:tgtEl>
+                                          <p:spTgt spid="19"/>
+                                        </p:tgtEl>
+                                        <p:attrNameLst>
+                                          <p:attrName>style.visibility</p:attrName>
+                                        </p:attrNameLst>
+                                      </p:cBhvr>
+                                      <p:to>
+                                        <p:strVal val="visible"/>
+                                      </p:to>
+                                    </p:set>
+                                  </p:childTnLst>
+                                </p:cTn>
+                              </p:par>
+                              <p:par>
+                                <p:cTn id="19" presetID="1" presetClass="entr" presetSubtype="0" fill="hold" grpId="0" nodeType="withEffect">
+                                  <p:stCondLst>
+                                    <p:cond delay="0"/>
+                                  </p:stCondLst>
+                                  <p:childTnLst>
+                                    <p:set>
+                                      <p:cBhvr>
+                                        <p:cTn id="20" dur="1" fill="hold">
+                                          <p:stCondLst>
+                                            <p:cond delay="0"/>
+                                          </p:stCondLst>
+                                        </p:cTn>
+                                        <p:tgtEl>
+                                          <p:spTgt spid="25"/>
+                                        </p:tgtEl>
+                                        <p:attrNameLst>
+                                          <p:attrName>style.visibility</p:attrName>
+                                        </p:attrNameLst>
+                                      </p:cBhvr>
+                                      <p:to>
+                                        <p:strVal val="visible"/>
+                                      </p:to>
+                                    </p:set>
+                                  </p:childTnLst>
+                                </p:cTn>
+                              </p:par>
+                            </p:childTnLst>
+                          </p:cTn>
+                        </p:par>
+                      </p:childTnLst>
+                    </p:cTn>
+                  </p:par>
+                </p:childTnLst>
+              </p:cTn>
+              <p:prevCondLst>
+                <p:cond evt="onPrev" delay="0">
+                  <p:tgtEl>
+                    <p:sldTgt/>
+                  </p:tgtEl>
+                </p:cond>
+              </p:prevCondLst>
+              <p:nextCondLst>
+                <p:cond evt="onNext" delay="0">
+                  <p:tgtEl>
+                    <p:sldTgt/>
+                  </p:tgtEl>
+                </p:cond>
+              </p:nextCondLst>
+            </p:seq>
+          </p:childTnLst>
+        </p:cTn>
+      </p:par>
+    </p:tnLst>
+    <p:bldLst>
+      <p:bldP spid="7" grpId="0" animBg="1"/>
+      <p:bldP spid="8" grpId="0" animBg="1"/>
+      <p:bldP spid="25" grpId="0"/>
+    </p:bldLst>
+  </p:timing>
+</p:sld>
+</file>
+
+<file path=ppt/slides/slide9.xml><?xml version="1.0" encoding="utf-8"?>
+<p:sld xmlns:a="http://schemas.openxmlformats.org/drawingml/2006/main" xmlns:r="http://schemas.openxmlformats.org/officeDocument/2006/relationships" xmlns:p="http://schemas.openxmlformats.org/presentationml/2006/main">
+  <p:cSld>
+    <p:spTree>
+      <p:nvGrpSpPr>
+        <p:cNvPr id="1" name=""/>
+        <p:cNvGrpSpPr/>
+        <p:nvPr/>
+      </p:nvGrpSpPr>
+      <p:grpSpPr>
+        <a:xfrm>
+          <a:off x="0" y="0"/>
+          <a:ext cx="0" cy="0"/>
+          <a:chOff x="0" y="0"/>
+          <a:chExt cx="0" cy="0"/>
+        </a:xfrm>
+      </p:grpSpPr>
+      <p:pic>
+        <p:nvPicPr>
+          <p:cNvPr id="3" name="Picture 2">
+            <a:extLst>
+              <a:ext uri="{FF2B5EF4-FFF2-40B4-BE49-F238E27FC236}">
+                <a16:creationId xmlns:a16="http://schemas.microsoft.com/office/drawing/2014/main" id="{49516761-49E0-54B8-45B3-C7379FF686EC}"/>
+              </a:ext>
+            </a:extLst>
+          </p:cNvPr>
+          <p:cNvPicPr>
+            <a:picLocks noChangeAspect="1"/>
+          </p:cNvPicPr>
+          <p:nvPr/>
+        </p:nvPicPr>
+        <p:blipFill>
+          <a:blip r:embed="rId2"/>
+          <a:stretch>
+            <a:fillRect/>
+          </a:stretch>
+        </p:blipFill>
+        <p:spPr>
+          <a:xfrm>
+            <a:off x="1083839" y="0"/>
+            <a:ext cx="3725121" cy="6858000"/>
+          </a:xfrm>
+          <a:prstGeom prst="rect">
+            <a:avLst/>
+          </a:prstGeom>
+        </p:spPr>
+      </p:pic>
+      <p:sp>
+        <p:nvSpPr>
+          <p:cNvPr id="6" name="TextBox 5">
+            <a:extLst>
+              <a:ext uri="{FF2B5EF4-FFF2-40B4-BE49-F238E27FC236}">
+                <a16:creationId xmlns:a16="http://schemas.microsoft.com/office/drawing/2014/main" id="{C3DCDA22-5AAE-B194-7CC6-B439103184D1}"/>
+              </a:ext>
+            </a:extLst>
+          </p:cNvPr>
+          <p:cNvSpPr txBox="1"/>
+          <p:nvPr/>
+        </p:nvSpPr>
+        <p:spPr>
+          <a:xfrm>
+            <a:off x="7894390" y="4991070"/>
+            <a:ext cx="811071" cy="400110"/>
+          </a:xfrm>
+          <a:prstGeom prst="rect">
+            <a:avLst/>
+          </a:prstGeom>
+          <a:noFill/>
+        </p:spPr>
+        <p:txBody>
+          <a:bodyPr wrap="square" rtlCol="0">
+            <a:spAutoFit/>
+          </a:bodyPr>
+          <a:lstStyle/>
+          <a:p>
+            <a:pPr algn="ctr"/>
+            <a:r>
+              <a:rPr lang="en-US" sz="2000" dirty="0">
+                <a:latin typeface="Helvetica" panose="020B0604020202020204" pitchFamily="34" charset="0"/>
+                <a:cs typeface="Helvetica" panose="020B0604020202020204" pitchFamily="34" charset="0"/>
+              </a:rPr>
+              <a:t>Or</a:t>
+            </a:r>
+          </a:p>
+        </p:txBody>
+      </p:sp>
+      <p:sp>
+        <p:nvSpPr>
+          <p:cNvPr id="7" name="Rectangle 6">
+            <a:extLst>
+              <a:ext uri="{FF2B5EF4-FFF2-40B4-BE49-F238E27FC236}">
+                <a16:creationId xmlns:a16="http://schemas.microsoft.com/office/drawing/2014/main" id="{1BF78826-162A-B0E7-5CC2-A470DC48FD5D}"/>
+              </a:ext>
+            </a:extLst>
+          </p:cNvPr>
+          <p:cNvSpPr/>
+          <p:nvPr/>
+        </p:nvSpPr>
+        <p:spPr>
+          <a:xfrm>
+            <a:off x="1450848" y="1925330"/>
+            <a:ext cx="158779" cy="736590"/>
+          </a:xfrm>
+          <a:prstGeom prst="rect">
+            <a:avLst/>
+          </a:prstGeom>
+          <a:solidFill>
+            <a:schemeClr val="accent6">
+              <a:lumMod val="75000"/>
+            </a:schemeClr>
+          </a:solidFill>
+        </p:spPr>
+        <p:style>
+          <a:lnRef idx="2">
+            <a:schemeClr val="accent3">
+              <a:shade val="50000"/>
+            </a:schemeClr>
+          </a:lnRef>
+          <a:fillRef idx="1">
+            <a:schemeClr val="accent3"/>
+          </a:fillRef>
+          <a:effectRef idx="0">
+            <a:schemeClr val="accent3"/>
+          </a:effectRef>
+          <a:fontRef idx="minor">
+            <a:schemeClr val="lt1"/>
+          </a:fontRef>
+        </p:style>
+        <p:txBody>
+          <a:bodyPr rtlCol="0" anchor="ctr"/>
+          <a:lstStyle/>
+          <a:p>
+            <a:pPr algn="ctr"/>
+            <a:r>
+              <a:rPr lang="en-US" dirty="0"/>
+              <a:t>Enc</a:t>
+            </a:r>
+          </a:p>
+        </p:txBody>
+      </p:sp>
+      <p:sp>
+        <p:nvSpPr>
+          <p:cNvPr id="25" name="TextBox 24">
+            <a:extLst>
+              <a:ext uri="{FF2B5EF4-FFF2-40B4-BE49-F238E27FC236}">
+                <a16:creationId xmlns:a16="http://schemas.microsoft.com/office/drawing/2014/main" id="{330BA461-5D17-9B9B-9C11-BD5BC19A6B0A}"/>
+              </a:ext>
+            </a:extLst>
+          </p:cNvPr>
+          <p:cNvSpPr txBox="1"/>
+          <p:nvPr/>
+        </p:nvSpPr>
+        <p:spPr>
+          <a:xfrm>
+            <a:off x="4826897" y="33180"/>
+            <a:ext cx="2889707" cy="2862322"/>
+          </a:xfrm>
+          <a:prstGeom prst="rect">
+            <a:avLst/>
+          </a:prstGeom>
+          <a:noFill/>
+        </p:spPr>
+        <p:txBody>
+          <a:bodyPr wrap="square" rtlCol="0">
+            <a:spAutoFit/>
+          </a:bodyPr>
+          <a:lstStyle/>
+          <a:p>
+            <a:r>
+              <a:rPr lang="en-US" sz="2000" dirty="0">
+                <a:latin typeface="Helvetica" panose="020B0604020202020204" pitchFamily="34" charset="0"/>
+                <a:cs typeface="Helvetica" panose="020B0604020202020204" pitchFamily="34" charset="0"/>
+              </a:rPr>
+              <a:t>Ring or shaft magnetic encoders are used:</a:t>
+            </a:r>
+          </a:p>
+          <a:p>
+            <a:endParaRPr lang="en-US" sz="2000" dirty="0">
+              <a:latin typeface="Helvetica" panose="020B0604020202020204" pitchFamily="34" charset="0"/>
+              <a:cs typeface="Helvetica" panose="020B0604020202020204" pitchFamily="34" charset="0"/>
+            </a:endParaRPr>
+          </a:p>
+          <a:p>
+            <a:pPr marL="342900" indent="-342900">
+              <a:buFont typeface="Arial" panose="020B0604020202020204" pitchFamily="34" charset="0"/>
+              <a:buChar char="•"/>
+            </a:pPr>
+            <a:r>
+              <a:rPr lang="en-US" sz="2000" dirty="0">
+                <a:latin typeface="Helvetica" panose="020B0604020202020204" pitchFamily="34" charset="0"/>
+                <a:cs typeface="Helvetica" panose="020B0604020202020204" pitchFamily="34" charset="0"/>
+              </a:rPr>
+              <a:t>To obtain data for the femoral joint angle</a:t>
+            </a:r>
+          </a:p>
+          <a:p>
+            <a:pPr marL="342900" indent="-342900">
+              <a:buFont typeface="Arial" panose="020B0604020202020204" pitchFamily="34" charset="0"/>
+              <a:buChar char="•"/>
+            </a:pPr>
+            <a:endParaRPr lang="en-US" sz="2000" dirty="0">
+              <a:latin typeface="Helvetica" panose="020B0604020202020204" pitchFamily="34" charset="0"/>
+              <a:cs typeface="Helvetica" panose="020B0604020202020204" pitchFamily="34" charset="0"/>
+            </a:endParaRPr>
+          </a:p>
+          <a:p>
+            <a:pPr marL="342900" indent="-342900">
+              <a:buFont typeface="Arial" panose="020B0604020202020204" pitchFamily="34" charset="0"/>
+              <a:buChar char="•"/>
+            </a:pPr>
+            <a:r>
+              <a:rPr lang="en-US" sz="2000" dirty="0">
+                <a:latin typeface="Helvetica" panose="020B0604020202020204" pitchFamily="34" charset="0"/>
+                <a:cs typeface="Helvetica" panose="020B0604020202020204" pitchFamily="34" charset="0"/>
+              </a:rPr>
+              <a:t>To obtain data for the tibial joint angle</a:t>
+            </a:r>
+          </a:p>
+        </p:txBody>
+      </p:sp>
+      <p:sp>
+        <p:nvSpPr>
+          <p:cNvPr id="10" name="Rectangle 9">
+            <a:extLst>
+              <a:ext uri="{FF2B5EF4-FFF2-40B4-BE49-F238E27FC236}">
+                <a16:creationId xmlns:a16="http://schemas.microsoft.com/office/drawing/2014/main" id="{1B934AEF-1CA1-1A7C-34B5-BC5E466A310E}"/>
+              </a:ext>
+            </a:extLst>
+          </p:cNvPr>
+          <p:cNvSpPr/>
+          <p:nvPr/>
+        </p:nvSpPr>
+        <p:spPr>
+          <a:xfrm>
+            <a:off x="4301047" y="1925330"/>
+            <a:ext cx="158779" cy="736590"/>
+          </a:xfrm>
+          <a:prstGeom prst="rect">
+            <a:avLst/>
+          </a:prstGeom>
+          <a:solidFill>
+            <a:schemeClr val="accent6">
+              <a:lumMod val="75000"/>
+            </a:schemeClr>
+          </a:solidFill>
+        </p:spPr>
+        <p:style>
+          <a:lnRef idx="2">
+            <a:schemeClr val="accent3">
+              <a:shade val="50000"/>
+            </a:schemeClr>
+          </a:lnRef>
+          <a:fillRef idx="1">
+            <a:schemeClr val="accent3"/>
+          </a:fillRef>
+          <a:effectRef idx="0">
+            <a:schemeClr val="accent3"/>
+          </a:effectRef>
+          <a:fontRef idx="minor">
+            <a:schemeClr val="lt1"/>
+          </a:fontRef>
+        </p:style>
+        <p:txBody>
+          <a:bodyPr rtlCol="0" anchor="ctr"/>
+          <a:lstStyle/>
+          <a:p>
+            <a:pPr algn="ctr"/>
+            <a:r>
+              <a:rPr lang="en-US" dirty="0"/>
+              <a:t>Enc</a:t>
+            </a:r>
+          </a:p>
+        </p:txBody>
+      </p:sp>
+      <p:pic>
+        <p:nvPicPr>
+          <p:cNvPr id="14" name="Picture 13">
+            <a:extLst>
+              <a:ext uri="{FF2B5EF4-FFF2-40B4-BE49-F238E27FC236}">
+                <a16:creationId xmlns:a16="http://schemas.microsoft.com/office/drawing/2014/main" id="{322C1582-3432-BEA7-CCA0-02E9D5D7A57C}"/>
+              </a:ext>
+            </a:extLst>
+          </p:cNvPr>
+          <p:cNvPicPr>
+            <a:picLocks noChangeAspect="1"/>
+          </p:cNvPicPr>
+          <p:nvPr/>
+        </p:nvPicPr>
+        <p:blipFill>
+          <a:blip r:embed="rId3"/>
+          <a:stretch>
+            <a:fillRect/>
+          </a:stretch>
+        </p:blipFill>
+        <p:spPr>
+          <a:xfrm>
+            <a:off x="5307369" y="3524250"/>
+            <a:ext cx="2305050" cy="3333750"/>
+          </a:xfrm>
+          <a:prstGeom prst="rect">
+            <a:avLst/>
+          </a:prstGeom>
+        </p:spPr>
+      </p:pic>
+      <p:sp>
+        <p:nvSpPr>
+          <p:cNvPr id="15" name="Rectangle 14">
+            <a:extLst>
+              <a:ext uri="{FF2B5EF4-FFF2-40B4-BE49-F238E27FC236}">
+                <a16:creationId xmlns:a16="http://schemas.microsoft.com/office/drawing/2014/main" id="{656C15A8-F80D-169B-400D-BB8F5075A0E3}"/>
+              </a:ext>
+            </a:extLst>
+          </p:cNvPr>
+          <p:cNvSpPr/>
+          <p:nvPr/>
+        </p:nvSpPr>
+        <p:spPr>
+          <a:xfrm>
+            <a:off x="7402932" y="4514668"/>
+            <a:ext cx="149655" cy="1458271"/>
+          </a:xfrm>
+          <a:prstGeom prst="rect">
+            <a:avLst/>
+          </a:prstGeom>
+          <a:solidFill>
+            <a:schemeClr val="accent6">
+              <a:lumMod val="75000"/>
+            </a:schemeClr>
+          </a:solidFill>
+        </p:spPr>
+        <p:style>
+          <a:lnRef idx="2">
+            <a:schemeClr val="accent3">
+              <a:shade val="50000"/>
+            </a:schemeClr>
+          </a:lnRef>
+          <a:fillRef idx="1">
+            <a:schemeClr val="accent3"/>
+          </a:fillRef>
+          <a:effectRef idx="0">
+            <a:schemeClr val="accent3"/>
+          </a:effectRef>
+          <a:fontRef idx="minor">
+            <a:schemeClr val="lt1"/>
+          </a:fontRef>
+        </p:style>
+        <p:txBody>
+          <a:bodyPr rtlCol="0" anchor="ctr"/>
+          <a:lstStyle/>
+          <a:p>
+            <a:pPr algn="ctr"/>
+            <a:r>
+              <a:rPr lang="en-US" dirty="0"/>
+              <a:t>Enc</a:t>
+            </a:r>
+          </a:p>
+        </p:txBody>
+      </p:sp>
+      <p:sp>
+        <p:nvSpPr>
+          <p:cNvPr id="16" name="Rectangle 15">
+            <a:extLst>
+              <a:ext uri="{FF2B5EF4-FFF2-40B4-BE49-F238E27FC236}">
+                <a16:creationId xmlns:a16="http://schemas.microsoft.com/office/drawing/2014/main" id="{23EFC76C-66C5-616C-CE3E-E7384229BADF}"/>
+              </a:ext>
+            </a:extLst>
+          </p:cNvPr>
+          <p:cNvSpPr/>
+          <p:nvPr/>
+        </p:nvSpPr>
+        <p:spPr>
+          <a:xfrm>
+            <a:off x="5728996" y="5038531"/>
+            <a:ext cx="1539551" cy="410547"/>
+          </a:xfrm>
+          <a:prstGeom prst="rect">
+            <a:avLst/>
+          </a:prstGeom>
+          <a:solidFill>
+            <a:schemeClr val="accent6">
+              <a:lumMod val="75000"/>
+            </a:schemeClr>
+          </a:solidFill>
+        </p:spPr>
+        <p:style>
+          <a:lnRef idx="2">
+            <a:schemeClr val="accent1">
+              <a:shade val="50000"/>
+            </a:schemeClr>
+          </a:lnRef>
+          <a:fillRef idx="1">
+            <a:schemeClr val="accent1"/>
+          </a:fillRef>
+          <a:effectRef idx="0">
+            <a:schemeClr val="accent1"/>
+          </a:effectRef>
+          <a:fontRef idx="minor">
+            <a:schemeClr val="lt1"/>
+          </a:fontRef>
+        </p:style>
+        <p:txBody>
+          <a:bodyPr rtlCol="0" anchor="ctr"/>
+          <a:lstStyle/>
+          <a:p>
+            <a:pPr algn="ctr"/>
+            <a:r>
+              <a:rPr lang="en-US" dirty="0"/>
+              <a:t>Magnet axis</a:t>
+            </a:r>
+          </a:p>
+        </p:txBody>
+      </p:sp>
+      <p:pic>
+        <p:nvPicPr>
+          <p:cNvPr id="17" name="Picture 16">
+            <a:extLst>
+              <a:ext uri="{FF2B5EF4-FFF2-40B4-BE49-F238E27FC236}">
+                <a16:creationId xmlns:a16="http://schemas.microsoft.com/office/drawing/2014/main" id="{5BC680A4-6C7F-029C-9BED-FEB1FB9FE875}"/>
+              </a:ext>
+            </a:extLst>
+          </p:cNvPr>
+          <p:cNvPicPr>
+            <a:picLocks noChangeAspect="1"/>
+          </p:cNvPicPr>
+          <p:nvPr/>
+        </p:nvPicPr>
+        <p:blipFill>
+          <a:blip r:embed="rId4"/>
+          <a:stretch>
+            <a:fillRect/>
+          </a:stretch>
+        </p:blipFill>
+        <p:spPr>
+          <a:xfrm>
+            <a:off x="8705461" y="3524250"/>
+            <a:ext cx="2554888" cy="3324225"/>
+          </a:xfrm>
+          <a:prstGeom prst="rect">
+            <a:avLst/>
+          </a:prstGeom>
+        </p:spPr>
+      </p:pic>
+      <p:sp>
+        <p:nvSpPr>
+          <p:cNvPr id="20" name="Oval 19">
+            <a:extLst>
+              <a:ext uri="{FF2B5EF4-FFF2-40B4-BE49-F238E27FC236}">
+                <a16:creationId xmlns:a16="http://schemas.microsoft.com/office/drawing/2014/main" id="{0F451D42-3B19-CFE0-34E6-4A0AB8D6203A}"/>
+              </a:ext>
+            </a:extLst>
+          </p:cNvPr>
+          <p:cNvSpPr/>
+          <p:nvPr/>
+        </p:nvSpPr>
+        <p:spPr>
+          <a:xfrm>
+            <a:off x="9257880" y="3734129"/>
+            <a:ext cx="780539" cy="780539"/>
+          </a:xfrm>
+          <a:prstGeom prst="ellipse">
+            <a:avLst/>
+          </a:prstGeom>
+          <a:solidFill>
+            <a:schemeClr val="accent6">
+              <a:lumMod val="75000"/>
+            </a:schemeClr>
+          </a:solidFill>
+          <a:ln>
+            <a:solidFill>
+              <a:schemeClr val="tx1"/>
+            </a:solidFill>
+          </a:ln>
+        </p:spPr>
+        <p:style>
+          <a:lnRef idx="2">
+            <a:schemeClr val="accent1">
+              <a:shade val="50000"/>
+            </a:schemeClr>
+          </a:lnRef>
+          <a:fillRef idx="1">
+            <a:schemeClr val="accent1"/>
+          </a:fillRef>
+          <a:effectRef idx="0">
+            <a:schemeClr val="accent1"/>
+          </a:effectRef>
+          <a:fontRef idx="minor">
+            <a:schemeClr val="lt1"/>
+          </a:fontRef>
+        </p:style>
+        <p:txBody>
+          <a:bodyPr rtlCol="0" anchor="ctr"/>
+          <a:lstStyle/>
+          <a:p>
+            <a:pPr algn="ctr"/>
+            <a:r>
+              <a:rPr lang="en-US" dirty="0"/>
+              <a:t>Enc</a:t>
+            </a:r>
+          </a:p>
+        </p:txBody>
+      </p:sp>
+      <p:sp>
+        <p:nvSpPr>
+          <p:cNvPr id="21" name="Rectangle 20">
+            <a:extLst>
+              <a:ext uri="{FF2B5EF4-FFF2-40B4-BE49-F238E27FC236}">
+                <a16:creationId xmlns:a16="http://schemas.microsoft.com/office/drawing/2014/main" id="{FD6DC64F-C462-6957-06FD-90FD09147180}"/>
+              </a:ext>
+            </a:extLst>
+          </p:cNvPr>
+          <p:cNvSpPr/>
+          <p:nvPr/>
+        </p:nvSpPr>
+        <p:spPr>
+          <a:xfrm>
+            <a:off x="1083839" y="33180"/>
+            <a:ext cx="3737620" cy="3031033"/>
+          </a:xfrm>
+          <a:prstGeom prst="rect">
+            <a:avLst/>
+          </a:prstGeom>
+          <a:noFill/>
+          <a:ln w="38100">
+            <a:solidFill>
+              <a:srgbClr val="C00000"/>
+            </a:solidFill>
+            <a:prstDash val="sysDash"/>
+          </a:ln>
+        </p:spPr>
+        <p:style>
+          <a:lnRef idx="2">
+            <a:schemeClr val="accent1">
+              <a:shade val="50000"/>
+            </a:schemeClr>
+          </a:lnRef>
+          <a:fillRef idx="1">
+            <a:schemeClr val="accent1"/>
+          </a:fillRef>
+          <a:effectRef idx="0">
+            <a:schemeClr val="accent1"/>
+          </a:effectRef>
+          <a:fontRef idx="minor">
+            <a:schemeClr val="lt1"/>
+          </a:fontRef>
+        </p:style>
+        <p:txBody>
+          <a:bodyPr rtlCol="0" anchor="ctr"/>
+          <a:lstStyle/>
+          <a:p>
+            <a:pPr algn="ctr"/>
+            <a:endParaRPr lang="en-US"/>
+          </a:p>
+        </p:txBody>
+      </p:sp>
+      <p:sp>
+        <p:nvSpPr>
+          <p:cNvPr id="22" name="Rectangle 21">
+            <a:extLst>
+              <a:ext uri="{FF2B5EF4-FFF2-40B4-BE49-F238E27FC236}">
+                <a16:creationId xmlns:a16="http://schemas.microsoft.com/office/drawing/2014/main" id="{AAB318E5-244F-7080-645F-9581251138D3}"/>
+              </a:ext>
+            </a:extLst>
+          </p:cNvPr>
+          <p:cNvSpPr/>
+          <p:nvPr/>
+        </p:nvSpPr>
+        <p:spPr>
+          <a:xfrm>
+            <a:off x="1083840" y="3152426"/>
+            <a:ext cx="10176510" cy="3705574"/>
+          </a:xfrm>
+          <a:prstGeom prst="rect">
+            <a:avLst/>
+          </a:prstGeom>
+          <a:noFill/>
+          <a:ln w="38100">
+            <a:solidFill>
+              <a:srgbClr val="C00000"/>
+            </a:solidFill>
+            <a:prstDash val="sysDash"/>
+          </a:ln>
+        </p:spPr>
+        <p:style>
+          <a:lnRef idx="2">
+            <a:schemeClr val="accent1">
+              <a:shade val="50000"/>
+            </a:schemeClr>
+          </a:lnRef>
+          <a:fillRef idx="1">
+            <a:schemeClr val="accent1"/>
+          </a:fillRef>
+          <a:effectRef idx="0">
+            <a:schemeClr val="accent1"/>
+          </a:effectRef>
+          <a:fontRef idx="minor">
+            <a:schemeClr val="lt1"/>
+          </a:fontRef>
+        </p:style>
+        <p:txBody>
+          <a:bodyPr rtlCol="0" anchor="ctr"/>
+          <a:lstStyle/>
+          <a:p>
+            <a:pPr algn="ctr"/>
+            <a:endParaRPr lang="en-US"/>
+          </a:p>
+        </p:txBody>
+      </p:sp>
+      <p:sp>
+        <p:nvSpPr>
+          <p:cNvPr id="23" name="TextBox 22">
+            <a:extLst>
+              <a:ext uri="{FF2B5EF4-FFF2-40B4-BE49-F238E27FC236}">
+                <a16:creationId xmlns:a16="http://schemas.microsoft.com/office/drawing/2014/main" id="{326F0F99-F1E9-7568-597F-41AE62184BC2}"/>
+              </a:ext>
+            </a:extLst>
+          </p:cNvPr>
+          <p:cNvSpPr txBox="1"/>
+          <p:nvPr/>
+        </p:nvSpPr>
+        <p:spPr>
+          <a:xfrm>
+            <a:off x="2086891" y="257008"/>
+            <a:ext cx="2105227" cy="707886"/>
+          </a:xfrm>
+          <a:prstGeom prst="rect">
+            <a:avLst/>
+          </a:prstGeom>
+          <a:noFill/>
+        </p:spPr>
+        <p:txBody>
+          <a:bodyPr wrap="square" rtlCol="0">
+            <a:spAutoFit/>
+          </a:bodyPr>
+          <a:lstStyle/>
+          <a:p>
+            <a:pPr algn="ctr"/>
+            <a:r>
+              <a:rPr lang="en-US" sz="2000" dirty="0">
+                <a:solidFill>
+                  <a:srgbClr val="C00000"/>
+                </a:solidFill>
+                <a:latin typeface="Helvetica" panose="020B0604020202020204" pitchFamily="34" charset="0"/>
+                <a:cs typeface="Helvetica" panose="020B0604020202020204" pitchFamily="34" charset="0"/>
+              </a:rPr>
+              <a:t>Femoral joint angle encoders</a:t>
+            </a:r>
+          </a:p>
+        </p:txBody>
+      </p:sp>
+      <p:sp>
+        <p:nvSpPr>
+          <p:cNvPr id="24" name="TextBox 23">
+            <a:extLst>
+              <a:ext uri="{FF2B5EF4-FFF2-40B4-BE49-F238E27FC236}">
+                <a16:creationId xmlns:a16="http://schemas.microsoft.com/office/drawing/2014/main" id="{2A35636A-090F-B052-7688-136A61C66E8D}"/>
+              </a:ext>
+            </a:extLst>
+          </p:cNvPr>
+          <p:cNvSpPr txBox="1"/>
+          <p:nvPr/>
+        </p:nvSpPr>
+        <p:spPr>
+          <a:xfrm>
+            <a:off x="2086891" y="5618996"/>
+            <a:ext cx="2105227" cy="707886"/>
+          </a:xfrm>
+          <a:prstGeom prst="rect">
+            <a:avLst/>
+          </a:prstGeom>
+          <a:noFill/>
+        </p:spPr>
+        <p:txBody>
+          <a:bodyPr wrap="square" rtlCol="0">
+            <a:spAutoFit/>
+          </a:bodyPr>
+          <a:lstStyle/>
+          <a:p>
+            <a:pPr algn="ctr"/>
+            <a:r>
+              <a:rPr lang="en-US" sz="2000" dirty="0">
+                <a:solidFill>
+                  <a:srgbClr val="C00000"/>
+                </a:solidFill>
+                <a:latin typeface="Helvetica" panose="020B0604020202020204" pitchFamily="34" charset="0"/>
+                <a:cs typeface="Helvetica" panose="020B0604020202020204" pitchFamily="34" charset="0"/>
+              </a:rPr>
+              <a:t>Tibial joint encoders</a:t>
+            </a:r>
+          </a:p>
+        </p:txBody>
+      </p:sp>
+      <p:sp>
+        <p:nvSpPr>
+          <p:cNvPr id="27" name="TextBox 26">
+            <a:extLst>
+              <a:ext uri="{FF2B5EF4-FFF2-40B4-BE49-F238E27FC236}">
+                <a16:creationId xmlns:a16="http://schemas.microsoft.com/office/drawing/2014/main" id="{B6CBFAC0-882A-9AB6-B9C7-67721C3AA4CE}"/>
+              </a:ext>
+            </a:extLst>
+          </p:cNvPr>
+          <p:cNvSpPr txBox="1"/>
+          <p:nvPr/>
+        </p:nvSpPr>
+        <p:spPr>
+          <a:xfrm>
+            <a:off x="8140563" y="5810782"/>
+            <a:ext cx="2889707" cy="707886"/>
+          </a:xfrm>
+          <a:prstGeom prst="rect">
+            <a:avLst/>
+          </a:prstGeom>
+          <a:solidFill>
+            <a:schemeClr val="bg2"/>
+          </a:solidFill>
+        </p:spPr>
+        <p:txBody>
+          <a:bodyPr wrap="square" rtlCol="0">
+            <a:spAutoFit/>
+          </a:bodyPr>
+          <a:lstStyle/>
+          <a:p>
+            <a:r>
+              <a:rPr lang="en-US" sz="2000" dirty="0">
+                <a:latin typeface="Helvetica" panose="020B0604020202020204" pitchFamily="34" charset="0"/>
+                <a:cs typeface="Helvetica" panose="020B0604020202020204" pitchFamily="34" charset="0"/>
+              </a:rPr>
+              <a:t>Absolute vs incremental encoders? </a:t>
+            </a:r>
+          </a:p>
+        </p:txBody>
+      </p:sp>
+      <p:grpSp>
+        <p:nvGrpSpPr>
+          <p:cNvPr id="31" name="Group 30">
+            <a:extLst>
+              <a:ext uri="{FF2B5EF4-FFF2-40B4-BE49-F238E27FC236}">
+                <a16:creationId xmlns:a16="http://schemas.microsoft.com/office/drawing/2014/main" id="{F4B5F3BB-CD29-7B1A-1D30-B80A0FCA7375}"/>
+              </a:ext>
+            </a:extLst>
+          </p:cNvPr>
+          <p:cNvGrpSpPr/>
+          <p:nvPr/>
+        </p:nvGrpSpPr>
+        <p:grpSpPr>
+          <a:xfrm>
+            <a:off x="10203866" y="9525"/>
+            <a:ext cx="1652808" cy="3181544"/>
+            <a:chOff x="10203866" y="9525"/>
+            <a:chExt cx="1652808" cy="3181544"/>
+          </a:xfrm>
+        </p:grpSpPr>
+        <p:pic>
+          <p:nvPicPr>
+            <p:cNvPr id="4" name="Picture 3">
+              <a:extLst>
+                <a:ext uri="{FF2B5EF4-FFF2-40B4-BE49-F238E27FC236}">
+                  <a16:creationId xmlns:a16="http://schemas.microsoft.com/office/drawing/2014/main" id="{8A2F3D58-B7E6-36ED-48F8-175A1DD79372}"/>
+                </a:ext>
+              </a:extLst>
+            </p:cNvPr>
+            <p:cNvPicPr>
+              <a:picLocks noChangeAspect="1"/>
+            </p:cNvPicPr>
+            <p:nvPr/>
+          </p:nvPicPr>
+          <p:blipFill>
+            <a:blip r:embed="rId5"/>
+            <a:stretch>
+              <a:fillRect/>
+            </a:stretch>
+          </p:blipFill>
+          <p:spPr>
+            <a:xfrm>
+              <a:off x="10203866" y="9525"/>
+              <a:ext cx="1652808" cy="3181544"/>
+            </a:xfrm>
+            <a:prstGeom prst="rect">
+              <a:avLst/>
+            </a:prstGeom>
+          </p:spPr>
+        </p:pic>
+        <p:sp>
+          <p:nvSpPr>
+            <p:cNvPr id="28" name="TextBox 27">
+              <a:extLst>
+                <a:ext uri="{FF2B5EF4-FFF2-40B4-BE49-F238E27FC236}">
+                  <a16:creationId xmlns:a16="http://schemas.microsoft.com/office/drawing/2014/main" id="{49A6A80E-063B-0114-A05A-D6083D1ED627}"/>
+                </a:ext>
+              </a:extLst>
+            </p:cNvPr>
+            <p:cNvSpPr txBox="1"/>
+            <p:nvPr/>
+          </p:nvSpPr>
+          <p:spPr>
+            <a:xfrm>
+              <a:off x="10393381" y="255106"/>
+              <a:ext cx="1273777" cy="400110"/>
+            </a:xfrm>
+            <a:prstGeom prst="rect">
+              <a:avLst/>
+            </a:prstGeom>
+            <a:noFill/>
+          </p:spPr>
+          <p:txBody>
+            <a:bodyPr wrap="square" rtlCol="0">
+              <a:spAutoFit/>
+            </a:bodyPr>
+            <a:lstStyle/>
+            <a:p>
+              <a:pPr algn="ctr"/>
+              <a:r>
+                <a:rPr lang="en-US" sz="2000" dirty="0">
+                  <a:latin typeface="Helvetica" panose="020B0604020202020204" pitchFamily="34" charset="0"/>
+                  <a:cs typeface="Helvetica" panose="020B0604020202020204" pitchFamily="34" charset="0"/>
+                </a:rPr>
+                <a:t>Sensors</a:t>
+              </a:r>
+            </a:p>
+          </p:txBody>
+        </p:sp>
+      </p:grpSp>
+      <p:grpSp>
+        <p:nvGrpSpPr>
+          <p:cNvPr id="32" name="Group 31">
+            <a:extLst>
+              <a:ext uri="{FF2B5EF4-FFF2-40B4-BE49-F238E27FC236}">
+                <a16:creationId xmlns:a16="http://schemas.microsoft.com/office/drawing/2014/main" id="{4B917925-5C5B-EECE-75D8-988CBAD9FAC5}"/>
+              </a:ext>
+            </a:extLst>
+          </p:cNvPr>
+          <p:cNvGrpSpPr/>
+          <p:nvPr/>
+        </p:nvGrpSpPr>
+        <p:grpSpPr>
+          <a:xfrm>
+            <a:off x="7722042" y="9525"/>
+            <a:ext cx="2342380" cy="2652395"/>
+            <a:chOff x="7722042" y="9525"/>
+            <a:chExt cx="2342380" cy="2652395"/>
+          </a:xfrm>
+        </p:grpSpPr>
+        <p:pic>
+          <p:nvPicPr>
+            <p:cNvPr id="2" name="Picture 1">
+              <a:extLst>
+                <a:ext uri="{FF2B5EF4-FFF2-40B4-BE49-F238E27FC236}">
+                  <a16:creationId xmlns:a16="http://schemas.microsoft.com/office/drawing/2014/main" id="{C5FC71A1-D448-36EA-09D8-6E79B7C5BFF9}"/>
+                </a:ext>
+              </a:extLst>
+            </p:cNvPr>
+            <p:cNvPicPr>
+              <a:picLocks noChangeAspect="1"/>
+            </p:cNvPicPr>
+            <p:nvPr/>
+          </p:nvPicPr>
+          <p:blipFill>
+            <a:blip r:embed="rId6"/>
+            <a:stretch>
+              <a:fillRect/>
+            </a:stretch>
+          </p:blipFill>
+          <p:spPr>
+            <a:xfrm>
+              <a:off x="7722042" y="33181"/>
+              <a:ext cx="2333892" cy="1155540"/>
+            </a:xfrm>
+            <a:prstGeom prst="rect">
+              <a:avLst/>
+            </a:prstGeom>
+            <a:ln w="19050">
+              <a:solidFill>
+                <a:schemeClr val="tx1"/>
+              </a:solidFill>
+            </a:ln>
+          </p:spPr>
+        </p:pic>
+        <p:sp>
+          <p:nvSpPr>
+            <p:cNvPr id="9" name="Rectangle 8">
+              <a:extLst>
+                <a:ext uri="{FF2B5EF4-FFF2-40B4-BE49-F238E27FC236}">
+                  <a16:creationId xmlns:a16="http://schemas.microsoft.com/office/drawing/2014/main" id="{644C832F-AB7E-7AA3-128E-182D7CE0D66B}"/>
+                </a:ext>
+              </a:extLst>
+            </p:cNvPr>
+            <p:cNvSpPr/>
+            <p:nvPr/>
+          </p:nvSpPr>
+          <p:spPr>
+            <a:xfrm>
+              <a:off x="8991600" y="9525"/>
+              <a:ext cx="1069772" cy="712346"/>
+            </a:xfrm>
+            <a:prstGeom prst="rect">
+              <a:avLst/>
+            </a:prstGeom>
+            <a:solidFill>
+              <a:schemeClr val="accent6">
+                <a:lumMod val="75000"/>
+              </a:schemeClr>
+            </a:solidFill>
+            <a:ln>
+              <a:solidFill>
+                <a:schemeClr val="tx1"/>
+              </a:solidFill>
+            </a:ln>
+          </p:spPr>
+          <p:style>
+            <a:lnRef idx="2">
+              <a:schemeClr val="accent3">
+                <a:shade val="50000"/>
+              </a:schemeClr>
+            </a:lnRef>
+            <a:fillRef idx="1">
+              <a:schemeClr val="accent3"/>
+            </a:fillRef>
+            <a:effectRef idx="0">
+              <a:schemeClr val="accent3"/>
+            </a:effectRef>
+            <a:fontRef idx="minor">
+              <a:schemeClr val="lt1"/>
+            </a:fontRef>
+          </p:style>
+          <p:txBody>
+            <a:bodyPr rtlCol="0" anchor="ctr"/>
+            <a:lstStyle/>
+            <a:p>
+              <a:pPr algn="ctr"/>
+              <a:r>
+                <a:rPr lang="en-US" dirty="0"/>
+                <a:t>Encoders</a:t>
+              </a:r>
+            </a:p>
+          </p:txBody>
+        </p:sp>
+        <p:pic>
+          <p:nvPicPr>
+            <p:cNvPr id="5" name="Picture 4">
+              <a:extLst>
+                <a:ext uri="{FF2B5EF4-FFF2-40B4-BE49-F238E27FC236}">
+                  <a16:creationId xmlns:a16="http://schemas.microsoft.com/office/drawing/2014/main" id="{B24FFEFD-A9E6-38AD-01AF-A3E2766A49E0}"/>
+                </a:ext>
+              </a:extLst>
+            </p:cNvPr>
+            <p:cNvPicPr>
+              <a:picLocks noChangeAspect="1"/>
+            </p:cNvPicPr>
+            <p:nvPr/>
+          </p:nvPicPr>
+          <p:blipFill>
+            <a:blip r:embed="rId7"/>
+            <a:stretch>
+              <a:fillRect/>
+            </a:stretch>
+          </p:blipFill>
+          <p:spPr>
+            <a:xfrm>
+              <a:off x="7722042" y="1212377"/>
+              <a:ext cx="2336942" cy="1449543"/>
+            </a:xfrm>
+            <a:prstGeom prst="rect">
+              <a:avLst/>
+            </a:prstGeom>
+            <a:ln w="19050">
+              <a:solidFill>
+                <a:schemeClr val="tx1"/>
+              </a:solidFill>
+            </a:ln>
+          </p:spPr>
+        </p:pic>
+        <p:sp>
+          <p:nvSpPr>
+            <p:cNvPr id="30" name="TextBox 29">
+              <a:extLst>
+                <a:ext uri="{FF2B5EF4-FFF2-40B4-BE49-F238E27FC236}">
+                  <a16:creationId xmlns:a16="http://schemas.microsoft.com/office/drawing/2014/main" id="{11CB7922-DBB2-D3BD-98E5-D2F213864ED4}"/>
+                </a:ext>
+              </a:extLst>
+            </p:cNvPr>
+            <p:cNvSpPr txBox="1"/>
+            <p:nvPr/>
+          </p:nvSpPr>
+          <p:spPr>
+            <a:xfrm>
+              <a:off x="8299925" y="2286208"/>
+              <a:ext cx="1764497" cy="369332"/>
+            </a:xfrm>
+            <a:prstGeom prst="rect">
+              <a:avLst/>
+            </a:prstGeom>
+            <a:noFill/>
+          </p:spPr>
+          <p:txBody>
+            <a:bodyPr wrap="square">
+              <a:spAutoFit/>
+            </a:bodyPr>
+            <a:lstStyle/>
+            <a:p>
+              <a:r>
+                <a:rPr lang="en-US" dirty="0">
+                  <a:hlinkClick r:id="rId8" action="ppaction://hlinkfile"/>
+                </a:rPr>
+                <a:t>Operation video</a:t>
+              </a:r>
+              <a:r>
+                <a:rPr lang="en-US" dirty="0"/>
+                <a:t> </a:t>
+              </a:r>
+            </a:p>
+          </p:txBody>
+        </p:sp>
+      </p:grpSp>
+    </p:spTree>
+    <p:extLst>
+      <p:ext uri="{BB962C8B-B14F-4D97-AF65-F5344CB8AC3E}">
+        <p14:creationId xmlns:p14="http://schemas.microsoft.com/office/powerpoint/2010/main" val="1167119287"/>
+      </p:ext>
+    </p:extLst>
+  </p:cSld>
+  <p:clrMapOvr>
+    <a:masterClrMapping/>
+  </p:clrMapOvr>
+  <p:timing>
+    <p:tnLst>
+      <p:par>
+        <p:cTn id="1" dur="indefinite" restart="never" nodeType="tmRoot">
+          <p:childTnLst>
+            <p:seq concurrent="1" nextAc="seek">
+              <p:cTn id="2" dur="indefinite" nodeType="mainSeq">
+                <p:childTnLst>
+                  <p:par>
+                    <p:cTn id="3" fill="hold">
+                      <p:stCondLst>
+                        <p:cond delay="indefinite"/>
+                      </p:stCondLst>
+                      <p:childTnLst>
+                        <p:par>
+                          <p:cTn id="4" fill="hold">
+                            <p:stCondLst>
+                              <p:cond delay="0"/>
+                            </p:stCondLst>
+                            <p:childTnLst>
+                              <p:par>
+                                <p:cTn id="5" presetID="1" presetClass="entr" presetSubtype="0" fill="hold" nodeType="clickEffect">
+                                  <p:stCondLst>
+                                    <p:cond delay="0"/>
+                                  </p:stCondLst>
+                                  <p:childTnLst>
+                                    <p:set>
+                                      <p:cBhvr>
+                                        <p:cTn id="6" dur="1" fill="hold">
+                                          <p:stCondLst>
+                                            <p:cond delay="0"/>
+                                          </p:stCondLst>
+                                        </p:cTn>
+                                        <p:tgtEl>
+                                          <p:spTgt spid="31"/>
+                                        </p:tgtEl>
+                                        <p:attrNameLst>
+                                          <p:attrName>style.visibility</p:attrName>
+                                        </p:attrNameLst>
+                                      </p:cBhvr>
+                                      <p:to>
+                                        <p:strVal val="visible"/>
+                                      </p:to>
+                                    </p:set>
+                                  </p:childTnLst>
+                                </p:cTn>
+                              </p:par>
+                            </p:childTnLst>
+                          </p:cTn>
+                        </p:par>
+                      </p:childTnLst>
+                    </p:cTn>
+                  </p:par>
+                </p:childTnLst>
+              </p:cTn>
+              <p:prevCondLst>
+                <p:cond evt="onPrev" delay="0">
+                  <p:tgtEl>
+                    <p:sldTgt/>
+                  </p:tgtEl>
+                </p:cond>
+              </p:prevCondLst>
+              <p:nextCondLst>
+                <p:cond evt="onNext" delay="0">
+                  <p:tgtEl>
+                    <p:sldTgt/>
+                  </p:tgtEl>
+                </p:cond>
+              </p:nextCondLst>
+            </p:seq>
+          </p:childTnLst>
+        </p:cTn>
+      </p:par>
+    </p:tnLst>
+  </p:timing>
 </p:sld>
 </file>
 
